--- a/figures/fig1wip.pptx
+++ b/figures/fig1wip.pptx
@@ -104,6 +104,11 @@
       </a:defRPr>
     </a:lvl9pPr>
   </p:defaultTextStyle>
+  <p:extLst>
+    <p:ext uri="{EFAFB233-063F-42B5-8137-9DF3F51BA10A}">
+      <p15:sldGuideLst xmlns:p15="http://schemas.microsoft.com/office/powerpoint/2012/main"/>
+    </p:ext>
+  </p:extLst>
 </p:presentation>
 </file>
 
@@ -254,7 +259,7 @@
           <a:p>
             <a:fld id="{A636E15B-5412-FE46-86A7-E9F15EEFBDD9}" type="datetimeFigureOut">
               <a:rPr lang="en-US" smtClean="0"/>
-              <a:t>11/25/19</a:t>
+              <a:t>11/26/19</a:t>
             </a:fld>
             <a:endParaRPr lang="en-US"/>
           </a:p>
@@ -452,7 +457,7 @@
           <a:p>
             <a:fld id="{A636E15B-5412-FE46-86A7-E9F15EEFBDD9}" type="datetimeFigureOut">
               <a:rPr lang="en-US" smtClean="0"/>
-              <a:t>11/25/19</a:t>
+              <a:t>11/26/19</a:t>
             </a:fld>
             <a:endParaRPr lang="en-US"/>
           </a:p>
@@ -660,7 +665,7 @@
           <a:p>
             <a:fld id="{A636E15B-5412-FE46-86A7-E9F15EEFBDD9}" type="datetimeFigureOut">
               <a:rPr lang="en-US" smtClean="0"/>
-              <a:t>11/25/19</a:t>
+              <a:t>11/26/19</a:t>
             </a:fld>
             <a:endParaRPr lang="en-US"/>
           </a:p>
@@ -858,7 +863,7 @@
           <a:p>
             <a:fld id="{A636E15B-5412-FE46-86A7-E9F15EEFBDD9}" type="datetimeFigureOut">
               <a:rPr lang="en-US" smtClean="0"/>
-              <a:t>11/25/19</a:t>
+              <a:t>11/26/19</a:t>
             </a:fld>
             <a:endParaRPr lang="en-US"/>
           </a:p>
@@ -1133,7 +1138,7 @@
           <a:p>
             <a:fld id="{A636E15B-5412-FE46-86A7-E9F15EEFBDD9}" type="datetimeFigureOut">
               <a:rPr lang="en-US" smtClean="0"/>
-              <a:t>11/25/19</a:t>
+              <a:t>11/26/19</a:t>
             </a:fld>
             <a:endParaRPr lang="en-US"/>
           </a:p>
@@ -1398,7 +1403,7 @@
           <a:p>
             <a:fld id="{A636E15B-5412-FE46-86A7-E9F15EEFBDD9}" type="datetimeFigureOut">
               <a:rPr lang="en-US" smtClean="0"/>
-              <a:t>11/25/19</a:t>
+              <a:t>11/26/19</a:t>
             </a:fld>
             <a:endParaRPr lang="en-US"/>
           </a:p>
@@ -1810,7 +1815,7 @@
           <a:p>
             <a:fld id="{A636E15B-5412-FE46-86A7-E9F15EEFBDD9}" type="datetimeFigureOut">
               <a:rPr lang="en-US" smtClean="0"/>
-              <a:t>11/25/19</a:t>
+              <a:t>11/26/19</a:t>
             </a:fld>
             <a:endParaRPr lang="en-US"/>
           </a:p>
@@ -1951,7 +1956,7 @@
           <a:p>
             <a:fld id="{A636E15B-5412-FE46-86A7-E9F15EEFBDD9}" type="datetimeFigureOut">
               <a:rPr lang="en-US" smtClean="0"/>
-              <a:t>11/25/19</a:t>
+              <a:t>11/26/19</a:t>
             </a:fld>
             <a:endParaRPr lang="en-US"/>
           </a:p>
@@ -2064,7 +2069,7 @@
           <a:p>
             <a:fld id="{A636E15B-5412-FE46-86A7-E9F15EEFBDD9}" type="datetimeFigureOut">
               <a:rPr lang="en-US" smtClean="0"/>
-              <a:t>11/25/19</a:t>
+              <a:t>11/26/19</a:t>
             </a:fld>
             <a:endParaRPr lang="en-US"/>
           </a:p>
@@ -2375,7 +2380,7 @@
           <a:p>
             <a:fld id="{A636E15B-5412-FE46-86A7-E9F15EEFBDD9}" type="datetimeFigureOut">
               <a:rPr lang="en-US" smtClean="0"/>
-              <a:t>11/25/19</a:t>
+              <a:t>11/26/19</a:t>
             </a:fld>
             <a:endParaRPr lang="en-US"/>
           </a:p>
@@ -2663,7 +2668,7 @@
           <a:p>
             <a:fld id="{A636E15B-5412-FE46-86A7-E9F15EEFBDD9}" type="datetimeFigureOut">
               <a:rPr lang="en-US" smtClean="0"/>
-              <a:t>11/25/19</a:t>
+              <a:t>11/26/19</a:t>
             </a:fld>
             <a:endParaRPr lang="en-US"/>
           </a:p>
@@ -2904,7 +2909,7 @@
           <a:p>
             <a:fld id="{A636E15B-5412-FE46-86A7-E9F15EEFBDD9}" type="datetimeFigureOut">
               <a:rPr lang="en-US" smtClean="0"/>
-              <a:t>11/25/19</a:t>
+              <a:t>11/26/19</a:t>
             </a:fld>
             <a:endParaRPr lang="en-US"/>
           </a:p>
@@ -3321,12 +3326,67 @@
           <a:chExt cx="0" cy="0"/>
         </a:xfrm>
       </p:grpSpPr>
+      <p:sp>
+        <p:nvSpPr>
+          <p:cNvPr id="14" name="Arc 13">
+            <a:extLst>
+              <a:ext uri="{FF2B5EF4-FFF2-40B4-BE49-F238E27FC236}">
+                <a16:creationId xmlns:a16="http://schemas.microsoft.com/office/drawing/2014/main" id="{60759615-4F4C-DE47-BA32-245A11066DBB}"/>
+              </a:ext>
+            </a:extLst>
+          </p:cNvPr>
+          <p:cNvSpPr/>
+          <p:nvPr/>
+        </p:nvSpPr>
+        <p:spPr>
+          <a:xfrm rot="14679459" flipH="1">
+            <a:off x="3205925" y="1035619"/>
+            <a:ext cx="3435034" cy="4771671"/>
+          </a:xfrm>
+          <a:prstGeom prst="arc">
+            <a:avLst>
+              <a:gd name="adj1" fmla="val 15566800"/>
+              <a:gd name="adj2" fmla="val 18199794"/>
+            </a:avLst>
+          </a:prstGeom>
+          <a:noFill/>
+          <a:ln w="101600">
+            <a:solidFill>
+              <a:srgbClr val="000000"/>
+            </a:solidFill>
+            <a:headEnd type="none" w="med" len="med"/>
+            <a:tailEnd type="triangle" w="med" len="med"/>
+          </a:ln>
+        </p:spPr>
+        <p:style>
+          <a:lnRef idx="1">
+            <a:schemeClr val="accent1"/>
+          </a:lnRef>
+          <a:fillRef idx="0">
+            <a:schemeClr val="accent1"/>
+          </a:fillRef>
+          <a:effectRef idx="0">
+            <a:schemeClr val="accent1"/>
+          </a:effectRef>
+          <a:fontRef idx="minor">
+            <a:schemeClr val="tx1"/>
+          </a:fontRef>
+        </p:style>
+        <p:txBody>
+          <a:bodyPr rtlCol="0" anchor="ctr"/>
+          <a:lstStyle/>
+          <a:p>
+            <a:pPr algn="ctr"/>
+            <a:endParaRPr lang="en-US" dirty="0"/>
+          </a:p>
+        </p:txBody>
+      </p:sp>
       <p:grpSp>
         <p:nvGrpSpPr>
-          <p:cNvPr id="41" name="Group 40">
-            <a:extLst>
-              <a:ext uri="{FF2B5EF4-FFF2-40B4-BE49-F238E27FC236}">
-                <a16:creationId xmlns:a16="http://schemas.microsoft.com/office/drawing/2014/main" id="{05090295-582B-9D46-BF66-EFD6B254B7C8}"/>
+          <p:cNvPr id="8" name="Group 7">
+            <a:extLst>
+              <a:ext uri="{FF2B5EF4-FFF2-40B4-BE49-F238E27FC236}">
+                <a16:creationId xmlns:a16="http://schemas.microsoft.com/office/drawing/2014/main" id="{5FB0909E-22B9-F44E-A303-FEB25ECB1EF2}"/>
               </a:ext>
             </a:extLst>
           </p:cNvPr>
@@ -3335,428 +3395,121 @@
         </p:nvGrpSpPr>
         <p:grpSpPr>
           <a:xfrm>
-            <a:off x="2571482" y="1527914"/>
-            <a:ext cx="6940285" cy="3917577"/>
-            <a:chOff x="2571482" y="1527914"/>
-            <a:chExt cx="6940285" cy="3917577"/>
+            <a:off x="1216156" y="1710807"/>
+            <a:ext cx="4790360" cy="3777192"/>
+            <a:chOff x="1216156" y="1710807"/>
+            <a:chExt cx="4790360" cy="3777192"/>
           </a:xfrm>
         </p:grpSpPr>
-        <p:grpSp>
-          <p:nvGrpSpPr>
-            <p:cNvPr id="33" name="Group 32">
+        <p:sp>
+          <p:nvSpPr>
+            <p:cNvPr id="29" name="Arc 28">
               <a:extLst>
                 <a:ext uri="{FF2B5EF4-FFF2-40B4-BE49-F238E27FC236}">
-                  <a16:creationId xmlns:a16="http://schemas.microsoft.com/office/drawing/2014/main" id="{EA92EE9F-0753-D14B-AF5F-3DF2736AC83F}"/>
+                  <a16:creationId xmlns:a16="http://schemas.microsoft.com/office/drawing/2014/main" id="{6463E5A7-F38E-AB47-92B3-508CB339D66C}"/>
                 </a:ext>
               </a:extLst>
             </p:cNvPr>
-            <p:cNvGrpSpPr/>
+            <p:cNvSpPr/>
             <p:nvPr/>
-          </p:nvGrpSpPr>
-          <p:grpSpPr>
-            <a:xfrm>
-              <a:off x="2571482" y="1527914"/>
-              <a:ext cx="6940285" cy="3917577"/>
-              <a:chOff x="2608058" y="650090"/>
-              <a:chExt cx="6940285" cy="3917577"/>
+          </p:nvSpPr>
+          <p:spPr>
+            <a:xfrm rot="21191600" flipH="1">
+              <a:off x="2571482" y="1777401"/>
+              <a:ext cx="3435034" cy="3288108"/>
             </a:xfrm>
-          </p:grpSpPr>
-          <p:grpSp>
-            <p:nvGrpSpPr>
-              <p:cNvPr id="10" name="Group 9">
-                <a:extLst>
-                  <a:ext uri="{FF2B5EF4-FFF2-40B4-BE49-F238E27FC236}">
-                    <a16:creationId xmlns:a16="http://schemas.microsoft.com/office/drawing/2014/main" id="{BA752B50-E2A0-1241-B34A-CB817B8ABA71}"/>
-                  </a:ext>
-                </a:extLst>
-              </p:cNvPr>
-              <p:cNvGrpSpPr/>
-              <p:nvPr/>
-            </p:nvGrpSpPr>
-            <p:grpSpPr>
-              <a:xfrm>
-                <a:off x="4536402" y="650090"/>
-                <a:ext cx="3083598" cy="454810"/>
-                <a:chOff x="4900469" y="1695723"/>
-                <a:chExt cx="1983179" cy="190005"/>
-              </a:xfrm>
-            </p:grpSpPr>
-            <p:sp>
-              <p:nvSpPr>
-                <p:cNvPr id="4" name="Rounded Rectangle 3">
-                  <a:extLst>
-                    <a:ext uri="{FF2B5EF4-FFF2-40B4-BE49-F238E27FC236}">
-                      <a16:creationId xmlns:a16="http://schemas.microsoft.com/office/drawing/2014/main" id="{E57E2105-A7A8-064D-977D-AAA187A95190}"/>
-                    </a:ext>
-                  </a:extLst>
-                </p:cNvPr>
-                <p:cNvSpPr/>
-                <p:nvPr/>
-              </p:nvSpPr>
-              <p:spPr>
-                <a:xfrm>
-                  <a:off x="4900469" y="1695723"/>
-                  <a:ext cx="1983179" cy="190005"/>
-                </a:xfrm>
-                <a:prstGeom prst="roundRect">
-                  <a:avLst/>
-                </a:prstGeom>
-                <a:noFill/>
-                <a:ln w="38100">
-                  <a:solidFill>
-                    <a:schemeClr val="tx1"/>
-                  </a:solidFill>
-                </a:ln>
-              </p:spPr>
-              <p:style>
-                <a:lnRef idx="2">
-                  <a:schemeClr val="accent1">
-                    <a:shade val="50000"/>
-                  </a:schemeClr>
-                </a:lnRef>
-                <a:fillRef idx="1">
-                  <a:schemeClr val="accent1"/>
-                </a:fillRef>
-                <a:effectRef idx="0">
-                  <a:schemeClr val="accent1"/>
-                </a:effectRef>
-                <a:fontRef idx="minor">
-                  <a:schemeClr val="lt1"/>
-                </a:fontRef>
-              </p:style>
-              <p:txBody>
-                <a:bodyPr rtlCol="0" anchor="ctr"/>
-                <a:lstStyle/>
-                <a:p>
-                  <a:pPr algn="ctr"/>
-                  <a:endParaRPr lang="en-US"/>
-                </a:p>
-              </p:txBody>
-            </p:sp>
-            <p:sp>
-              <p:nvSpPr>
-                <p:cNvPr id="5" name="Rectangle 4">
-                  <a:extLst>
-                    <a:ext uri="{FF2B5EF4-FFF2-40B4-BE49-F238E27FC236}">
-                      <a16:creationId xmlns:a16="http://schemas.microsoft.com/office/drawing/2014/main" id="{D5149ACB-22FB-7A49-A457-75B48C0535BE}"/>
-                    </a:ext>
-                  </a:extLst>
-                </p:cNvPr>
-                <p:cNvSpPr/>
-                <p:nvPr/>
-              </p:nvSpPr>
-              <p:spPr>
-                <a:xfrm>
-                  <a:off x="4995274" y="1719751"/>
-                  <a:ext cx="85091" cy="141947"/>
-                </a:xfrm>
-                <a:prstGeom prst="rect">
-                  <a:avLst/>
-                </a:prstGeom>
-                <a:solidFill>
-                  <a:srgbClr val="FF0000"/>
-                </a:solidFill>
-                <a:ln>
-                  <a:noFill/>
-                </a:ln>
-              </p:spPr>
-              <p:style>
-                <a:lnRef idx="2">
-                  <a:schemeClr val="accent1">
-                    <a:shade val="50000"/>
-                  </a:schemeClr>
-                </a:lnRef>
-                <a:fillRef idx="1">
-                  <a:schemeClr val="accent1"/>
-                </a:fillRef>
-                <a:effectRef idx="0">
-                  <a:schemeClr val="accent1"/>
-                </a:effectRef>
-                <a:fontRef idx="minor">
-                  <a:schemeClr val="lt1"/>
-                </a:fontRef>
-              </p:style>
-              <p:txBody>
-                <a:bodyPr rtlCol="0" anchor="ctr"/>
-                <a:lstStyle/>
-                <a:p>
-                  <a:pPr algn="ctr"/>
-                  <a:endParaRPr lang="en-US"/>
-                </a:p>
-              </p:txBody>
-            </p:sp>
-            <p:sp>
-              <p:nvSpPr>
-                <p:cNvPr id="6" name="Rectangle 5">
-                  <a:extLst>
-                    <a:ext uri="{FF2B5EF4-FFF2-40B4-BE49-F238E27FC236}">
-                      <a16:creationId xmlns:a16="http://schemas.microsoft.com/office/drawing/2014/main" id="{77D68E5D-CA94-0147-B970-D874D999579B}"/>
-                    </a:ext>
-                  </a:extLst>
-                </p:cNvPr>
-                <p:cNvSpPr/>
-                <p:nvPr/>
-              </p:nvSpPr>
-              <p:spPr>
-                <a:xfrm>
-                  <a:off x="5325933" y="1719751"/>
-                  <a:ext cx="85091" cy="141947"/>
-                </a:xfrm>
-                <a:prstGeom prst="rect">
-                  <a:avLst/>
-                </a:prstGeom>
-                <a:solidFill>
-                  <a:srgbClr val="00B0F0"/>
-                </a:solidFill>
-                <a:ln>
-                  <a:noFill/>
-                </a:ln>
-              </p:spPr>
-              <p:style>
-                <a:lnRef idx="2">
-                  <a:schemeClr val="accent1">
-                    <a:shade val="50000"/>
-                  </a:schemeClr>
-                </a:lnRef>
-                <a:fillRef idx="1">
-                  <a:schemeClr val="accent1"/>
-                </a:fillRef>
-                <a:effectRef idx="0">
-                  <a:schemeClr val="accent1"/>
-                </a:effectRef>
-                <a:fontRef idx="minor">
-                  <a:schemeClr val="lt1"/>
-                </a:fontRef>
-              </p:style>
-              <p:txBody>
-                <a:bodyPr rtlCol="0" anchor="ctr"/>
-                <a:lstStyle/>
-                <a:p>
-                  <a:pPr algn="ctr"/>
-                  <a:endParaRPr lang="en-US"/>
-                </a:p>
-              </p:txBody>
-            </p:sp>
-          </p:grpSp>
-          <p:sp>
-            <p:nvSpPr>
-              <p:cNvPr id="29" name="Arc 28">
-                <a:extLst>
-                  <a:ext uri="{FF2B5EF4-FFF2-40B4-BE49-F238E27FC236}">
-                    <a16:creationId xmlns:a16="http://schemas.microsoft.com/office/drawing/2014/main" id="{6463E5A7-F38E-AB47-92B3-508CB339D66C}"/>
-                  </a:ext>
-                </a:extLst>
-              </p:cNvPr>
-              <p:cNvSpPr/>
-              <p:nvPr/>
-            </p:nvSpPr>
-            <p:spPr>
-              <a:xfrm rot="21191600" flipH="1">
-                <a:off x="2608058" y="899577"/>
-                <a:ext cx="3435034" cy="3288108"/>
-              </a:xfrm>
-              <a:prstGeom prst="arc">
-                <a:avLst>
-                  <a:gd name="adj1" fmla="val 15741845"/>
-                  <a:gd name="adj2" fmla="val 21174407"/>
-                </a:avLst>
-              </a:prstGeom>
-              <a:noFill/>
-              <a:ln w="101600">
-                <a:solidFill>
-                  <a:srgbClr val="000000"/>
-                </a:solidFill>
-                <a:headEnd type="none" w="med" len="med"/>
-                <a:tailEnd type="triangle" w="med" len="med"/>
-              </a:ln>
-            </p:spPr>
-            <p:style>
-              <a:lnRef idx="1">
-                <a:schemeClr val="accent1"/>
-              </a:lnRef>
-              <a:fillRef idx="0">
-                <a:schemeClr val="accent1"/>
-              </a:fillRef>
-              <a:effectRef idx="0">
-                <a:schemeClr val="accent1"/>
-              </a:effectRef>
-              <a:fontRef idx="minor">
-                <a:schemeClr val="tx1"/>
-              </a:fontRef>
-            </p:style>
-            <p:txBody>
-              <a:bodyPr rtlCol="0" anchor="ctr"/>
-              <a:lstStyle/>
-              <a:p>
-                <a:pPr algn="ctr"/>
-                <a:endParaRPr lang="en-US" dirty="0"/>
-              </a:p>
-            </p:txBody>
-          </p:sp>
-          <p:sp>
-            <p:nvSpPr>
-              <p:cNvPr id="30" name="Arc 29">
-                <a:extLst>
-                  <a:ext uri="{FF2B5EF4-FFF2-40B4-BE49-F238E27FC236}">
-                    <a16:creationId xmlns:a16="http://schemas.microsoft.com/office/drawing/2014/main" id="{4D4B5B9A-9094-834F-BAA1-98D905D4972F}"/>
-                  </a:ext>
-                </a:extLst>
-              </p:cNvPr>
-              <p:cNvSpPr/>
-              <p:nvPr/>
-            </p:nvSpPr>
-            <p:spPr>
-              <a:xfrm rot="16932001" flipH="1">
-                <a:off x="2750583" y="1328224"/>
-                <a:ext cx="3191130" cy="3240490"/>
-              </a:xfrm>
-              <a:prstGeom prst="arc">
-                <a:avLst>
-                  <a:gd name="adj1" fmla="val 17818971"/>
-                  <a:gd name="adj2" fmla="val 5208474"/>
-                </a:avLst>
-              </a:prstGeom>
-              <a:ln w="101600">
-                <a:solidFill>
-                  <a:srgbClr val="000000"/>
-                </a:solidFill>
-                <a:headEnd type="none" w="med" len="med"/>
-                <a:tailEnd type="triangle" w="med" len="med"/>
-              </a:ln>
-            </p:spPr>
-            <p:style>
-              <a:lnRef idx="1">
-                <a:schemeClr val="accent1"/>
-              </a:lnRef>
-              <a:fillRef idx="0">
-                <a:schemeClr val="accent1"/>
-              </a:fillRef>
-              <a:effectRef idx="0">
-                <a:schemeClr val="accent1"/>
-              </a:effectRef>
-              <a:fontRef idx="minor">
-                <a:schemeClr val="tx1"/>
-              </a:fontRef>
-            </p:style>
-            <p:txBody>
-              <a:bodyPr rtlCol="0" anchor="ctr"/>
-              <a:lstStyle/>
-              <a:p>
-                <a:pPr algn="ctr"/>
-                <a:endParaRPr lang="en-US"/>
-              </a:p>
-            </p:txBody>
-          </p:sp>
-          <p:sp>
-            <p:nvSpPr>
-              <p:cNvPr id="31" name="Arc 30">
-                <a:extLst>
-                  <a:ext uri="{FF2B5EF4-FFF2-40B4-BE49-F238E27FC236}">
-                    <a16:creationId xmlns:a16="http://schemas.microsoft.com/office/drawing/2014/main" id="{1404FD4D-AF54-A946-B779-A7B9379B1776}"/>
-                  </a:ext>
-                </a:extLst>
-              </p:cNvPr>
-              <p:cNvSpPr/>
-              <p:nvPr/>
-            </p:nvSpPr>
-            <p:spPr>
-              <a:xfrm rot="408400">
-                <a:off x="6113309" y="899577"/>
-                <a:ext cx="3435034" cy="3288108"/>
-              </a:xfrm>
-              <a:prstGeom prst="arc">
-                <a:avLst>
-                  <a:gd name="adj1" fmla="val 15741845"/>
-                  <a:gd name="adj2" fmla="val 21174407"/>
-                </a:avLst>
-              </a:prstGeom>
-              <a:noFill/>
-              <a:ln w="101600">
-                <a:solidFill>
-                  <a:srgbClr val="000000"/>
-                </a:solidFill>
-                <a:headEnd type="none" w="med" len="med"/>
-                <a:tailEnd type="triangle" w="med" len="med"/>
-              </a:ln>
-            </p:spPr>
-            <p:style>
-              <a:lnRef idx="1">
-                <a:schemeClr val="accent1"/>
-              </a:lnRef>
-              <a:fillRef idx="0">
-                <a:schemeClr val="accent1"/>
-              </a:fillRef>
-              <a:effectRef idx="0">
-                <a:schemeClr val="accent1"/>
-              </a:effectRef>
-              <a:fontRef idx="minor">
-                <a:schemeClr val="tx1"/>
-              </a:fontRef>
-            </p:style>
-            <p:txBody>
-              <a:bodyPr rtlCol="0" anchor="ctr"/>
-              <a:lstStyle/>
-              <a:p>
-                <a:pPr algn="ctr"/>
-                <a:endParaRPr lang="en-US" dirty="0"/>
-              </a:p>
-            </p:txBody>
-          </p:sp>
-          <p:sp>
-            <p:nvSpPr>
-              <p:cNvPr id="32" name="Arc 31">
-                <a:extLst>
-                  <a:ext uri="{FF2B5EF4-FFF2-40B4-BE49-F238E27FC236}">
-                    <a16:creationId xmlns:a16="http://schemas.microsoft.com/office/drawing/2014/main" id="{34FBA2B7-110B-AB40-9DE3-C052F7A90626}"/>
-                  </a:ext>
-                </a:extLst>
-              </p:cNvPr>
-              <p:cNvSpPr/>
-              <p:nvPr/>
-            </p:nvSpPr>
-            <p:spPr>
-              <a:xfrm rot="4667999">
-                <a:off x="6255833" y="1351857"/>
-                <a:ext cx="3191130" cy="3240490"/>
-              </a:xfrm>
-              <a:prstGeom prst="arc">
-                <a:avLst>
-                  <a:gd name="adj1" fmla="val 17818971"/>
-                  <a:gd name="adj2" fmla="val 5208474"/>
-                </a:avLst>
-              </a:prstGeom>
-              <a:ln w="101600">
-                <a:solidFill>
-                  <a:srgbClr val="000000"/>
-                </a:solidFill>
-                <a:headEnd type="none" w="med" len="med"/>
-                <a:tailEnd type="triangle" w="med" len="med"/>
-              </a:ln>
-            </p:spPr>
-            <p:style>
-              <a:lnRef idx="1">
-                <a:schemeClr val="accent1"/>
-              </a:lnRef>
-              <a:fillRef idx="0">
-                <a:schemeClr val="accent1"/>
-              </a:fillRef>
-              <a:effectRef idx="0">
-                <a:schemeClr val="accent1"/>
-              </a:effectRef>
-              <a:fontRef idx="minor">
-                <a:schemeClr val="tx1"/>
-              </a:fontRef>
-            </p:style>
-            <p:txBody>
-              <a:bodyPr rtlCol="0" anchor="ctr"/>
-              <a:lstStyle/>
-              <a:p>
-                <a:pPr algn="ctr"/>
-                <a:endParaRPr lang="en-US"/>
-              </a:p>
-            </p:txBody>
-          </p:sp>
-        </p:grpSp>
+            <a:prstGeom prst="arc">
+              <a:avLst>
+                <a:gd name="adj1" fmla="val 17963556"/>
+                <a:gd name="adj2" fmla="val 21174407"/>
+              </a:avLst>
+            </a:prstGeom>
+            <a:noFill/>
+            <a:ln w="101600">
+              <a:solidFill>
+                <a:srgbClr val="000000"/>
+              </a:solidFill>
+              <a:headEnd type="none" w="med" len="med"/>
+              <a:tailEnd type="triangle" w="med" len="med"/>
+            </a:ln>
+          </p:spPr>
+          <p:style>
+            <a:lnRef idx="1">
+              <a:schemeClr val="accent1"/>
+            </a:lnRef>
+            <a:fillRef idx="0">
+              <a:schemeClr val="accent1"/>
+            </a:fillRef>
+            <a:effectRef idx="0">
+              <a:schemeClr val="accent1"/>
+            </a:effectRef>
+            <a:fontRef idx="minor">
+              <a:schemeClr val="tx1"/>
+            </a:fontRef>
+          </p:style>
+          <p:txBody>
+            <a:bodyPr rtlCol="0" anchor="ctr"/>
+            <a:lstStyle/>
+            <a:p>
+              <a:pPr algn="ctr"/>
+              <a:endParaRPr lang="en-US" dirty="0"/>
+            </a:p>
+          </p:txBody>
+        </p:sp>
+        <p:sp>
+          <p:nvSpPr>
+            <p:cNvPr id="30" name="Arc 29">
+              <a:extLst>
+                <a:ext uri="{FF2B5EF4-FFF2-40B4-BE49-F238E27FC236}">
+                  <a16:creationId xmlns:a16="http://schemas.microsoft.com/office/drawing/2014/main" id="{4D4B5B9A-9094-834F-BAA1-98D905D4972F}"/>
+                </a:ext>
+              </a:extLst>
+            </p:cNvPr>
+            <p:cNvSpPr/>
+            <p:nvPr/>
+          </p:nvSpPr>
+          <p:spPr>
+            <a:xfrm rot="16932001" flipH="1">
+              <a:off x="2604107" y="2104606"/>
+              <a:ext cx="3191130" cy="3239505"/>
+            </a:xfrm>
+            <a:prstGeom prst="arc">
+              <a:avLst>
+                <a:gd name="adj1" fmla="val 2251080"/>
+                <a:gd name="adj2" fmla="val 5208474"/>
+              </a:avLst>
+            </a:prstGeom>
+            <a:ln w="101600">
+              <a:solidFill>
+                <a:srgbClr val="000000"/>
+              </a:solidFill>
+              <a:headEnd type="none" w="med" len="med"/>
+              <a:tailEnd type="triangle" w="med" len="med"/>
+            </a:ln>
+          </p:spPr>
+          <p:style>
+            <a:lnRef idx="1">
+              <a:schemeClr val="accent1"/>
+            </a:lnRef>
+            <a:fillRef idx="0">
+              <a:schemeClr val="accent1"/>
+            </a:fillRef>
+            <a:effectRef idx="0">
+              <a:schemeClr val="accent1"/>
+            </a:effectRef>
+            <a:fontRef idx="minor">
+              <a:schemeClr val="tx1"/>
+            </a:fontRef>
+          </p:style>
+          <p:txBody>
+            <a:bodyPr rtlCol="0" anchor="ctr"/>
+            <a:lstStyle/>
+            <a:p>
+              <a:pPr algn="ctr"/>
+              <a:endParaRPr lang="en-US"/>
+            </a:p>
+          </p:txBody>
+        </p:sp>
         <p:sp>
           <p:nvSpPr>
             <p:cNvPr id="39" name="Arc 38">
@@ -3771,13 +3524,13 @@
           </p:nvSpPr>
           <p:spPr>
             <a:xfrm>
-              <a:off x="5124209" y="2077926"/>
-              <a:ext cx="769775" cy="3237070"/>
+              <a:off x="4350717" y="2145694"/>
+              <a:ext cx="1416857" cy="2551520"/>
             </a:xfrm>
             <a:prstGeom prst="arc">
               <a:avLst>
-                <a:gd name="adj1" fmla="val 16397295"/>
-                <a:gd name="adj2" fmla="val 19479254"/>
+                <a:gd name="adj1" fmla="val 17230262"/>
+                <a:gd name="adj2" fmla="val 19756702"/>
               </a:avLst>
             </a:prstGeom>
             <a:ln w="101600">
@@ -3811,12 +3564,186 @@
             </a:p>
           </p:txBody>
         </p:sp>
+        <mc:AlternateContent xmlns:mc="http://schemas.openxmlformats.org/markup-compatibility/2006">
+          <mc:Choice xmlns:a14="http://schemas.microsoft.com/office/drawing/2010/main" Requires="a14">
+            <p:sp>
+              <p:nvSpPr>
+                <p:cNvPr id="2" name="TextBox 1">
+                  <a:extLst>
+                    <a:ext uri="{FF2B5EF4-FFF2-40B4-BE49-F238E27FC236}">
+                      <a16:creationId xmlns:a16="http://schemas.microsoft.com/office/drawing/2014/main" id="{CD8EF41B-CC97-474A-AD24-8C7F64E969AF}"/>
+                    </a:ext>
+                  </a:extLst>
+                </p:cNvPr>
+                <p:cNvSpPr txBox="1"/>
+                <p:nvPr/>
+              </p:nvSpPr>
+              <p:spPr>
+                <a:xfrm>
+                  <a:off x="1216156" y="3345330"/>
+                  <a:ext cx="2613092" cy="646331"/>
+                </a:xfrm>
+                <a:prstGeom prst="rect">
+                  <a:avLst/>
+                </a:prstGeom>
+                <a:noFill/>
+              </p:spPr>
+              <p:txBody>
+                <a:bodyPr wrap="square" rtlCol="0">
+                  <a:spAutoFit/>
+                </a:bodyPr>
+                <a:lstStyle/>
+                <a:p>
+                  <a:pPr algn="ctr"/>
+                  <a:r>
+                    <a:rPr lang="en-US" dirty="0"/>
+                    <a:t>♀parents</a:t>
+                  </a:r>
+                </a:p>
+                <a:p>
+                  <a14:m>
+                    <m:oMathPara xmlns:m="http://schemas.openxmlformats.org/officeDocument/2006/math">
+                      <m:oMathParaPr>
+                        <m:jc m:val="centerGroup"/>
+                      </m:oMathParaPr>
+                      <m:oMath xmlns:m="http://schemas.openxmlformats.org/officeDocument/2006/math">
+                        <m:r>
+                          <a:rPr lang="en-US" b="0" i="1" smtClean="0">
+                            <a:latin typeface="Cambria Math" panose="02040503050406030204" pitchFamily="18" charset="0"/>
+                          </a:rPr>
+                          <m:t>(1, 1+</m:t>
+                        </m:r>
+                        <m:r>
+                          <a:rPr lang="en-US" b="0" i="1" smtClean="0">
+                            <a:latin typeface="Cambria Math" panose="02040503050406030204" pitchFamily="18" charset="0"/>
+                          </a:rPr>
+                          <m:t>h𝑠</m:t>
+                        </m:r>
+                        <m:r>
+                          <a:rPr lang="en-US" b="0" i="1" smtClean="0">
+                            <a:latin typeface="Cambria Math" panose="02040503050406030204" pitchFamily="18" charset="0"/>
+                          </a:rPr>
+                          <m:t>, 1+</m:t>
+                        </m:r>
+                        <m:r>
+                          <a:rPr lang="en-US" b="0" i="1" smtClean="0">
+                            <a:latin typeface="Cambria Math" panose="02040503050406030204" pitchFamily="18" charset="0"/>
+                          </a:rPr>
+                          <m:t>h𝑠</m:t>
+                        </m:r>
+                        <m:r>
+                          <a:rPr lang="en-US" b="0" i="1" smtClean="0">
+                            <a:latin typeface="Cambria Math" panose="02040503050406030204" pitchFamily="18" charset="0"/>
+                          </a:rPr>
+                          <m:t>, 1+</m:t>
+                        </m:r>
+                        <m:r>
+                          <a:rPr lang="en-US" b="0" i="1" smtClean="0">
+                            <a:latin typeface="Cambria Math" panose="02040503050406030204" pitchFamily="18" charset="0"/>
+                          </a:rPr>
+                          <m:t>𝑠</m:t>
+                        </m:r>
+                        <m:r>
+                          <a:rPr lang="en-US" b="0" i="1" smtClean="0">
+                            <a:latin typeface="Cambria Math" panose="02040503050406030204" pitchFamily="18" charset="0"/>
+                          </a:rPr>
+                          <m:t>)</m:t>
+                        </m:r>
+                      </m:oMath>
+                    </m:oMathPara>
+                  </a14:m>
+                  <a:endParaRPr lang="en-US" dirty="0"/>
+                </a:p>
+              </p:txBody>
+            </p:sp>
+          </mc:Choice>
+          <mc:Fallback>
+            <p:sp>
+              <p:nvSpPr>
+                <p:cNvPr id="2" name="TextBox 1">
+                  <a:extLst>
+                    <a:ext uri="{FF2B5EF4-FFF2-40B4-BE49-F238E27FC236}">
+                      <a16:creationId xmlns:a16="http://schemas.microsoft.com/office/drawing/2014/main" id="{CD8EF41B-CC97-474A-AD24-8C7F64E969AF}"/>
+                    </a:ext>
+                  </a:extLst>
+                </p:cNvPr>
+                <p:cNvSpPr txBox="1">
+                  <a:spLocks noRot="1" noChangeAspect="1" noMove="1" noResize="1" noEditPoints="1" noAdjustHandles="1" noChangeArrowheads="1" noChangeShapeType="1" noTextEdit="1"/>
+                </p:cNvSpPr>
+                <p:nvPr/>
+              </p:nvSpPr>
+              <p:spPr>
+                <a:xfrm>
+                  <a:off x="1216156" y="3345330"/>
+                  <a:ext cx="2613092" cy="646331"/>
+                </a:xfrm>
+                <a:prstGeom prst="rect">
+                  <a:avLst/>
+                </a:prstGeom>
+                <a:blipFill>
+                  <a:blip r:embed="rId2"/>
+                  <a:stretch>
+                    <a:fillRect t="-1923" b="-7692"/>
+                  </a:stretch>
+                </a:blipFill>
+              </p:spPr>
+              <p:txBody>
+                <a:bodyPr/>
+                <a:lstStyle/>
+                <a:p>
+                  <a:r>
+                    <a:rPr lang="en-US">
+                      <a:noFill/>
+                    </a:rPr>
+                    <a:t> </a:t>
+                  </a:r>
+                </a:p>
+              </p:txBody>
+            </p:sp>
+          </mc:Fallback>
+        </mc:AlternateContent>
         <p:sp>
           <p:nvSpPr>
-            <p:cNvPr id="40" name="Arc 39">
+            <p:cNvPr id="17" name="TextBox 16">
               <a:extLst>
                 <a:ext uri="{FF2B5EF4-FFF2-40B4-BE49-F238E27FC236}">
-                  <a16:creationId xmlns:a16="http://schemas.microsoft.com/office/drawing/2014/main" id="{7D87054D-2672-3F42-B67D-09A6D7AE96D6}"/>
+                  <a16:creationId xmlns:a16="http://schemas.microsoft.com/office/drawing/2014/main" id="{82EFCD77-77A2-CF46-8699-781BAF1DD7F2}"/>
+                </a:ext>
+              </a:extLst>
+            </p:cNvPr>
+            <p:cNvSpPr txBox="1"/>
+            <p:nvPr/>
+          </p:nvSpPr>
+          <p:spPr>
+            <a:xfrm>
+              <a:off x="3019619" y="5118667"/>
+              <a:ext cx="2613092" cy="369332"/>
+            </a:xfrm>
+            <a:prstGeom prst="rect">
+              <a:avLst/>
+            </a:prstGeom>
+            <a:noFill/>
+          </p:spPr>
+          <p:txBody>
+            <a:bodyPr wrap="square" rtlCol="0">
+              <a:spAutoFit/>
+            </a:bodyPr>
+            <a:lstStyle/>
+            <a:p>
+              <a:pPr algn="ctr"/>
+              <a:r>
+                <a:rPr lang="en-US" dirty="0"/>
+                <a:t>♀gametes</a:t>
+              </a:r>
+            </a:p>
+          </p:txBody>
+        </p:sp>
+        <p:sp>
+          <p:nvSpPr>
+            <p:cNvPr id="20" name="Rounded Rectangle 19">
+              <a:extLst>
+                <a:ext uri="{FF2B5EF4-FFF2-40B4-BE49-F238E27FC236}">
+                  <a16:creationId xmlns:a16="http://schemas.microsoft.com/office/drawing/2014/main" id="{49199440-795E-594E-A697-F51AF688CE8E}"/>
                 </a:ext>
               </a:extLst>
             </p:cNvPr>
@@ -3824,14 +3751,248 @@
             <p:nvPr/>
           </p:nvSpPr>
           <p:spPr>
-            <a:xfrm flipH="1">
-              <a:off x="6230409" y="2077926"/>
-              <a:ext cx="769775" cy="3237070"/>
+            <a:xfrm>
+              <a:off x="3442317" y="1710807"/>
+              <a:ext cx="1798855" cy="331404"/>
+            </a:xfrm>
+            <a:prstGeom prst="roundRect">
+              <a:avLst/>
+            </a:prstGeom>
+            <a:noFill/>
+            <a:ln w="38100">
+              <a:solidFill>
+                <a:schemeClr val="tx1"/>
+              </a:solidFill>
+            </a:ln>
+          </p:spPr>
+          <p:style>
+            <a:lnRef idx="2">
+              <a:schemeClr val="accent1">
+                <a:shade val="50000"/>
+              </a:schemeClr>
+            </a:lnRef>
+            <a:fillRef idx="1">
+              <a:schemeClr val="accent1"/>
+            </a:fillRef>
+            <a:effectRef idx="0">
+              <a:schemeClr val="accent1"/>
+            </a:effectRef>
+            <a:fontRef idx="minor">
+              <a:schemeClr val="lt1"/>
+            </a:fontRef>
+          </p:style>
+          <p:txBody>
+            <a:bodyPr rtlCol="0" anchor="ctr"/>
+            <a:lstStyle/>
+            <a:p>
+              <a:pPr algn="ctr"/>
+              <a:endParaRPr lang="en-US"/>
+            </a:p>
+          </p:txBody>
+        </p:sp>
+        <p:sp>
+          <p:nvSpPr>
+            <p:cNvPr id="21" name="Rectangle 20">
+              <a:extLst>
+                <a:ext uri="{FF2B5EF4-FFF2-40B4-BE49-F238E27FC236}">
+                  <a16:creationId xmlns:a16="http://schemas.microsoft.com/office/drawing/2014/main" id="{9B2FBDFE-CA58-0548-AF4F-6075FF95AB33}"/>
+                </a:ext>
+              </a:extLst>
+            </p:cNvPr>
+            <p:cNvSpPr/>
+            <p:nvPr/>
+          </p:nvSpPr>
+          <p:spPr>
+            <a:xfrm>
+              <a:off x="3589724" y="1768400"/>
+              <a:ext cx="77183" cy="247582"/>
+            </a:xfrm>
+            <a:prstGeom prst="rect">
+              <a:avLst/>
+            </a:prstGeom>
+            <a:solidFill>
+              <a:srgbClr val="FF0000"/>
+            </a:solidFill>
+            <a:ln>
+              <a:noFill/>
+            </a:ln>
+          </p:spPr>
+          <p:style>
+            <a:lnRef idx="2">
+              <a:schemeClr val="accent1">
+                <a:shade val="50000"/>
+              </a:schemeClr>
+            </a:lnRef>
+            <a:fillRef idx="1">
+              <a:schemeClr val="accent1"/>
+            </a:fillRef>
+            <a:effectRef idx="0">
+              <a:schemeClr val="accent1"/>
+            </a:effectRef>
+            <a:fontRef idx="minor">
+              <a:schemeClr val="lt1"/>
+            </a:fontRef>
+          </p:style>
+          <p:txBody>
+            <a:bodyPr rtlCol="0" anchor="ctr"/>
+            <a:lstStyle/>
+            <a:p>
+              <a:pPr algn="ctr"/>
+              <a:endParaRPr lang="en-US"/>
+            </a:p>
+          </p:txBody>
+        </p:sp>
+      </p:grpSp>
+      <p:grpSp>
+        <p:nvGrpSpPr>
+          <p:cNvPr id="42" name="Group 41">
+            <a:extLst>
+              <a:ext uri="{FF2B5EF4-FFF2-40B4-BE49-F238E27FC236}">
+                <a16:creationId xmlns:a16="http://schemas.microsoft.com/office/drawing/2014/main" id="{2ED61FF4-61B0-B649-981F-52750D6918E3}"/>
+              </a:ext>
+            </a:extLst>
+          </p:cNvPr>
+          <p:cNvGrpSpPr/>
+          <p:nvPr/>
+        </p:nvGrpSpPr>
+        <p:grpSpPr>
+          <a:xfrm flipH="1">
+            <a:off x="5686829" y="1710807"/>
+            <a:ext cx="4523369" cy="3777192"/>
+            <a:chOff x="1483147" y="1710807"/>
+            <a:chExt cx="4523369" cy="3777192"/>
+          </a:xfrm>
+        </p:grpSpPr>
+        <p:sp>
+          <p:nvSpPr>
+            <p:cNvPr id="43" name="Arc 42">
+              <a:extLst>
+                <a:ext uri="{FF2B5EF4-FFF2-40B4-BE49-F238E27FC236}">
+                  <a16:creationId xmlns:a16="http://schemas.microsoft.com/office/drawing/2014/main" id="{96559448-87A8-2042-A5C4-C00CF2BA2CE7}"/>
+                </a:ext>
+              </a:extLst>
+            </p:cNvPr>
+            <p:cNvSpPr/>
+            <p:nvPr/>
+          </p:nvSpPr>
+          <p:spPr>
+            <a:xfrm rot="21191600" flipH="1">
+              <a:off x="2571482" y="1777401"/>
+              <a:ext cx="3435034" cy="3288108"/>
             </a:xfrm>
             <a:prstGeom prst="arc">
               <a:avLst>
-                <a:gd name="adj1" fmla="val 16397295"/>
-                <a:gd name="adj2" fmla="val 19479254"/>
+                <a:gd name="adj1" fmla="val 17963556"/>
+                <a:gd name="adj2" fmla="val 21174407"/>
+              </a:avLst>
+            </a:prstGeom>
+            <a:noFill/>
+            <a:ln w="101600">
+              <a:solidFill>
+                <a:srgbClr val="000000"/>
+              </a:solidFill>
+              <a:headEnd type="none" w="med" len="med"/>
+              <a:tailEnd type="triangle" w="med" len="med"/>
+            </a:ln>
+          </p:spPr>
+          <p:style>
+            <a:lnRef idx="1">
+              <a:schemeClr val="accent1"/>
+            </a:lnRef>
+            <a:fillRef idx="0">
+              <a:schemeClr val="accent1"/>
+            </a:fillRef>
+            <a:effectRef idx="0">
+              <a:schemeClr val="accent1"/>
+            </a:effectRef>
+            <a:fontRef idx="minor">
+              <a:schemeClr val="tx1"/>
+            </a:fontRef>
+          </p:style>
+          <p:txBody>
+            <a:bodyPr rtlCol="0" anchor="ctr"/>
+            <a:lstStyle/>
+            <a:p>
+              <a:pPr algn="ctr"/>
+              <a:endParaRPr lang="en-US" dirty="0"/>
+            </a:p>
+          </p:txBody>
+        </p:sp>
+        <p:sp>
+          <p:nvSpPr>
+            <p:cNvPr id="44" name="Arc 43">
+              <a:extLst>
+                <a:ext uri="{FF2B5EF4-FFF2-40B4-BE49-F238E27FC236}">
+                  <a16:creationId xmlns:a16="http://schemas.microsoft.com/office/drawing/2014/main" id="{F749B56F-E25E-C94D-9786-F3F3188D9622}"/>
+                </a:ext>
+              </a:extLst>
+            </p:cNvPr>
+            <p:cNvSpPr/>
+            <p:nvPr/>
+          </p:nvSpPr>
+          <p:spPr>
+            <a:xfrm rot="16932001" flipH="1">
+              <a:off x="2604107" y="2104606"/>
+              <a:ext cx="3191130" cy="3239505"/>
+            </a:xfrm>
+            <a:prstGeom prst="arc">
+              <a:avLst>
+                <a:gd name="adj1" fmla="val 2251080"/>
+                <a:gd name="adj2" fmla="val 5208474"/>
+              </a:avLst>
+            </a:prstGeom>
+            <a:ln w="101600">
+              <a:solidFill>
+                <a:srgbClr val="000000"/>
+              </a:solidFill>
+              <a:headEnd type="none" w="med" len="med"/>
+              <a:tailEnd type="triangle" w="med" len="med"/>
+            </a:ln>
+          </p:spPr>
+          <p:style>
+            <a:lnRef idx="1">
+              <a:schemeClr val="accent1"/>
+            </a:lnRef>
+            <a:fillRef idx="0">
+              <a:schemeClr val="accent1"/>
+            </a:fillRef>
+            <a:effectRef idx="0">
+              <a:schemeClr val="accent1"/>
+            </a:effectRef>
+            <a:fontRef idx="minor">
+              <a:schemeClr val="tx1"/>
+            </a:fontRef>
+          </p:style>
+          <p:txBody>
+            <a:bodyPr rtlCol="0" anchor="ctr"/>
+            <a:lstStyle/>
+            <a:p>
+              <a:pPr algn="ctr"/>
+              <a:endParaRPr lang="en-US"/>
+            </a:p>
+          </p:txBody>
+        </p:sp>
+        <p:sp>
+          <p:nvSpPr>
+            <p:cNvPr id="45" name="Arc 44">
+              <a:extLst>
+                <a:ext uri="{FF2B5EF4-FFF2-40B4-BE49-F238E27FC236}">
+                  <a16:creationId xmlns:a16="http://schemas.microsoft.com/office/drawing/2014/main" id="{AC06135C-4020-544A-9F31-766B749D9F06}"/>
+                </a:ext>
+              </a:extLst>
+            </p:cNvPr>
+            <p:cNvSpPr/>
+            <p:nvPr/>
+          </p:nvSpPr>
+          <p:spPr>
+            <a:xfrm>
+              <a:off x="4350717" y="2145694"/>
+              <a:ext cx="1416857" cy="2551520"/>
+            </a:xfrm>
+            <a:prstGeom prst="arc">
+              <a:avLst>
+                <a:gd name="adj1" fmla="val 17230262"/>
+                <a:gd name="adj2" fmla="val 19756702"/>
               </a:avLst>
             </a:prstGeom>
             <a:ln w="101600">
@@ -3865,7 +4026,959 @@
             </a:p>
           </p:txBody>
         </p:sp>
+        <mc:AlternateContent xmlns:mc="http://schemas.openxmlformats.org/markup-compatibility/2006">
+          <mc:Choice xmlns:a14="http://schemas.microsoft.com/office/drawing/2010/main" Requires="a14">
+            <p:sp>
+              <p:nvSpPr>
+                <p:cNvPr id="46" name="TextBox 45">
+                  <a:extLst>
+                    <a:ext uri="{FF2B5EF4-FFF2-40B4-BE49-F238E27FC236}">
+                      <a16:creationId xmlns:a16="http://schemas.microsoft.com/office/drawing/2014/main" id="{0A0BECBE-D67B-D14D-9387-D62B8FDA5BA7}"/>
+                    </a:ext>
+                  </a:extLst>
+                </p:cNvPr>
+                <p:cNvSpPr txBox="1"/>
+                <p:nvPr/>
+              </p:nvSpPr>
+              <p:spPr>
+                <a:xfrm>
+                  <a:off x="1483147" y="3347096"/>
+                  <a:ext cx="2148121" cy="761940"/>
+                </a:xfrm>
+                <a:prstGeom prst="rect">
+                  <a:avLst/>
+                </a:prstGeom>
+                <a:noFill/>
+              </p:spPr>
+              <p:txBody>
+                <a:bodyPr wrap="square" rtlCol="0">
+                  <a:spAutoFit/>
+                </a:bodyPr>
+                <a:lstStyle/>
+                <a:p>
+                  <a:pPr algn="ctr"/>
+                  <a:r>
+                    <a:rPr lang="en-US" dirty="0"/>
+                    <a:t>♂parents</a:t>
+                  </a:r>
+                </a:p>
+                <a:p>
+                  <a14:m>
+                    <m:oMath xmlns:m="http://schemas.openxmlformats.org/officeDocument/2006/math">
+                      <m:r>
+                        <a:rPr lang="en-US" b="0" i="1" smtClean="0">
+                          <a:latin typeface="Cambria Math" panose="02040503050406030204" pitchFamily="18" charset="0"/>
+                          <a:ea typeface="Cambria Math" panose="02040503050406030204" pitchFamily="18" charset="0"/>
+                        </a:rPr>
+                        <m:t>(</m:t>
+                      </m:r>
+                      <m:r>
+                        <a:rPr lang="en-US" b="0" i="1" dirty="0" smtClean="0">
+                          <a:latin typeface="Cambria Math" panose="02040503050406030204" pitchFamily="18" charset="0"/>
+                          <a:ea typeface="Cambria Math" panose="02040503050406030204" pitchFamily="18" charset="0"/>
+                        </a:rPr>
+                        <m:t>1, </m:t>
+                      </m:r>
+                      <m:f>
+                        <m:fPr>
+                          <m:ctrlPr>
+                            <a:rPr lang="en-US" b="0" i="1" dirty="0" smtClean="0">
+                              <a:latin typeface="Cambria Math" panose="02040503050406030204" pitchFamily="18" charset="0"/>
+                              <a:ea typeface="Cambria Math" panose="02040503050406030204" pitchFamily="18" charset="0"/>
+                            </a:rPr>
+                          </m:ctrlPr>
+                        </m:fPr>
+                        <m:num>
+                          <m:r>
+                            <a:rPr lang="en-US" b="0" i="1" dirty="0" smtClean="0">
+                              <a:latin typeface="Cambria Math" panose="02040503050406030204" pitchFamily="18" charset="0"/>
+                              <a:ea typeface="Cambria Math" panose="02040503050406030204" pitchFamily="18" charset="0"/>
+                            </a:rPr>
+                            <m:t>1</m:t>
+                          </m:r>
+                        </m:num>
+                        <m:den>
+                          <m:r>
+                            <a:rPr lang="en-US" i="1" dirty="0">
+                              <a:latin typeface="Cambria Math" panose="02040503050406030204" pitchFamily="18" charset="0"/>
+                              <a:ea typeface="Cambria Math" panose="02040503050406030204" pitchFamily="18" charset="0"/>
+                            </a:rPr>
+                            <m:t>1+</m:t>
+                          </m:r>
+                          <m:r>
+                            <a:rPr lang="en-US" i="1" dirty="0">
+                              <a:latin typeface="Cambria Math" panose="02040503050406030204" pitchFamily="18" charset="0"/>
+                              <a:ea typeface="Cambria Math" panose="02040503050406030204" pitchFamily="18" charset="0"/>
+                            </a:rPr>
+                            <m:t>h𝑠</m:t>
+                          </m:r>
+                        </m:den>
+                      </m:f>
+                      <m:r>
+                        <a:rPr lang="en-US" b="0" i="1" dirty="0" smtClean="0">
+                          <a:latin typeface="Cambria Math" panose="02040503050406030204" pitchFamily="18" charset="0"/>
+                          <a:ea typeface="Cambria Math" panose="02040503050406030204" pitchFamily="18" charset="0"/>
+                        </a:rPr>
+                        <m:t>,</m:t>
+                      </m:r>
+                      <m:f>
+                        <m:fPr>
+                          <m:ctrlPr>
+                            <a:rPr lang="en-US" i="1" dirty="0">
+                              <a:latin typeface="Cambria Math" panose="02040503050406030204" pitchFamily="18" charset="0"/>
+                              <a:ea typeface="Cambria Math" panose="02040503050406030204" pitchFamily="18" charset="0"/>
+                            </a:rPr>
+                          </m:ctrlPr>
+                        </m:fPr>
+                        <m:num>
+                          <m:r>
+                            <a:rPr lang="en-US" i="1" dirty="0">
+                              <a:latin typeface="Cambria Math" panose="02040503050406030204" pitchFamily="18" charset="0"/>
+                              <a:ea typeface="Cambria Math" panose="02040503050406030204" pitchFamily="18" charset="0"/>
+                            </a:rPr>
+                            <m:t>1</m:t>
+                          </m:r>
+                        </m:num>
+                        <m:den>
+                          <m:r>
+                            <a:rPr lang="en-US" i="1" dirty="0">
+                              <a:latin typeface="Cambria Math" panose="02040503050406030204" pitchFamily="18" charset="0"/>
+                              <a:ea typeface="Cambria Math" panose="02040503050406030204" pitchFamily="18" charset="0"/>
+                            </a:rPr>
+                            <m:t>1+</m:t>
+                          </m:r>
+                          <m:r>
+                            <a:rPr lang="en-US" i="1" dirty="0">
+                              <a:latin typeface="Cambria Math" panose="02040503050406030204" pitchFamily="18" charset="0"/>
+                              <a:ea typeface="Cambria Math" panose="02040503050406030204" pitchFamily="18" charset="0"/>
+                            </a:rPr>
+                            <m:t>h𝑠</m:t>
+                          </m:r>
+                        </m:den>
+                      </m:f>
+                      <m:r>
+                        <a:rPr lang="en-US" b="0" i="1" dirty="0" smtClean="0">
+                          <a:latin typeface="Cambria Math" panose="02040503050406030204" pitchFamily="18" charset="0"/>
+                          <a:ea typeface="Cambria Math" panose="02040503050406030204" pitchFamily="18" charset="0"/>
+                        </a:rPr>
+                        <m:t>,</m:t>
+                      </m:r>
+                      <m:f>
+                        <m:fPr>
+                          <m:ctrlPr>
+                            <a:rPr lang="en-US" i="1" dirty="0">
+                              <a:latin typeface="Cambria Math" panose="02040503050406030204" pitchFamily="18" charset="0"/>
+                              <a:ea typeface="Cambria Math" panose="02040503050406030204" pitchFamily="18" charset="0"/>
+                            </a:rPr>
+                          </m:ctrlPr>
+                        </m:fPr>
+                        <m:num>
+                          <m:r>
+                            <a:rPr lang="en-US" i="1" dirty="0">
+                              <a:latin typeface="Cambria Math" panose="02040503050406030204" pitchFamily="18" charset="0"/>
+                              <a:ea typeface="Cambria Math" panose="02040503050406030204" pitchFamily="18" charset="0"/>
+                            </a:rPr>
+                            <m:t>1</m:t>
+                          </m:r>
+                        </m:num>
+                        <m:den>
+                          <m:r>
+                            <a:rPr lang="en-US" i="1" dirty="0">
+                              <a:latin typeface="Cambria Math" panose="02040503050406030204" pitchFamily="18" charset="0"/>
+                              <a:ea typeface="Cambria Math" panose="02040503050406030204" pitchFamily="18" charset="0"/>
+                            </a:rPr>
+                            <m:t>1+</m:t>
+                          </m:r>
+                          <m:r>
+                            <a:rPr lang="en-US" i="1" dirty="0">
+                              <a:latin typeface="Cambria Math" panose="02040503050406030204" pitchFamily="18" charset="0"/>
+                              <a:ea typeface="Cambria Math" panose="02040503050406030204" pitchFamily="18" charset="0"/>
+                            </a:rPr>
+                            <m:t>𝑠</m:t>
+                          </m:r>
+                        </m:den>
+                      </m:f>
+                    </m:oMath>
+                  </a14:m>
+                  <a:r>
+                    <a:rPr lang="en-US" dirty="0">
+                      <a:latin typeface="Cambria Math" panose="02040503050406030204" pitchFamily="18" charset="0"/>
+                      <a:ea typeface="Cambria Math" panose="02040503050406030204" pitchFamily="18" charset="0"/>
+                    </a:rPr>
+                    <a:t>)</a:t>
+                  </a:r>
+                </a:p>
+              </p:txBody>
+            </p:sp>
+          </mc:Choice>
+          <mc:Fallback>
+            <p:sp>
+              <p:nvSpPr>
+                <p:cNvPr id="46" name="TextBox 45">
+                  <a:extLst>
+                    <a:ext uri="{FF2B5EF4-FFF2-40B4-BE49-F238E27FC236}">
+                      <a16:creationId xmlns:a16="http://schemas.microsoft.com/office/drawing/2014/main" id="{0A0BECBE-D67B-D14D-9387-D62B8FDA5BA7}"/>
+                    </a:ext>
+                  </a:extLst>
+                </p:cNvPr>
+                <p:cNvSpPr txBox="1">
+                  <a:spLocks noRot="1" noChangeAspect="1" noMove="1" noResize="1" noEditPoints="1" noAdjustHandles="1" noChangeArrowheads="1" noChangeShapeType="1" noTextEdit="1"/>
+                </p:cNvSpPr>
+                <p:nvPr/>
+              </p:nvSpPr>
+              <p:spPr>
+                <a:xfrm>
+                  <a:off x="1483147" y="3347096"/>
+                  <a:ext cx="2148121" cy="761940"/>
+                </a:xfrm>
+                <a:prstGeom prst="rect">
+                  <a:avLst/>
+                </a:prstGeom>
+                <a:blipFill>
+                  <a:blip r:embed="rId3"/>
+                  <a:stretch>
+                    <a:fillRect l="-588" t="-5000" b="-3333"/>
+                  </a:stretch>
+                </a:blipFill>
+              </p:spPr>
+              <p:txBody>
+                <a:bodyPr/>
+                <a:lstStyle/>
+                <a:p>
+                  <a:r>
+                    <a:rPr lang="en-US">
+                      <a:noFill/>
+                    </a:rPr>
+                    <a:t> </a:t>
+                  </a:r>
+                </a:p>
+              </p:txBody>
+            </p:sp>
+          </mc:Fallback>
+        </mc:AlternateContent>
+        <p:sp>
+          <p:nvSpPr>
+            <p:cNvPr id="47" name="TextBox 46">
+              <a:extLst>
+                <a:ext uri="{FF2B5EF4-FFF2-40B4-BE49-F238E27FC236}">
+                  <a16:creationId xmlns:a16="http://schemas.microsoft.com/office/drawing/2014/main" id="{C741A63B-96B7-AE4F-A4FC-89FC74AB0C63}"/>
+                </a:ext>
+              </a:extLst>
+            </p:cNvPr>
+            <p:cNvSpPr txBox="1"/>
+            <p:nvPr/>
+          </p:nvSpPr>
+          <p:spPr>
+            <a:xfrm>
+              <a:off x="3019619" y="5118667"/>
+              <a:ext cx="2613092" cy="369332"/>
+            </a:xfrm>
+            <a:prstGeom prst="rect">
+              <a:avLst/>
+            </a:prstGeom>
+            <a:noFill/>
+          </p:spPr>
+          <p:txBody>
+            <a:bodyPr wrap="square" rtlCol="0">
+              <a:spAutoFit/>
+            </a:bodyPr>
+            <a:lstStyle/>
+            <a:p>
+              <a:pPr algn="ctr"/>
+              <a:r>
+                <a:rPr lang="en-US" dirty="0"/>
+                <a:t>♂ gametes</a:t>
+              </a:r>
+            </a:p>
+          </p:txBody>
+        </p:sp>
+        <p:sp>
+          <p:nvSpPr>
+            <p:cNvPr id="48" name="Rounded Rectangle 47">
+              <a:extLst>
+                <a:ext uri="{FF2B5EF4-FFF2-40B4-BE49-F238E27FC236}">
+                  <a16:creationId xmlns:a16="http://schemas.microsoft.com/office/drawing/2014/main" id="{A6B2829C-4BE0-AF47-98B4-80D98FC1C7B9}"/>
+                </a:ext>
+              </a:extLst>
+            </p:cNvPr>
+            <p:cNvSpPr/>
+            <p:nvPr/>
+          </p:nvSpPr>
+          <p:spPr>
+            <a:xfrm>
+              <a:off x="3442317" y="1710807"/>
+              <a:ext cx="1798855" cy="331404"/>
+            </a:xfrm>
+            <a:prstGeom prst="roundRect">
+              <a:avLst/>
+            </a:prstGeom>
+            <a:noFill/>
+            <a:ln w="38100">
+              <a:solidFill>
+                <a:schemeClr val="tx1"/>
+              </a:solidFill>
+            </a:ln>
+          </p:spPr>
+          <p:style>
+            <a:lnRef idx="2">
+              <a:schemeClr val="accent1">
+                <a:shade val="50000"/>
+              </a:schemeClr>
+            </a:lnRef>
+            <a:fillRef idx="1">
+              <a:schemeClr val="accent1"/>
+            </a:fillRef>
+            <a:effectRef idx="0">
+              <a:schemeClr val="accent1"/>
+            </a:effectRef>
+            <a:fontRef idx="minor">
+              <a:schemeClr val="lt1"/>
+            </a:fontRef>
+          </p:style>
+          <p:txBody>
+            <a:bodyPr rtlCol="0" anchor="ctr"/>
+            <a:lstStyle/>
+            <a:p>
+              <a:pPr algn="ctr"/>
+              <a:endParaRPr lang="en-US"/>
+            </a:p>
+          </p:txBody>
+        </p:sp>
+        <p:sp>
+          <p:nvSpPr>
+            <p:cNvPr id="49" name="Rectangle 48">
+              <a:extLst>
+                <a:ext uri="{FF2B5EF4-FFF2-40B4-BE49-F238E27FC236}">
+                  <a16:creationId xmlns:a16="http://schemas.microsoft.com/office/drawing/2014/main" id="{DD4A9C39-D034-374B-AD89-4B100DA15647}"/>
+                </a:ext>
+              </a:extLst>
+            </p:cNvPr>
+            <p:cNvSpPr/>
+            <p:nvPr/>
+          </p:nvSpPr>
+          <p:spPr>
+            <a:xfrm>
+              <a:off x="3589724" y="1768400"/>
+              <a:ext cx="77183" cy="247582"/>
+            </a:xfrm>
+            <a:prstGeom prst="rect">
+              <a:avLst/>
+            </a:prstGeom>
+            <a:solidFill>
+              <a:srgbClr val="FF0000"/>
+            </a:solidFill>
+            <a:ln>
+              <a:noFill/>
+            </a:ln>
+          </p:spPr>
+          <p:style>
+            <a:lnRef idx="2">
+              <a:schemeClr val="accent1">
+                <a:shade val="50000"/>
+              </a:schemeClr>
+            </a:lnRef>
+            <a:fillRef idx="1">
+              <a:schemeClr val="accent1"/>
+            </a:fillRef>
+            <a:effectRef idx="0">
+              <a:schemeClr val="accent1"/>
+            </a:effectRef>
+            <a:fontRef idx="minor">
+              <a:schemeClr val="lt1"/>
+            </a:fontRef>
+          </p:style>
+          <p:txBody>
+            <a:bodyPr rtlCol="0" anchor="ctr"/>
+            <a:lstStyle/>
+            <a:p>
+              <a:pPr algn="ctr"/>
+              <a:endParaRPr lang="en-US"/>
+            </a:p>
+          </p:txBody>
+        </p:sp>
       </p:grpSp>
+      <p:sp>
+        <p:nvSpPr>
+          <p:cNvPr id="50" name="Rectangle 49">
+            <a:extLst>
+              <a:ext uri="{FF2B5EF4-FFF2-40B4-BE49-F238E27FC236}">
+                <a16:creationId xmlns:a16="http://schemas.microsoft.com/office/drawing/2014/main" id="{5063F649-9E44-B44C-9BD3-A32B5CA55D32}"/>
+              </a:ext>
+            </a:extLst>
+          </p:cNvPr>
+          <p:cNvSpPr/>
+          <p:nvPr/>
+        </p:nvSpPr>
+        <p:spPr>
+          <a:xfrm>
+            <a:off x="7740944" y="1752718"/>
+            <a:ext cx="77183" cy="247582"/>
+          </a:xfrm>
+          <a:prstGeom prst="rect">
+            <a:avLst/>
+          </a:prstGeom>
+          <a:solidFill>
+            <a:srgbClr val="00B0F0"/>
+          </a:solidFill>
+          <a:ln>
+            <a:noFill/>
+          </a:ln>
+        </p:spPr>
+        <p:style>
+          <a:lnRef idx="2">
+            <a:schemeClr val="accent1">
+              <a:shade val="50000"/>
+            </a:schemeClr>
+          </a:lnRef>
+          <a:fillRef idx="1">
+            <a:schemeClr val="accent1"/>
+          </a:fillRef>
+          <a:effectRef idx="0">
+            <a:schemeClr val="accent1"/>
+          </a:effectRef>
+          <a:fontRef idx="minor">
+            <a:schemeClr val="lt1"/>
+          </a:fontRef>
+        </p:style>
+        <p:txBody>
+          <a:bodyPr rtlCol="0" anchor="ctr"/>
+          <a:lstStyle/>
+          <a:p>
+            <a:pPr algn="ctr"/>
+            <a:endParaRPr lang="en-US"/>
+          </a:p>
+        </p:txBody>
+      </p:sp>
+      <p:sp>
+        <p:nvSpPr>
+          <p:cNvPr id="52" name="Arc 51">
+            <a:extLst>
+              <a:ext uri="{FF2B5EF4-FFF2-40B4-BE49-F238E27FC236}">
+                <a16:creationId xmlns:a16="http://schemas.microsoft.com/office/drawing/2014/main" id="{9BB3578B-771A-784B-8939-F488518EA808}"/>
+              </a:ext>
+            </a:extLst>
+          </p:cNvPr>
+          <p:cNvSpPr/>
+          <p:nvPr/>
+        </p:nvSpPr>
+        <p:spPr>
+          <a:xfrm rot="6920541">
+            <a:off x="5163545" y="1123364"/>
+            <a:ext cx="3435034" cy="4771671"/>
+          </a:xfrm>
+          <a:prstGeom prst="arc">
+            <a:avLst>
+              <a:gd name="adj1" fmla="val 15566800"/>
+              <a:gd name="adj2" fmla="val 18199794"/>
+            </a:avLst>
+          </a:prstGeom>
+          <a:noFill/>
+          <a:ln w="101600">
+            <a:solidFill>
+              <a:srgbClr val="000000"/>
+            </a:solidFill>
+            <a:headEnd type="none" w="med" len="med"/>
+            <a:tailEnd type="triangle" w="med" len="med"/>
+          </a:ln>
+        </p:spPr>
+        <p:style>
+          <a:lnRef idx="1">
+            <a:schemeClr val="accent1"/>
+          </a:lnRef>
+          <a:fillRef idx="0">
+            <a:schemeClr val="accent1"/>
+          </a:fillRef>
+          <a:effectRef idx="0">
+            <a:schemeClr val="accent1"/>
+          </a:effectRef>
+          <a:fontRef idx="minor">
+            <a:schemeClr val="tx1"/>
+          </a:fontRef>
+        </p:style>
+        <p:txBody>
+          <a:bodyPr rtlCol="0" anchor="ctr"/>
+          <a:lstStyle/>
+          <a:p>
+            <a:pPr algn="ctr"/>
+            <a:endParaRPr lang="en-US" dirty="0"/>
+          </a:p>
+        </p:txBody>
+      </p:sp>
+      <mc:AlternateContent xmlns:mc="http://schemas.openxmlformats.org/markup-compatibility/2006">
+        <mc:Choice xmlns:a14="http://schemas.microsoft.com/office/drawing/2010/main" Requires="a14">
+          <p:sp>
+            <p:nvSpPr>
+              <p:cNvPr id="9" name="TextBox 8">
+                <a:extLst>
+                  <a:ext uri="{FF2B5EF4-FFF2-40B4-BE49-F238E27FC236}">
+                    <a16:creationId xmlns:a16="http://schemas.microsoft.com/office/drawing/2014/main" id="{93B3439D-07BF-2A4F-8704-7C085C88047E}"/>
+                  </a:ext>
+                </a:extLst>
+              </p:cNvPr>
+              <p:cNvSpPr txBox="1"/>
+              <p:nvPr/>
+            </p:nvSpPr>
+            <p:spPr>
+              <a:xfrm>
+                <a:off x="4631032" y="3124179"/>
+                <a:ext cx="2537041" cy="1477328"/>
+              </a:xfrm>
+              <a:prstGeom prst="rect">
+                <a:avLst/>
+              </a:prstGeom>
+              <a:noFill/>
+            </p:spPr>
+            <p:txBody>
+              <a:bodyPr wrap="none" rtlCol="0">
+                <a:spAutoFit/>
+              </a:bodyPr>
+              <a:lstStyle/>
+              <a:p>
+                <a:pPr algn="ctr"/>
+                <a:r>
+                  <a:rPr lang="en-US" dirty="0"/>
+                  <a:t>New generation</a:t>
+                </a:r>
+              </a:p>
+              <a:p>
+                <a:pPr algn="ctr"/>
+                <a:r>
+                  <a:rPr lang="en-US" dirty="0"/>
+                  <a:t>♀gametes, ♂ gametes,</a:t>
+                </a:r>
+              </a:p>
+              <a:p>
+                <a:pPr algn="ctr"/>
+                <a14:m>
+                  <m:oMathPara xmlns:m="http://schemas.openxmlformats.org/officeDocument/2006/math">
+                    <m:oMathParaPr>
+                      <m:jc m:val="centerGroup"/>
+                    </m:oMathParaPr>
+                    <m:oMath xmlns:m="http://schemas.openxmlformats.org/officeDocument/2006/math">
+                      <m:r>
+                        <a:rPr lang="en-US" b="0" i="1" smtClean="0">
+                          <a:latin typeface="Cambria Math" panose="02040503050406030204" pitchFamily="18" charset="0"/>
+                        </a:rPr>
+                        <m:t>𝑟𝑑</m:t>
+                      </m:r>
+                      <m:r>
+                        <a:rPr lang="en-US" b="0" i="1" smtClean="0">
+                          <a:latin typeface="Cambria Math" panose="02040503050406030204" pitchFamily="18" charset="0"/>
+                        </a:rPr>
+                        <m:t>, </m:t>
+                      </m:r>
+                      <m:r>
+                        <a:rPr lang="en-US" b="0" i="1" smtClean="0">
+                          <a:latin typeface="Cambria Math" panose="02040503050406030204" pitchFamily="18" charset="0"/>
+                        </a:rPr>
+                        <m:t>h</m:t>
+                      </m:r>
+                      <m:r>
+                        <a:rPr lang="en-US" b="0" i="1" smtClean="0">
+                          <a:latin typeface="Cambria Math" panose="02040503050406030204" pitchFamily="18" charset="0"/>
+                        </a:rPr>
+                        <m:t>, </m:t>
+                      </m:r>
+                      <m:r>
+                        <a:rPr lang="en-US" b="0" i="1" smtClean="0">
+                          <a:latin typeface="Cambria Math" panose="02040503050406030204" pitchFamily="18" charset="0"/>
+                        </a:rPr>
+                        <m:t>𝑠</m:t>
+                      </m:r>
+                    </m:oMath>
+                  </m:oMathPara>
+                </a14:m>
+                <a:endParaRPr lang="en-US" dirty="0"/>
+              </a:p>
+              <a:p>
+                <a:endParaRPr lang="en-US" dirty="0"/>
+              </a:p>
+              <a:p>
+                <a:endParaRPr lang="en-US" dirty="0"/>
+              </a:p>
+            </p:txBody>
+          </p:sp>
+        </mc:Choice>
+        <mc:Fallback>
+          <p:sp>
+            <p:nvSpPr>
+              <p:cNvPr id="9" name="TextBox 8">
+                <a:extLst>
+                  <a:ext uri="{FF2B5EF4-FFF2-40B4-BE49-F238E27FC236}">
+                    <a16:creationId xmlns:a16="http://schemas.microsoft.com/office/drawing/2014/main" id="{93B3439D-07BF-2A4F-8704-7C085C88047E}"/>
+                  </a:ext>
+                </a:extLst>
+              </p:cNvPr>
+              <p:cNvSpPr txBox="1">
+                <a:spLocks noRot="1" noChangeAspect="1" noMove="1" noResize="1" noEditPoints="1" noAdjustHandles="1" noChangeArrowheads="1" noChangeShapeType="1" noTextEdit="1"/>
+              </p:cNvSpPr>
+              <p:nvPr/>
+            </p:nvSpPr>
+            <p:spPr>
+              <a:xfrm>
+                <a:off x="4631032" y="3124179"/>
+                <a:ext cx="2537041" cy="1477328"/>
+              </a:xfrm>
+              <a:prstGeom prst="rect">
+                <a:avLst/>
+              </a:prstGeom>
+              <a:blipFill>
+                <a:blip r:embed="rId4"/>
+                <a:stretch>
+                  <a:fillRect t="-1709"/>
+                </a:stretch>
+              </a:blipFill>
+            </p:spPr>
+            <p:txBody>
+              <a:bodyPr/>
+              <a:lstStyle/>
+              <a:p>
+                <a:r>
+                  <a:rPr lang="en-US">
+                    <a:noFill/>
+                  </a:rPr>
+                  <a:t> </a:t>
+                </a:r>
+              </a:p>
+            </p:txBody>
+          </p:sp>
+        </mc:Fallback>
+      </mc:AlternateContent>
+      <p:sp>
+        <p:nvSpPr>
+          <p:cNvPr id="13" name="Rectangle 12">
+            <a:extLst>
+              <a:ext uri="{FF2B5EF4-FFF2-40B4-BE49-F238E27FC236}">
+                <a16:creationId xmlns:a16="http://schemas.microsoft.com/office/drawing/2014/main" id="{BD3736EB-B607-2A45-8D15-DDE35EE60D0B}"/>
+              </a:ext>
+            </a:extLst>
+          </p:cNvPr>
+          <p:cNvSpPr/>
+          <p:nvPr/>
+        </p:nvSpPr>
+        <p:spPr>
+          <a:xfrm>
+            <a:off x="4044316" y="1266864"/>
+            <a:ext cx="415498" cy="369332"/>
+          </a:xfrm>
+          <a:prstGeom prst="rect">
+            <a:avLst/>
+          </a:prstGeom>
+        </p:spPr>
+        <p:txBody>
+          <a:bodyPr wrap="none">
+            <a:spAutoFit/>
+          </a:bodyPr>
+          <a:lstStyle/>
+          <a:p>
+            <a:r>
+              <a:rPr lang="en-US" dirty="0"/>
+              <a:t>♀</a:t>
+            </a:r>
+          </a:p>
+        </p:txBody>
+      </p:sp>
+      <p:sp>
+        <p:nvSpPr>
+          <p:cNvPr id="15" name="Rectangle 14">
+            <a:extLst>
+              <a:ext uri="{FF2B5EF4-FFF2-40B4-BE49-F238E27FC236}">
+                <a16:creationId xmlns:a16="http://schemas.microsoft.com/office/drawing/2014/main" id="{62BA42EA-2CE7-BB4B-ACE1-5724974FC449}"/>
+              </a:ext>
+            </a:extLst>
+          </p:cNvPr>
+          <p:cNvSpPr/>
+          <p:nvPr/>
+        </p:nvSpPr>
+        <p:spPr>
+          <a:xfrm>
+            <a:off x="7134879" y="1262266"/>
+            <a:ext cx="415498" cy="369332"/>
+          </a:xfrm>
+          <a:prstGeom prst="rect">
+            <a:avLst/>
+          </a:prstGeom>
+        </p:spPr>
+        <p:txBody>
+          <a:bodyPr wrap="none">
+            <a:spAutoFit/>
+          </a:bodyPr>
+          <a:lstStyle/>
+          <a:p>
+            <a:r>
+              <a:rPr lang="en-US" dirty="0"/>
+              <a:t>♂</a:t>
+            </a:r>
+          </a:p>
+        </p:txBody>
+      </p:sp>
+      <p:sp>
+        <p:nvSpPr>
+          <p:cNvPr id="16" name="Up Arrow 15">
+            <a:extLst>
+              <a:ext uri="{FF2B5EF4-FFF2-40B4-BE49-F238E27FC236}">
+                <a16:creationId xmlns:a16="http://schemas.microsoft.com/office/drawing/2014/main" id="{0997DE36-4A77-2742-9967-7DA7060D9B6B}"/>
+              </a:ext>
+            </a:extLst>
+          </p:cNvPr>
+          <p:cNvSpPr/>
+          <p:nvPr/>
+        </p:nvSpPr>
+        <p:spPr>
+          <a:xfrm>
+            <a:off x="5714872" y="4712969"/>
+            <a:ext cx="266841" cy="795566"/>
+          </a:xfrm>
+          <a:prstGeom prst="upArrow">
+            <a:avLst/>
+          </a:prstGeom>
+          <a:solidFill>
+            <a:schemeClr val="tx1"/>
+          </a:solidFill>
+          <a:ln>
+            <a:solidFill>
+              <a:schemeClr val="tx1"/>
+            </a:solidFill>
+          </a:ln>
+        </p:spPr>
+        <p:style>
+          <a:lnRef idx="2">
+            <a:schemeClr val="accent1">
+              <a:shade val="50000"/>
+            </a:schemeClr>
+          </a:lnRef>
+          <a:fillRef idx="1">
+            <a:schemeClr val="accent1"/>
+          </a:fillRef>
+          <a:effectRef idx="0">
+            <a:schemeClr val="accent1"/>
+          </a:effectRef>
+          <a:fontRef idx="minor">
+            <a:schemeClr val="lt1"/>
+          </a:fontRef>
+        </p:style>
+        <p:txBody>
+          <a:bodyPr rtlCol="0" anchor="ctr"/>
+          <a:lstStyle/>
+          <a:p>
+            <a:pPr algn="ctr"/>
+            <a:endParaRPr lang="en-US"/>
+          </a:p>
+        </p:txBody>
+      </p:sp>
+      <p:sp>
+        <p:nvSpPr>
+          <p:cNvPr id="23" name="TextBox 22">
+            <a:extLst>
+              <a:ext uri="{FF2B5EF4-FFF2-40B4-BE49-F238E27FC236}">
+                <a16:creationId xmlns:a16="http://schemas.microsoft.com/office/drawing/2014/main" id="{4219AAB7-4650-9443-B3E6-06103887E776}"/>
+              </a:ext>
+            </a:extLst>
+          </p:cNvPr>
+          <p:cNvSpPr txBox="1"/>
+          <p:nvPr/>
+        </p:nvSpPr>
+        <p:spPr>
+          <a:xfrm>
+            <a:off x="5350399" y="5578458"/>
+            <a:ext cx="995785" cy="369332"/>
+          </a:xfrm>
+          <a:prstGeom prst="rect">
+            <a:avLst/>
+          </a:prstGeom>
+          <a:noFill/>
+        </p:spPr>
+        <p:txBody>
+          <a:bodyPr wrap="none" rtlCol="0">
+            <a:spAutoFit/>
+          </a:bodyPr>
+          <a:lstStyle/>
+          <a:p>
+            <a:r>
+              <a:rPr lang="en-US" dirty="0"/>
+              <a:t>OSR bias</a:t>
+            </a:r>
+          </a:p>
+        </p:txBody>
+      </p:sp>
+      <p:sp>
+        <p:nvSpPr>
+          <p:cNvPr id="53" name="TextBox 52">
+            <a:extLst>
+              <a:ext uri="{FF2B5EF4-FFF2-40B4-BE49-F238E27FC236}">
+                <a16:creationId xmlns:a16="http://schemas.microsoft.com/office/drawing/2014/main" id="{D4474C24-6963-6A42-9102-32E867772FF9}"/>
+              </a:ext>
+            </a:extLst>
+          </p:cNvPr>
+          <p:cNvSpPr txBox="1"/>
+          <p:nvPr/>
+        </p:nvSpPr>
+        <p:spPr>
+          <a:xfrm>
+            <a:off x="2279318" y="5967891"/>
+            <a:ext cx="3071082" cy="369332"/>
+          </a:xfrm>
+          <a:prstGeom prst="rect">
+            <a:avLst/>
+          </a:prstGeom>
+          <a:noFill/>
+        </p:spPr>
+        <p:txBody>
+          <a:bodyPr wrap="square" rtlCol="0">
+            <a:spAutoFit/>
+          </a:bodyPr>
+          <a:lstStyle/>
+          <a:p>
+            <a:r>
+              <a:rPr lang="en-US" dirty="0"/>
+              <a:t>Selection                common sex</a:t>
+            </a:r>
+          </a:p>
+        </p:txBody>
+      </p:sp>
+      <p:sp>
+        <p:nvSpPr>
+          <p:cNvPr id="54" name="TextBox 53">
+            <a:extLst>
+              <a:ext uri="{FF2B5EF4-FFF2-40B4-BE49-F238E27FC236}">
+                <a16:creationId xmlns:a16="http://schemas.microsoft.com/office/drawing/2014/main" id="{CE4F4FF0-C4FC-E84E-8ACE-FFAF59E6584C}"/>
+              </a:ext>
+            </a:extLst>
+          </p:cNvPr>
+          <p:cNvSpPr txBox="1"/>
+          <p:nvPr/>
+        </p:nvSpPr>
+        <p:spPr>
+          <a:xfrm>
+            <a:off x="6295595" y="5977177"/>
+            <a:ext cx="2500941" cy="369332"/>
+          </a:xfrm>
+          <a:prstGeom prst="rect">
+            <a:avLst/>
+          </a:prstGeom>
+          <a:noFill/>
+        </p:spPr>
+        <p:txBody>
+          <a:bodyPr wrap="none" rtlCol="0">
+            <a:spAutoFit/>
+          </a:bodyPr>
+          <a:lstStyle/>
+          <a:p>
+            <a:r>
+              <a:rPr lang="en-US" dirty="0"/>
+              <a:t>Rare sex                     Drift</a:t>
+            </a:r>
+          </a:p>
+        </p:txBody>
+      </p:sp>
+      <p:sp>
+        <p:nvSpPr>
+          <p:cNvPr id="55" name="Up Arrow 54">
+            <a:extLst>
+              <a:ext uri="{FF2B5EF4-FFF2-40B4-BE49-F238E27FC236}">
+                <a16:creationId xmlns:a16="http://schemas.microsoft.com/office/drawing/2014/main" id="{27A08602-33F2-5B4A-91A9-FE93D370463F}"/>
+              </a:ext>
+            </a:extLst>
+          </p:cNvPr>
+          <p:cNvSpPr/>
+          <p:nvPr/>
+        </p:nvSpPr>
+        <p:spPr>
+          <a:xfrm rot="5400000">
+            <a:off x="3548903" y="5836712"/>
+            <a:ext cx="158823" cy="623940"/>
+          </a:xfrm>
+          <a:prstGeom prst="upArrow">
+            <a:avLst/>
+          </a:prstGeom>
+          <a:solidFill>
+            <a:schemeClr val="tx1"/>
+          </a:solidFill>
+          <a:ln>
+            <a:solidFill>
+              <a:schemeClr val="tx1"/>
+            </a:solidFill>
+          </a:ln>
+        </p:spPr>
+        <p:style>
+          <a:lnRef idx="2">
+            <a:schemeClr val="accent1">
+              <a:shade val="50000"/>
+            </a:schemeClr>
+          </a:lnRef>
+          <a:fillRef idx="1">
+            <a:schemeClr val="accent1"/>
+          </a:fillRef>
+          <a:effectRef idx="0">
+            <a:schemeClr val="accent1"/>
+          </a:effectRef>
+          <a:fontRef idx="minor">
+            <a:schemeClr val="lt1"/>
+          </a:fontRef>
+        </p:style>
+        <p:txBody>
+          <a:bodyPr rtlCol="0" anchor="ctr"/>
+          <a:lstStyle/>
+          <a:p>
+            <a:pPr algn="ctr"/>
+            <a:endParaRPr lang="en-US"/>
+          </a:p>
+        </p:txBody>
+      </p:sp>
+      <p:sp>
+        <p:nvSpPr>
+          <p:cNvPr id="56" name="Up Arrow 55">
+            <a:extLst>
+              <a:ext uri="{FF2B5EF4-FFF2-40B4-BE49-F238E27FC236}">
+                <a16:creationId xmlns:a16="http://schemas.microsoft.com/office/drawing/2014/main" id="{63531AD0-F3F9-1F43-8270-6FB88468F46F}"/>
+              </a:ext>
+            </a:extLst>
+          </p:cNvPr>
+          <p:cNvSpPr/>
+          <p:nvPr/>
+        </p:nvSpPr>
+        <p:spPr>
+          <a:xfrm rot="16200000" flipH="1">
+            <a:off x="7605334" y="5850076"/>
+            <a:ext cx="158823" cy="623940"/>
+          </a:xfrm>
+          <a:prstGeom prst="upArrow">
+            <a:avLst/>
+          </a:prstGeom>
+          <a:solidFill>
+            <a:schemeClr val="tx1"/>
+          </a:solidFill>
+          <a:ln>
+            <a:solidFill>
+              <a:schemeClr val="tx1"/>
+            </a:solidFill>
+          </a:ln>
+        </p:spPr>
+        <p:style>
+          <a:lnRef idx="2">
+            <a:schemeClr val="accent1">
+              <a:shade val="50000"/>
+            </a:schemeClr>
+          </a:lnRef>
+          <a:fillRef idx="1">
+            <a:schemeClr val="accent1"/>
+          </a:fillRef>
+          <a:effectRef idx="0">
+            <a:schemeClr val="accent1"/>
+          </a:effectRef>
+          <a:fontRef idx="minor">
+            <a:schemeClr val="lt1"/>
+          </a:fontRef>
+        </p:style>
+        <p:txBody>
+          <a:bodyPr rtlCol="0" anchor="ctr"/>
+          <a:lstStyle/>
+          <a:p>
+            <a:pPr algn="ctr"/>
+            <a:endParaRPr lang="en-US"/>
+          </a:p>
+        </p:txBody>
+      </p:sp>
     </p:spTree>
     <p:extLst>
       <p:ext uri="{BB962C8B-B14F-4D97-AF65-F5344CB8AC3E}">

--- a/figures/fig1wip.pptx
+++ b/figures/fig1wip.pptx
@@ -4979,6 +4979,41 @@
           </a:p>
         </p:txBody>
       </p:sp>
+      <p:sp>
+        <p:nvSpPr>
+          <p:cNvPr id="57" name="TextBox 56">
+            <a:extLst>
+              <a:ext uri="{FF2B5EF4-FFF2-40B4-BE49-F238E27FC236}">
+                <a16:creationId xmlns:a16="http://schemas.microsoft.com/office/drawing/2014/main" id="{B3287274-99B0-9943-BFC2-5A69D07705B1}"/>
+              </a:ext>
+            </a:extLst>
+          </p:cNvPr>
+          <p:cNvSpPr txBox="1"/>
+          <p:nvPr/>
+        </p:nvSpPr>
+        <p:spPr>
+          <a:xfrm>
+            <a:off x="4516249" y="1245768"/>
+            <a:ext cx="2717282" cy="369332"/>
+          </a:xfrm>
+          <a:prstGeom prst="rect">
+            <a:avLst/>
+          </a:prstGeom>
+          <a:noFill/>
+        </p:spPr>
+        <p:txBody>
+          <a:bodyPr wrap="none" rtlCol="0">
+            <a:spAutoFit/>
+          </a:bodyPr>
+          <a:lstStyle/>
+          <a:p>
+            <a:r>
+              <a:rPr lang="en-US" dirty="0"/>
+              <a:t>Change in allele frequency </a:t>
+            </a:r>
+          </a:p>
+        </p:txBody>
+      </p:sp>
     </p:spTree>
     <p:extLst>
       <p:ext uri="{BB962C8B-B14F-4D97-AF65-F5344CB8AC3E}">

--- a/figures/fig1wip.pptx
+++ b/figures/fig1wip.pptx
@@ -3326,67 +3326,513 @@
           <a:chExt cx="0" cy="0"/>
         </a:xfrm>
       </p:grpSpPr>
-      <p:sp>
-        <p:nvSpPr>
-          <p:cNvPr id="14" name="Arc 13">
-            <a:extLst>
-              <a:ext uri="{FF2B5EF4-FFF2-40B4-BE49-F238E27FC236}">
-                <a16:creationId xmlns:a16="http://schemas.microsoft.com/office/drawing/2014/main" id="{60759615-4F4C-DE47-BA32-245A11066DBB}"/>
-              </a:ext>
-            </a:extLst>
-          </p:cNvPr>
-          <p:cNvSpPr/>
+      <mc:AlternateContent xmlns:mc="http://schemas.openxmlformats.org/markup-compatibility/2006">
+        <mc:Choice xmlns:a14="http://schemas.microsoft.com/office/drawing/2010/main" Requires="a14">
+          <p:sp>
+            <p:nvSpPr>
+              <p:cNvPr id="2" name="TextBox 1">
+                <a:extLst>
+                  <a:ext uri="{FF2B5EF4-FFF2-40B4-BE49-F238E27FC236}">
+                    <a16:creationId xmlns:a16="http://schemas.microsoft.com/office/drawing/2014/main" id="{CD8EF41B-CC97-474A-AD24-8C7F64E969AF}"/>
+                  </a:ext>
+                </a:extLst>
+              </p:cNvPr>
+              <p:cNvSpPr txBox="1"/>
+              <p:nvPr/>
+            </p:nvSpPr>
+            <p:spPr>
+              <a:xfrm>
+                <a:off x="1238366" y="3045945"/>
+                <a:ext cx="2613092" cy="861774"/>
+              </a:xfrm>
+              <a:prstGeom prst="rect">
+                <a:avLst/>
+              </a:prstGeom>
+              <a:noFill/>
+            </p:spPr>
+            <p:txBody>
+              <a:bodyPr wrap="square" rtlCol="0">
+                <a:spAutoFit/>
+              </a:bodyPr>
+              <a:lstStyle/>
+              <a:p>
+                <a:pPr algn="ctr"/>
+                <a:r>
+                  <a:rPr lang="en-US" dirty="0"/>
+                  <a:t>Selection</a:t>
+                </a:r>
+              </a:p>
+              <a:p>
+                <a:pPr algn="ctr"/>
+                <a:r>
+                  <a:rPr lang="en-US" dirty="0"/>
+                  <a:t>on parents</a:t>
+                </a:r>
+              </a:p>
+              <a:p>
+                <a:pPr algn="ctr"/>
+                <a14:m>
+                  <m:oMathPara xmlns:m="http://schemas.openxmlformats.org/officeDocument/2006/math">
+                    <m:oMathParaPr>
+                      <m:jc m:val="centerGroup"/>
+                    </m:oMathParaPr>
+                    <m:oMath xmlns:m="http://schemas.openxmlformats.org/officeDocument/2006/math">
+                      <m:r>
+                        <a:rPr lang="en-US" sz="1400" b="0" i="1" smtClean="0"/>
+                        <m:t>1, 1+</m:t>
+                      </m:r>
+                      <m:r>
+                        <a:rPr lang="en-US" sz="1400" b="0" i="1" smtClean="0"/>
+                        <m:t>h𝑠</m:t>
+                      </m:r>
+                      <m:r>
+                        <a:rPr lang="en-US" sz="1400" b="0" i="1" smtClean="0"/>
+                        <m:t>, 1+</m:t>
+                      </m:r>
+                      <m:r>
+                        <a:rPr lang="en-US" sz="1400" b="0" i="1" smtClean="0"/>
+                        <m:t>𝑠</m:t>
+                      </m:r>
+                    </m:oMath>
+                  </m:oMathPara>
+                </a14:m>
+                <a:endParaRPr lang="en-US" sz="1400" dirty="0"/>
+              </a:p>
+            </p:txBody>
+          </p:sp>
+        </mc:Choice>
+        <mc:Fallback>
+          <p:sp>
+            <p:nvSpPr>
+              <p:cNvPr id="2" name="TextBox 1">
+                <a:extLst>
+                  <a:ext uri="{FF2B5EF4-FFF2-40B4-BE49-F238E27FC236}">
+                    <a16:creationId xmlns:a16="http://schemas.microsoft.com/office/drawing/2014/main" id="{CD8EF41B-CC97-474A-AD24-8C7F64E969AF}"/>
+                  </a:ext>
+                </a:extLst>
+              </p:cNvPr>
+              <p:cNvSpPr txBox="1">
+                <a:spLocks noRot="1" noChangeAspect="1" noMove="1" noResize="1" noEditPoints="1" noAdjustHandles="1" noChangeArrowheads="1" noChangeShapeType="1" noTextEdit="1"/>
+              </p:cNvSpPr>
+              <p:nvPr/>
+            </p:nvSpPr>
+            <p:spPr>
+              <a:xfrm>
+                <a:off x="1238366" y="3045945"/>
+                <a:ext cx="2613092" cy="861774"/>
+              </a:xfrm>
+              <a:prstGeom prst="rect">
+                <a:avLst/>
+              </a:prstGeom>
+              <a:blipFill>
+                <a:blip r:embed="rId2"/>
+                <a:stretch>
+                  <a:fillRect t="-4412"/>
+                </a:stretch>
+              </a:blipFill>
+            </p:spPr>
+            <p:txBody>
+              <a:bodyPr/>
+              <a:lstStyle/>
+              <a:p>
+                <a:r>
+                  <a:rPr lang="en-US">
+                    <a:noFill/>
+                  </a:rPr>
+                  <a:t> </a:t>
+                </a:r>
+              </a:p>
+            </p:txBody>
+          </p:sp>
+        </mc:Fallback>
+      </mc:AlternateContent>
+      <p:sp>
+        <p:nvSpPr>
+          <p:cNvPr id="17" name="TextBox 16">
+            <a:extLst>
+              <a:ext uri="{FF2B5EF4-FFF2-40B4-BE49-F238E27FC236}">
+                <a16:creationId xmlns:a16="http://schemas.microsoft.com/office/drawing/2014/main" id="{82EFCD77-77A2-CF46-8699-781BAF1DD7F2}"/>
+              </a:ext>
+            </a:extLst>
+          </p:cNvPr>
+          <p:cNvSpPr txBox="1"/>
           <p:nvPr/>
         </p:nvSpPr>
         <p:spPr>
-          <a:xfrm rot="14679459" flipH="1">
-            <a:off x="3205925" y="1035619"/>
-            <a:ext cx="3435034" cy="4771671"/>
+          <a:xfrm>
+            <a:off x="2935528" y="5003408"/>
+            <a:ext cx="2613092" cy="369332"/>
           </a:xfrm>
-          <a:prstGeom prst="arc">
-            <a:avLst>
-              <a:gd name="adj1" fmla="val 15566800"/>
-              <a:gd name="adj2" fmla="val 18199794"/>
-            </a:avLst>
+          <a:prstGeom prst="rect">
+            <a:avLst/>
           </a:prstGeom>
           <a:noFill/>
-          <a:ln w="101600">
-            <a:solidFill>
-              <a:srgbClr val="000000"/>
-            </a:solidFill>
-            <a:headEnd type="none" w="med" len="med"/>
-            <a:tailEnd type="triangle" w="med" len="med"/>
-          </a:ln>
         </p:spPr>
-        <p:style>
-          <a:lnRef idx="1">
-            <a:schemeClr val="accent1"/>
-          </a:lnRef>
-          <a:fillRef idx="0">
-            <a:schemeClr val="accent1"/>
-          </a:fillRef>
-          <a:effectRef idx="0">
-            <a:schemeClr val="accent1"/>
-          </a:effectRef>
-          <a:fontRef idx="minor">
-            <a:schemeClr val="tx1"/>
-          </a:fontRef>
-        </p:style>
-        <p:txBody>
-          <a:bodyPr rtlCol="0" anchor="ctr"/>
+        <p:txBody>
+          <a:bodyPr wrap="square" rtlCol="0">
+            <a:spAutoFit/>
+          </a:bodyPr>
           <a:lstStyle/>
           <a:p>
             <a:pPr algn="ctr"/>
-            <a:endParaRPr lang="en-US" dirty="0"/>
-          </a:p>
-        </p:txBody>
-      </p:sp>
+            <a:r>
+              <a:rPr lang="en-US" dirty="0"/>
+              <a:t>Gametogenesis</a:t>
+            </a:r>
+          </a:p>
+        </p:txBody>
+      </p:sp>
+      <mc:AlternateContent xmlns:mc="http://schemas.openxmlformats.org/markup-compatibility/2006">
+        <mc:Choice xmlns:a14="http://schemas.microsoft.com/office/drawing/2010/main" Requires="a14">
+          <p:sp>
+            <p:nvSpPr>
+              <p:cNvPr id="46" name="TextBox 45">
+                <a:extLst>
+                  <a:ext uri="{FF2B5EF4-FFF2-40B4-BE49-F238E27FC236}">
+                    <a16:creationId xmlns:a16="http://schemas.microsoft.com/office/drawing/2014/main" id="{0A0BECBE-D67B-D14D-9387-D62B8FDA5BA7}"/>
+                  </a:ext>
+                </a:extLst>
+              </p:cNvPr>
+              <p:cNvSpPr txBox="1"/>
+              <p:nvPr/>
+            </p:nvSpPr>
+            <p:spPr>
+              <a:xfrm flipH="1">
+                <a:off x="8048585" y="2934351"/>
+                <a:ext cx="2148121" cy="1054648"/>
+              </a:xfrm>
+              <a:prstGeom prst="rect">
+                <a:avLst/>
+              </a:prstGeom>
+              <a:noFill/>
+            </p:spPr>
+            <p:txBody>
+              <a:bodyPr wrap="square" rtlCol="0">
+                <a:spAutoFit/>
+              </a:bodyPr>
+              <a:lstStyle/>
+              <a:p>
+                <a:pPr algn="ctr"/>
+                <a:r>
+                  <a:rPr lang="en-US" dirty="0"/>
+                  <a:t>Selection</a:t>
+                </a:r>
+              </a:p>
+              <a:p>
+                <a:pPr algn="ctr"/>
+                <a:r>
+                  <a:rPr lang="en-US" dirty="0"/>
+                  <a:t>on parents</a:t>
+                </a:r>
+              </a:p>
+              <a:p>
+                <a:pPr algn="ctr"/>
+                <a14:m>
+                  <m:oMathPara xmlns:m="http://schemas.openxmlformats.org/officeDocument/2006/math">
+                    <m:oMathParaPr>
+                      <m:jc m:val="centerGroup"/>
+                    </m:oMathParaPr>
+                    <m:oMath xmlns:m="http://schemas.openxmlformats.org/officeDocument/2006/math">
+                      <m:r>
+                        <a:rPr lang="en-US" sz="1400" b="0" i="1" dirty="0" smtClean="0">
+                          <a:ea typeface="Cambria Math" panose="02040503050406030204" pitchFamily="18" charset="0"/>
+                        </a:rPr>
+                        <m:t>1, </m:t>
+                      </m:r>
+                      <m:f>
+                        <m:fPr>
+                          <m:ctrlPr>
+                            <a:rPr lang="en-US" sz="1400" b="0" i="1" dirty="0" smtClean="0">
+                              <a:ea typeface="Cambria Math" panose="02040503050406030204" pitchFamily="18" charset="0"/>
+                            </a:rPr>
+                          </m:ctrlPr>
+                        </m:fPr>
+                        <m:num>
+                          <m:r>
+                            <a:rPr lang="en-US" sz="1400" b="0" i="1" dirty="0" smtClean="0">
+                              <a:ea typeface="Cambria Math" panose="02040503050406030204" pitchFamily="18" charset="0"/>
+                            </a:rPr>
+                            <m:t>1</m:t>
+                          </m:r>
+                        </m:num>
+                        <m:den>
+                          <m:r>
+                            <a:rPr lang="en-US" sz="1400" i="1" dirty="0">
+                              <a:ea typeface="Cambria Math" panose="02040503050406030204" pitchFamily="18" charset="0"/>
+                            </a:rPr>
+                            <m:t>1+</m:t>
+                          </m:r>
+                          <m:r>
+                            <a:rPr lang="en-US" sz="1400" i="1" dirty="0">
+                              <a:ea typeface="Cambria Math" panose="02040503050406030204" pitchFamily="18" charset="0"/>
+                            </a:rPr>
+                            <m:t>h𝑠</m:t>
+                          </m:r>
+                        </m:den>
+                      </m:f>
+                      <m:r>
+                        <a:rPr lang="en-US" sz="1400" b="0" i="1" dirty="0" smtClean="0">
+                          <a:ea typeface="Cambria Math" panose="02040503050406030204" pitchFamily="18" charset="0"/>
+                        </a:rPr>
+                        <m:t>,</m:t>
+                      </m:r>
+                      <m:r>
+                        <a:rPr lang="en-US" sz="1400" i="1" dirty="0" smtClean="0">
+                          <a:ea typeface="Cambria Math" panose="02040503050406030204" pitchFamily="18" charset="0"/>
+                        </a:rPr>
+                        <m:t> </m:t>
+                      </m:r>
+                      <m:f>
+                        <m:fPr>
+                          <m:ctrlPr>
+                            <a:rPr lang="en-US" sz="1400" i="1" dirty="0">
+                              <a:ea typeface="Cambria Math" panose="02040503050406030204" pitchFamily="18" charset="0"/>
+                            </a:rPr>
+                          </m:ctrlPr>
+                        </m:fPr>
+                        <m:num>
+                          <m:r>
+                            <a:rPr lang="en-US" sz="1400" i="1" dirty="0">
+                              <a:ea typeface="Cambria Math" panose="02040503050406030204" pitchFamily="18" charset="0"/>
+                            </a:rPr>
+                            <m:t>1</m:t>
+                          </m:r>
+                        </m:num>
+                        <m:den>
+                          <m:r>
+                            <a:rPr lang="en-US" sz="1400" i="1" dirty="0">
+                              <a:ea typeface="Cambria Math" panose="02040503050406030204" pitchFamily="18" charset="0"/>
+                            </a:rPr>
+                            <m:t>1+</m:t>
+                          </m:r>
+                          <m:r>
+                            <a:rPr lang="en-US" sz="1400" i="1" dirty="0">
+                              <a:ea typeface="Cambria Math" panose="02040503050406030204" pitchFamily="18" charset="0"/>
+                            </a:rPr>
+                            <m:t>𝑠</m:t>
+                          </m:r>
+                        </m:den>
+                      </m:f>
+                    </m:oMath>
+                  </m:oMathPara>
+                </a14:m>
+                <a:endParaRPr lang="en-US" sz="1400" dirty="0">
+                  <a:ea typeface="Cambria Math" panose="02040503050406030204" pitchFamily="18" charset="0"/>
+                </a:endParaRPr>
+              </a:p>
+            </p:txBody>
+          </p:sp>
+        </mc:Choice>
+        <mc:Fallback>
+          <p:sp>
+            <p:nvSpPr>
+              <p:cNvPr id="46" name="TextBox 45">
+                <a:extLst>
+                  <a:ext uri="{FF2B5EF4-FFF2-40B4-BE49-F238E27FC236}">
+                    <a16:creationId xmlns:a16="http://schemas.microsoft.com/office/drawing/2014/main" id="{0A0BECBE-D67B-D14D-9387-D62B8FDA5BA7}"/>
+                  </a:ext>
+                </a:extLst>
+              </p:cNvPr>
+              <p:cNvSpPr txBox="1">
+                <a:spLocks noRot="1" noChangeAspect="1" noMove="1" noResize="1" noEditPoints="1" noAdjustHandles="1" noChangeArrowheads="1" noChangeShapeType="1" noTextEdit="1"/>
+              </p:cNvSpPr>
+              <p:nvPr/>
+            </p:nvSpPr>
+            <p:spPr>
+              <a:xfrm flipH="1">
+                <a:off x="8048585" y="2934351"/>
+                <a:ext cx="2148121" cy="1054648"/>
+              </a:xfrm>
+              <a:prstGeom prst="rect">
+                <a:avLst/>
+              </a:prstGeom>
+              <a:blipFill>
+                <a:blip r:embed="rId3"/>
+                <a:stretch>
+                  <a:fillRect t="-2381"/>
+                </a:stretch>
+              </a:blipFill>
+            </p:spPr>
+            <p:txBody>
+              <a:bodyPr/>
+              <a:lstStyle/>
+              <a:p>
+                <a:r>
+                  <a:rPr lang="en-US">
+                    <a:noFill/>
+                  </a:rPr>
+                  <a:t> </a:t>
+                </a:r>
+              </a:p>
+            </p:txBody>
+          </p:sp>
+        </mc:Fallback>
+      </mc:AlternateContent>
+      <p:sp>
+        <p:nvSpPr>
+          <p:cNvPr id="9" name="TextBox 8">
+            <a:extLst>
+              <a:ext uri="{FF2B5EF4-FFF2-40B4-BE49-F238E27FC236}">
+                <a16:creationId xmlns:a16="http://schemas.microsoft.com/office/drawing/2014/main" id="{93B3439D-07BF-2A4F-8704-7C085C88047E}"/>
+              </a:ext>
+            </a:extLst>
+          </p:cNvPr>
+          <p:cNvSpPr txBox="1"/>
+          <p:nvPr/>
+        </p:nvSpPr>
+        <p:spPr>
+          <a:xfrm>
+            <a:off x="5202779" y="3473196"/>
+            <a:ext cx="1287788" cy="646331"/>
+          </a:xfrm>
+          <a:prstGeom prst="rect">
+            <a:avLst/>
+          </a:prstGeom>
+          <a:noFill/>
+        </p:spPr>
+        <p:txBody>
+          <a:bodyPr wrap="none" rtlCol="0">
+            <a:spAutoFit/>
+          </a:bodyPr>
+          <a:lstStyle/>
+          <a:p>
+            <a:pPr algn="ctr"/>
+            <a:r>
+              <a:rPr lang="en-US" dirty="0"/>
+              <a:t>Random</a:t>
+            </a:r>
+          </a:p>
+          <a:p>
+            <a:pPr algn="ctr"/>
+            <a:r>
+              <a:rPr lang="en-US" dirty="0"/>
+              <a:t>Fertilization</a:t>
+            </a:r>
+          </a:p>
+        </p:txBody>
+      </p:sp>
+      <mc:AlternateContent xmlns:mc="http://schemas.openxmlformats.org/markup-compatibility/2006">
+        <mc:Choice xmlns:a14="http://schemas.microsoft.com/office/drawing/2010/main" Requires="a14">
+          <p:sp>
+            <p:nvSpPr>
+              <p:cNvPr id="23" name="TextBox 22">
+                <a:extLst>
+                  <a:ext uri="{FF2B5EF4-FFF2-40B4-BE49-F238E27FC236}">
+                    <a16:creationId xmlns:a16="http://schemas.microsoft.com/office/drawing/2014/main" id="{4219AAB7-4650-9443-B3E6-06103887E776}"/>
+                  </a:ext>
+                </a:extLst>
+              </p:cNvPr>
+              <p:cNvSpPr txBox="1"/>
+              <p:nvPr/>
+            </p:nvSpPr>
+            <p:spPr>
+              <a:xfrm>
+                <a:off x="5319997" y="1731965"/>
+                <a:ext cx="995785" cy="646331"/>
+              </a:xfrm>
+              <a:prstGeom prst="rect">
+                <a:avLst/>
+              </a:prstGeom>
+              <a:noFill/>
+            </p:spPr>
+            <p:txBody>
+              <a:bodyPr wrap="none" rtlCol="0">
+                <a:spAutoFit/>
+              </a:bodyPr>
+              <a:lstStyle/>
+              <a:p>
+                <a:r>
+                  <a:rPr lang="en-US" dirty="0"/>
+                  <a:t>OSR bias</a:t>
+                </a:r>
+              </a:p>
+              <a:p>
+                <a14:m>
+                  <m:oMathPara xmlns:m="http://schemas.openxmlformats.org/officeDocument/2006/math">
+                    <m:oMathParaPr>
+                      <m:jc m:val="centerGroup"/>
+                    </m:oMathParaPr>
+                    <m:oMath xmlns:m="http://schemas.openxmlformats.org/officeDocument/2006/math">
+                      <m:r>
+                        <a:rPr lang="en-US" i="1" smtClean="0">
+                          <a:latin typeface="Cambria Math" panose="02040503050406030204" pitchFamily="18" charset="0"/>
+                          <a:ea typeface="Cambria Math" panose="02040503050406030204" pitchFamily="18" charset="0"/>
+                        </a:rPr>
+                        <m:t>𝛽</m:t>
+                      </m:r>
+                      <m:r>
+                        <a:rPr lang="en-US" b="0" i="1" smtClean="0">
+                          <a:latin typeface="Cambria Math" panose="02040503050406030204" pitchFamily="18" charset="0"/>
+                          <a:ea typeface="Cambria Math" panose="02040503050406030204" pitchFamily="18" charset="0"/>
+                        </a:rPr>
+                        <m:t>, </m:t>
+                      </m:r>
+                      <m:r>
+                        <a:rPr lang="en-US" b="0" i="1" smtClean="0">
+                          <a:latin typeface="Cambria Math" panose="02040503050406030204" pitchFamily="18" charset="0"/>
+                          <a:ea typeface="Cambria Math" panose="02040503050406030204" pitchFamily="18" charset="0"/>
+                        </a:rPr>
+                        <m:t>𝑁</m:t>
+                      </m:r>
+                    </m:oMath>
+                  </m:oMathPara>
+                </a14:m>
+                <a:endParaRPr lang="en-US" dirty="0"/>
+              </a:p>
+            </p:txBody>
+          </p:sp>
+        </mc:Choice>
+        <mc:Fallback>
+          <p:sp>
+            <p:nvSpPr>
+              <p:cNvPr id="23" name="TextBox 22">
+                <a:extLst>
+                  <a:ext uri="{FF2B5EF4-FFF2-40B4-BE49-F238E27FC236}">
+                    <a16:creationId xmlns:a16="http://schemas.microsoft.com/office/drawing/2014/main" id="{4219AAB7-4650-9443-B3E6-06103887E776}"/>
+                  </a:ext>
+                </a:extLst>
+              </p:cNvPr>
+              <p:cNvSpPr txBox="1">
+                <a:spLocks noRot="1" noChangeAspect="1" noMove="1" noResize="1" noEditPoints="1" noAdjustHandles="1" noChangeArrowheads="1" noChangeShapeType="1" noTextEdit="1"/>
+              </p:cNvSpPr>
+              <p:nvPr/>
+            </p:nvSpPr>
+            <p:spPr>
+              <a:xfrm>
+                <a:off x="5319997" y="1731965"/>
+                <a:ext cx="995785" cy="646331"/>
+              </a:xfrm>
+              <a:prstGeom prst="rect">
+                <a:avLst/>
+              </a:prstGeom>
+              <a:blipFill>
+                <a:blip r:embed="rId4"/>
+                <a:stretch>
+                  <a:fillRect l="-5063" t="-1923" r="-3797" b="-7692"/>
+                </a:stretch>
+              </a:blipFill>
+            </p:spPr>
+            <p:txBody>
+              <a:bodyPr/>
+              <a:lstStyle/>
+              <a:p>
+                <a:r>
+                  <a:rPr lang="en-US">
+                    <a:noFill/>
+                  </a:rPr>
+                  <a:t> </a:t>
+                </a:r>
+              </a:p>
+            </p:txBody>
+          </p:sp>
+        </mc:Fallback>
+      </mc:AlternateContent>
       <p:grpSp>
         <p:nvGrpSpPr>
-          <p:cNvPr id="8" name="Group 7">
-            <a:extLst>
-              <a:ext uri="{FF2B5EF4-FFF2-40B4-BE49-F238E27FC236}">
-                <a16:creationId xmlns:a16="http://schemas.microsoft.com/office/drawing/2014/main" id="{5FB0909E-22B9-F44E-A303-FEB25ECB1EF2}"/>
+          <p:cNvPr id="5" name="Group 4">
+            <a:extLst>
+              <a:ext uri="{FF2B5EF4-FFF2-40B4-BE49-F238E27FC236}">
+                <a16:creationId xmlns:a16="http://schemas.microsoft.com/office/drawing/2014/main" id="{1ED3605C-6C09-0546-8DED-B39C00C270EC}"/>
               </a:ext>
             </a:extLst>
           </p:cNvPr>
@@ -3395,18 +3841,18 @@
         </p:nvGrpSpPr>
         <p:grpSpPr>
           <a:xfrm>
-            <a:off x="1216156" y="1710807"/>
-            <a:ext cx="4790360" cy="3777192"/>
-            <a:chOff x="1216156" y="1710807"/>
-            <a:chExt cx="4790360" cy="3777192"/>
+            <a:off x="6492813" y="1275015"/>
+            <a:ext cx="1798855" cy="775603"/>
+            <a:chOff x="6452173" y="1275015"/>
+            <a:chExt cx="1798855" cy="775603"/>
           </a:xfrm>
         </p:grpSpPr>
         <p:sp>
           <p:nvSpPr>
-            <p:cNvPr id="29" name="Arc 28">
+            <p:cNvPr id="67" name="Rectangle 66">
               <a:extLst>
                 <a:ext uri="{FF2B5EF4-FFF2-40B4-BE49-F238E27FC236}">
-                  <a16:creationId xmlns:a16="http://schemas.microsoft.com/office/drawing/2014/main" id="{6463E5A7-F38E-AB47-92B3-508CB339D66C}"/>
+                  <a16:creationId xmlns:a16="http://schemas.microsoft.com/office/drawing/2014/main" id="{544C4655-C454-EC46-8C5E-AA307ACA1DD8}"/>
                 </a:ext>
               </a:extLst>
             </p:cNvPr>
@@ -3414,91 +3860,34 @@
             <p:nvPr/>
           </p:nvSpPr>
           <p:spPr>
-            <a:xfrm rot="21191600" flipH="1">
-              <a:off x="2571482" y="1777401"/>
-              <a:ext cx="3435034" cy="3288108"/>
+            <a:xfrm>
+              <a:off x="7740944" y="1729563"/>
+              <a:ext cx="77183" cy="316999"/>
             </a:xfrm>
-            <a:prstGeom prst="arc">
-              <a:avLst>
-                <a:gd name="adj1" fmla="val 17963556"/>
-                <a:gd name="adj2" fmla="val 21174407"/>
-              </a:avLst>
+            <a:prstGeom prst="rect">
+              <a:avLst/>
             </a:prstGeom>
-            <a:noFill/>
-            <a:ln w="101600">
-              <a:solidFill>
-                <a:srgbClr val="000000"/>
-              </a:solidFill>
-              <a:headEnd type="none" w="med" len="med"/>
-              <a:tailEnd type="triangle" w="med" len="med"/>
+            <a:solidFill>
+              <a:srgbClr val="F9EB77"/>
+            </a:solidFill>
+            <a:ln>
+              <a:noFill/>
             </a:ln>
           </p:spPr>
           <p:style>
-            <a:lnRef idx="1">
-              <a:schemeClr val="accent1"/>
+            <a:lnRef idx="2">
+              <a:schemeClr val="accent1">
+                <a:shade val="50000"/>
+              </a:schemeClr>
             </a:lnRef>
-            <a:fillRef idx="0">
+            <a:fillRef idx="1">
               <a:schemeClr val="accent1"/>
             </a:fillRef>
             <a:effectRef idx="0">
               <a:schemeClr val="accent1"/>
             </a:effectRef>
             <a:fontRef idx="minor">
-              <a:schemeClr val="tx1"/>
-            </a:fontRef>
-          </p:style>
-          <p:txBody>
-            <a:bodyPr rtlCol="0" anchor="ctr"/>
-            <a:lstStyle/>
-            <a:p>
-              <a:pPr algn="ctr"/>
-              <a:endParaRPr lang="en-US" dirty="0"/>
-            </a:p>
-          </p:txBody>
-        </p:sp>
-        <p:sp>
-          <p:nvSpPr>
-            <p:cNvPr id="30" name="Arc 29">
-              <a:extLst>
-                <a:ext uri="{FF2B5EF4-FFF2-40B4-BE49-F238E27FC236}">
-                  <a16:creationId xmlns:a16="http://schemas.microsoft.com/office/drawing/2014/main" id="{4D4B5B9A-9094-834F-BAA1-98D905D4972F}"/>
-                </a:ext>
-              </a:extLst>
-            </p:cNvPr>
-            <p:cNvSpPr/>
-            <p:nvPr/>
-          </p:nvSpPr>
-          <p:spPr>
-            <a:xfrm rot="16932001" flipH="1">
-              <a:off x="2604107" y="2104606"/>
-              <a:ext cx="3191130" cy="3239505"/>
-            </a:xfrm>
-            <a:prstGeom prst="arc">
-              <a:avLst>
-                <a:gd name="adj1" fmla="val 2251080"/>
-                <a:gd name="adj2" fmla="val 5208474"/>
-              </a:avLst>
-            </a:prstGeom>
-            <a:ln w="101600">
-              <a:solidFill>
-                <a:srgbClr val="000000"/>
-              </a:solidFill>
-              <a:headEnd type="none" w="med" len="med"/>
-              <a:tailEnd type="triangle" w="med" len="med"/>
-            </a:ln>
-          </p:spPr>
-          <p:style>
-            <a:lnRef idx="1">
-              <a:schemeClr val="accent1"/>
-            </a:lnRef>
-            <a:fillRef idx="0">
-              <a:schemeClr val="accent1"/>
-            </a:fillRef>
-            <a:effectRef idx="0">
-              <a:schemeClr val="accent1"/>
-            </a:effectRef>
-            <a:fontRef idx="minor">
-              <a:schemeClr val="tx1"/>
+              <a:schemeClr val="lt1"/>
             </a:fontRef>
           </p:style>
           <p:txBody>
@@ -3512,10 +3901,10 @@
         </p:sp>
         <p:sp>
           <p:nvSpPr>
-            <p:cNvPr id="39" name="Arc 38">
+            <p:cNvPr id="34" name="Rectangle 33">
               <a:extLst>
                 <a:ext uri="{FF2B5EF4-FFF2-40B4-BE49-F238E27FC236}">
-                  <a16:creationId xmlns:a16="http://schemas.microsoft.com/office/drawing/2014/main" id="{93C0CEC1-5D23-3F49-948B-F858562DCECE}"/>
+                  <a16:creationId xmlns:a16="http://schemas.microsoft.com/office/drawing/2014/main" id="{EF1A55BF-B0DB-C84E-90B9-28B9316CA02B}"/>
                 </a:ext>
               </a:extLst>
             </p:cNvPr>
@@ -3523,36 +3912,34 @@
             <p:nvPr/>
           </p:nvSpPr>
           <p:spPr>
-            <a:xfrm>
-              <a:off x="4350717" y="2145694"/>
-              <a:ext cx="1416857" cy="2551520"/>
+            <a:xfrm flipH="1">
+              <a:off x="8026436" y="1275015"/>
+              <a:ext cx="77183" cy="331403"/>
             </a:xfrm>
-            <a:prstGeom prst="arc">
-              <a:avLst>
-                <a:gd name="adj1" fmla="val 17230262"/>
-                <a:gd name="adj2" fmla="val 19756702"/>
-              </a:avLst>
+            <a:prstGeom prst="rect">
+              <a:avLst/>
             </a:prstGeom>
-            <a:ln w="101600">
-              <a:solidFill>
-                <a:srgbClr val="000000"/>
-              </a:solidFill>
-              <a:headEnd type="triangle" w="med" len="med"/>
-              <a:tailEnd type="none" w="med" len="med"/>
+            <a:solidFill>
+              <a:srgbClr val="FF0000"/>
+            </a:solidFill>
+            <a:ln>
+              <a:noFill/>
             </a:ln>
           </p:spPr>
           <p:style>
-            <a:lnRef idx="1">
-              <a:schemeClr val="accent1"/>
+            <a:lnRef idx="2">
+              <a:schemeClr val="accent1">
+                <a:shade val="50000"/>
+              </a:schemeClr>
             </a:lnRef>
-            <a:fillRef idx="0">
+            <a:fillRef idx="1">
               <a:schemeClr val="accent1"/>
             </a:fillRef>
             <a:effectRef idx="0">
               <a:schemeClr val="accent1"/>
             </a:effectRef>
             <a:fontRef idx="minor">
-              <a:schemeClr val="tx1"/>
+              <a:schemeClr val="lt1"/>
             </a:fontRef>
           </p:style>
           <p:txBody>
@@ -3564,186 +3951,12 @@
             </a:p>
           </p:txBody>
         </p:sp>
-        <mc:AlternateContent xmlns:mc="http://schemas.openxmlformats.org/markup-compatibility/2006">
-          <mc:Choice xmlns:a14="http://schemas.microsoft.com/office/drawing/2010/main" Requires="a14">
-            <p:sp>
-              <p:nvSpPr>
-                <p:cNvPr id="2" name="TextBox 1">
-                  <a:extLst>
-                    <a:ext uri="{FF2B5EF4-FFF2-40B4-BE49-F238E27FC236}">
-                      <a16:creationId xmlns:a16="http://schemas.microsoft.com/office/drawing/2014/main" id="{CD8EF41B-CC97-474A-AD24-8C7F64E969AF}"/>
-                    </a:ext>
-                  </a:extLst>
-                </p:cNvPr>
-                <p:cNvSpPr txBox="1"/>
-                <p:nvPr/>
-              </p:nvSpPr>
-              <p:spPr>
-                <a:xfrm>
-                  <a:off x="1216156" y="3345330"/>
-                  <a:ext cx="2613092" cy="646331"/>
-                </a:xfrm>
-                <a:prstGeom prst="rect">
-                  <a:avLst/>
-                </a:prstGeom>
-                <a:noFill/>
-              </p:spPr>
-              <p:txBody>
-                <a:bodyPr wrap="square" rtlCol="0">
-                  <a:spAutoFit/>
-                </a:bodyPr>
-                <a:lstStyle/>
-                <a:p>
-                  <a:pPr algn="ctr"/>
-                  <a:r>
-                    <a:rPr lang="en-US" dirty="0"/>
-                    <a:t>♀parents</a:t>
-                  </a:r>
-                </a:p>
-                <a:p>
-                  <a14:m>
-                    <m:oMathPara xmlns:m="http://schemas.openxmlformats.org/officeDocument/2006/math">
-                      <m:oMathParaPr>
-                        <m:jc m:val="centerGroup"/>
-                      </m:oMathParaPr>
-                      <m:oMath xmlns:m="http://schemas.openxmlformats.org/officeDocument/2006/math">
-                        <m:r>
-                          <a:rPr lang="en-US" b="0" i="1" smtClean="0">
-                            <a:latin typeface="Cambria Math" panose="02040503050406030204" pitchFamily="18" charset="0"/>
-                          </a:rPr>
-                          <m:t>(1, 1+</m:t>
-                        </m:r>
-                        <m:r>
-                          <a:rPr lang="en-US" b="0" i="1" smtClean="0">
-                            <a:latin typeface="Cambria Math" panose="02040503050406030204" pitchFamily="18" charset="0"/>
-                          </a:rPr>
-                          <m:t>h𝑠</m:t>
-                        </m:r>
-                        <m:r>
-                          <a:rPr lang="en-US" b="0" i="1" smtClean="0">
-                            <a:latin typeface="Cambria Math" panose="02040503050406030204" pitchFamily="18" charset="0"/>
-                          </a:rPr>
-                          <m:t>, 1+</m:t>
-                        </m:r>
-                        <m:r>
-                          <a:rPr lang="en-US" b="0" i="1" smtClean="0">
-                            <a:latin typeface="Cambria Math" panose="02040503050406030204" pitchFamily="18" charset="0"/>
-                          </a:rPr>
-                          <m:t>h𝑠</m:t>
-                        </m:r>
-                        <m:r>
-                          <a:rPr lang="en-US" b="0" i="1" smtClean="0">
-                            <a:latin typeface="Cambria Math" panose="02040503050406030204" pitchFamily="18" charset="0"/>
-                          </a:rPr>
-                          <m:t>, 1+</m:t>
-                        </m:r>
-                        <m:r>
-                          <a:rPr lang="en-US" b="0" i="1" smtClean="0">
-                            <a:latin typeface="Cambria Math" panose="02040503050406030204" pitchFamily="18" charset="0"/>
-                          </a:rPr>
-                          <m:t>𝑠</m:t>
-                        </m:r>
-                        <m:r>
-                          <a:rPr lang="en-US" b="0" i="1" smtClean="0">
-                            <a:latin typeface="Cambria Math" panose="02040503050406030204" pitchFamily="18" charset="0"/>
-                          </a:rPr>
-                          <m:t>)</m:t>
-                        </m:r>
-                      </m:oMath>
-                    </m:oMathPara>
-                  </a14:m>
-                  <a:endParaRPr lang="en-US" dirty="0"/>
-                </a:p>
-              </p:txBody>
-            </p:sp>
-          </mc:Choice>
-          <mc:Fallback>
-            <p:sp>
-              <p:nvSpPr>
-                <p:cNvPr id="2" name="TextBox 1">
-                  <a:extLst>
-                    <a:ext uri="{FF2B5EF4-FFF2-40B4-BE49-F238E27FC236}">
-                      <a16:creationId xmlns:a16="http://schemas.microsoft.com/office/drawing/2014/main" id="{CD8EF41B-CC97-474A-AD24-8C7F64E969AF}"/>
-                    </a:ext>
-                  </a:extLst>
-                </p:cNvPr>
-                <p:cNvSpPr txBox="1">
-                  <a:spLocks noRot="1" noChangeAspect="1" noMove="1" noResize="1" noEditPoints="1" noAdjustHandles="1" noChangeArrowheads="1" noChangeShapeType="1" noTextEdit="1"/>
-                </p:cNvSpPr>
-                <p:nvPr/>
-              </p:nvSpPr>
-              <p:spPr>
-                <a:xfrm>
-                  <a:off x="1216156" y="3345330"/>
-                  <a:ext cx="2613092" cy="646331"/>
-                </a:xfrm>
-                <a:prstGeom prst="rect">
-                  <a:avLst/>
-                </a:prstGeom>
-                <a:blipFill>
-                  <a:blip r:embed="rId2"/>
-                  <a:stretch>
-                    <a:fillRect t="-1923" b="-7692"/>
-                  </a:stretch>
-                </a:blipFill>
-              </p:spPr>
-              <p:txBody>
-                <a:bodyPr/>
-                <a:lstStyle/>
-                <a:p>
-                  <a:r>
-                    <a:rPr lang="en-US">
-                      <a:noFill/>
-                    </a:rPr>
-                    <a:t> </a:t>
-                  </a:r>
-                </a:p>
-              </p:txBody>
-            </p:sp>
-          </mc:Fallback>
-        </mc:AlternateContent>
         <p:sp>
           <p:nvSpPr>
-            <p:cNvPr id="17" name="TextBox 16">
+            <p:cNvPr id="35" name="Rectangle 34">
               <a:extLst>
                 <a:ext uri="{FF2B5EF4-FFF2-40B4-BE49-F238E27FC236}">
-                  <a16:creationId xmlns:a16="http://schemas.microsoft.com/office/drawing/2014/main" id="{82EFCD77-77A2-CF46-8699-781BAF1DD7F2}"/>
-                </a:ext>
-              </a:extLst>
-            </p:cNvPr>
-            <p:cNvSpPr txBox="1"/>
-            <p:nvPr/>
-          </p:nvSpPr>
-          <p:spPr>
-            <a:xfrm>
-              <a:off x="3019619" y="5118667"/>
-              <a:ext cx="2613092" cy="369332"/>
-            </a:xfrm>
-            <a:prstGeom prst="rect">
-              <a:avLst/>
-            </a:prstGeom>
-            <a:noFill/>
-          </p:spPr>
-          <p:txBody>
-            <a:bodyPr wrap="square" rtlCol="0">
-              <a:spAutoFit/>
-            </a:bodyPr>
-            <a:lstStyle/>
-            <a:p>
-              <a:pPr algn="ctr"/>
-              <a:r>
-                <a:rPr lang="en-US" dirty="0"/>
-                <a:t>♀gametes</a:t>
-              </a:r>
-            </a:p>
-          </p:txBody>
-        </p:sp>
-        <p:sp>
-          <p:nvSpPr>
-            <p:cNvPr id="20" name="Rounded Rectangle 19">
-              <a:extLst>
-                <a:ext uri="{FF2B5EF4-FFF2-40B4-BE49-F238E27FC236}">
-                  <a16:creationId xmlns:a16="http://schemas.microsoft.com/office/drawing/2014/main" id="{49199440-795E-594E-A697-F51AF688CE8E}"/>
+                  <a16:creationId xmlns:a16="http://schemas.microsoft.com/office/drawing/2014/main" id="{66090521-5E49-FD46-984B-9287971C7B83}"/>
                 </a:ext>
               </a:extLst>
             </p:cNvPr>
@@ -3752,7 +3965,59 @@
           </p:nvSpPr>
           <p:spPr>
             <a:xfrm>
-              <a:off x="3442317" y="1710807"/>
+              <a:off x="7740944" y="1275015"/>
+              <a:ext cx="77183" cy="316999"/>
+            </a:xfrm>
+            <a:prstGeom prst="rect">
+              <a:avLst/>
+            </a:prstGeom>
+            <a:solidFill>
+              <a:srgbClr val="6585A1"/>
+            </a:solidFill>
+            <a:ln>
+              <a:noFill/>
+            </a:ln>
+          </p:spPr>
+          <p:style>
+            <a:lnRef idx="2">
+              <a:schemeClr val="accent1">
+                <a:shade val="50000"/>
+              </a:schemeClr>
+            </a:lnRef>
+            <a:fillRef idx="1">
+              <a:schemeClr val="accent1"/>
+            </a:fillRef>
+            <a:effectRef idx="0">
+              <a:schemeClr val="accent1"/>
+            </a:effectRef>
+            <a:fontRef idx="minor">
+              <a:schemeClr val="lt1"/>
+            </a:fontRef>
+          </p:style>
+          <p:txBody>
+            <a:bodyPr rtlCol="0" anchor="ctr"/>
+            <a:lstStyle/>
+            <a:p>
+              <a:pPr algn="ctr"/>
+              <a:endParaRPr lang="en-US"/>
+            </a:p>
+          </p:txBody>
+        </p:sp>
+        <p:sp>
+          <p:nvSpPr>
+            <p:cNvPr id="33" name="Rounded Rectangle 32">
+              <a:extLst>
+                <a:ext uri="{FF2B5EF4-FFF2-40B4-BE49-F238E27FC236}">
+                  <a16:creationId xmlns:a16="http://schemas.microsoft.com/office/drawing/2014/main" id="{76BDAED4-58B3-5D4F-8159-20495B0CFD8C}"/>
+                </a:ext>
+              </a:extLst>
+            </p:cNvPr>
+            <p:cNvSpPr/>
+            <p:nvPr/>
+          </p:nvSpPr>
+          <p:spPr>
+            <a:xfrm flipH="1">
+              <a:off x="6452173" y="1275015"/>
               <a:ext cx="1798855" cy="331404"/>
             </a:xfrm>
             <a:prstGeom prst="roundRect">
@@ -3792,10 +4057,10 @@
         </p:sp>
         <p:sp>
           <p:nvSpPr>
-            <p:cNvPr id="21" name="Rectangle 20">
+            <p:cNvPr id="41" name="Rectangle 40">
               <a:extLst>
                 <a:ext uri="{FF2B5EF4-FFF2-40B4-BE49-F238E27FC236}">
-                  <a16:creationId xmlns:a16="http://schemas.microsoft.com/office/drawing/2014/main" id="{9B2FBDFE-CA58-0548-AF4F-6075FF95AB33}"/>
+                  <a16:creationId xmlns:a16="http://schemas.microsoft.com/office/drawing/2014/main" id="{25FF53F0-519F-F544-B127-3787335C625B}"/>
                 </a:ext>
               </a:extLst>
             </p:cNvPr>
@@ -3803,9 +4068,9 @@
             <p:nvPr/>
           </p:nvSpPr>
           <p:spPr>
-            <a:xfrm>
-              <a:off x="3589724" y="1768400"/>
-              <a:ext cx="77183" cy="247582"/>
+            <a:xfrm flipH="1">
+              <a:off x="8026436" y="1719214"/>
+              <a:ext cx="77183" cy="331403"/>
             </a:xfrm>
             <a:prstGeom prst="rect">
               <a:avLst/>
@@ -3842,33 +4107,12 @@
             </a:p>
           </p:txBody>
         </p:sp>
-      </p:grpSp>
-      <p:grpSp>
-        <p:nvGrpSpPr>
-          <p:cNvPr id="42" name="Group 41">
-            <a:extLst>
-              <a:ext uri="{FF2B5EF4-FFF2-40B4-BE49-F238E27FC236}">
-                <a16:creationId xmlns:a16="http://schemas.microsoft.com/office/drawing/2014/main" id="{2ED61FF4-61B0-B649-981F-52750D6918E3}"/>
-              </a:ext>
-            </a:extLst>
-          </p:cNvPr>
-          <p:cNvGrpSpPr/>
-          <p:nvPr/>
-        </p:nvGrpSpPr>
-        <p:grpSpPr>
-          <a:xfrm flipH="1">
-            <a:off x="5686829" y="1710807"/>
-            <a:ext cx="4523369" cy="3777192"/>
-            <a:chOff x="1483147" y="1710807"/>
-            <a:chExt cx="4523369" cy="3777192"/>
-          </a:xfrm>
-        </p:grpSpPr>
         <p:sp>
           <p:nvSpPr>
-            <p:cNvPr id="43" name="Arc 42">
+            <p:cNvPr id="58" name="Rounded Rectangle 57">
               <a:extLst>
                 <a:ext uri="{FF2B5EF4-FFF2-40B4-BE49-F238E27FC236}">
-                  <a16:creationId xmlns:a16="http://schemas.microsoft.com/office/drawing/2014/main" id="{96559448-87A8-2042-A5C4-C00CF2BA2CE7}"/>
+                  <a16:creationId xmlns:a16="http://schemas.microsoft.com/office/drawing/2014/main" id="{47F7109C-E402-9040-B6E0-3575CE93D190}"/>
                 </a:ext>
               </a:extLst>
             </p:cNvPr>
@@ -3876,437 +4120,8 @@
             <p:nvPr/>
           </p:nvSpPr>
           <p:spPr>
-            <a:xfrm rot="21191600" flipH="1">
-              <a:off x="2571482" y="1777401"/>
-              <a:ext cx="3435034" cy="3288108"/>
-            </a:xfrm>
-            <a:prstGeom prst="arc">
-              <a:avLst>
-                <a:gd name="adj1" fmla="val 17963556"/>
-                <a:gd name="adj2" fmla="val 21174407"/>
-              </a:avLst>
-            </a:prstGeom>
-            <a:noFill/>
-            <a:ln w="101600">
-              <a:solidFill>
-                <a:srgbClr val="000000"/>
-              </a:solidFill>
-              <a:headEnd type="none" w="med" len="med"/>
-              <a:tailEnd type="triangle" w="med" len="med"/>
-            </a:ln>
-          </p:spPr>
-          <p:style>
-            <a:lnRef idx="1">
-              <a:schemeClr val="accent1"/>
-            </a:lnRef>
-            <a:fillRef idx="0">
-              <a:schemeClr val="accent1"/>
-            </a:fillRef>
-            <a:effectRef idx="0">
-              <a:schemeClr val="accent1"/>
-            </a:effectRef>
-            <a:fontRef idx="minor">
-              <a:schemeClr val="tx1"/>
-            </a:fontRef>
-          </p:style>
-          <p:txBody>
-            <a:bodyPr rtlCol="0" anchor="ctr"/>
-            <a:lstStyle/>
-            <a:p>
-              <a:pPr algn="ctr"/>
-              <a:endParaRPr lang="en-US" dirty="0"/>
-            </a:p>
-          </p:txBody>
-        </p:sp>
-        <p:sp>
-          <p:nvSpPr>
-            <p:cNvPr id="44" name="Arc 43">
-              <a:extLst>
-                <a:ext uri="{FF2B5EF4-FFF2-40B4-BE49-F238E27FC236}">
-                  <a16:creationId xmlns:a16="http://schemas.microsoft.com/office/drawing/2014/main" id="{F749B56F-E25E-C94D-9786-F3F3188D9622}"/>
-                </a:ext>
-              </a:extLst>
-            </p:cNvPr>
-            <p:cNvSpPr/>
-            <p:nvPr/>
-          </p:nvSpPr>
-          <p:spPr>
-            <a:xfrm rot="16932001" flipH="1">
-              <a:off x="2604107" y="2104606"/>
-              <a:ext cx="3191130" cy="3239505"/>
-            </a:xfrm>
-            <a:prstGeom prst="arc">
-              <a:avLst>
-                <a:gd name="adj1" fmla="val 2251080"/>
-                <a:gd name="adj2" fmla="val 5208474"/>
-              </a:avLst>
-            </a:prstGeom>
-            <a:ln w="101600">
-              <a:solidFill>
-                <a:srgbClr val="000000"/>
-              </a:solidFill>
-              <a:headEnd type="none" w="med" len="med"/>
-              <a:tailEnd type="triangle" w="med" len="med"/>
-            </a:ln>
-          </p:spPr>
-          <p:style>
-            <a:lnRef idx="1">
-              <a:schemeClr val="accent1"/>
-            </a:lnRef>
-            <a:fillRef idx="0">
-              <a:schemeClr val="accent1"/>
-            </a:fillRef>
-            <a:effectRef idx="0">
-              <a:schemeClr val="accent1"/>
-            </a:effectRef>
-            <a:fontRef idx="minor">
-              <a:schemeClr val="tx1"/>
-            </a:fontRef>
-          </p:style>
-          <p:txBody>
-            <a:bodyPr rtlCol="0" anchor="ctr"/>
-            <a:lstStyle/>
-            <a:p>
-              <a:pPr algn="ctr"/>
-              <a:endParaRPr lang="en-US"/>
-            </a:p>
-          </p:txBody>
-        </p:sp>
-        <p:sp>
-          <p:nvSpPr>
-            <p:cNvPr id="45" name="Arc 44">
-              <a:extLst>
-                <a:ext uri="{FF2B5EF4-FFF2-40B4-BE49-F238E27FC236}">
-                  <a16:creationId xmlns:a16="http://schemas.microsoft.com/office/drawing/2014/main" id="{AC06135C-4020-544A-9F31-766B749D9F06}"/>
-                </a:ext>
-              </a:extLst>
-            </p:cNvPr>
-            <p:cNvSpPr/>
-            <p:nvPr/>
-          </p:nvSpPr>
-          <p:spPr>
-            <a:xfrm>
-              <a:off x="4350717" y="2145694"/>
-              <a:ext cx="1416857" cy="2551520"/>
-            </a:xfrm>
-            <a:prstGeom prst="arc">
-              <a:avLst>
-                <a:gd name="adj1" fmla="val 17230262"/>
-                <a:gd name="adj2" fmla="val 19756702"/>
-              </a:avLst>
-            </a:prstGeom>
-            <a:ln w="101600">
-              <a:solidFill>
-                <a:srgbClr val="000000"/>
-              </a:solidFill>
-              <a:headEnd type="triangle" w="med" len="med"/>
-              <a:tailEnd type="none" w="med" len="med"/>
-            </a:ln>
-          </p:spPr>
-          <p:style>
-            <a:lnRef idx="1">
-              <a:schemeClr val="accent1"/>
-            </a:lnRef>
-            <a:fillRef idx="0">
-              <a:schemeClr val="accent1"/>
-            </a:fillRef>
-            <a:effectRef idx="0">
-              <a:schemeClr val="accent1"/>
-            </a:effectRef>
-            <a:fontRef idx="minor">
-              <a:schemeClr val="tx1"/>
-            </a:fontRef>
-          </p:style>
-          <p:txBody>
-            <a:bodyPr rtlCol="0" anchor="ctr"/>
-            <a:lstStyle/>
-            <a:p>
-              <a:pPr algn="ctr"/>
-              <a:endParaRPr lang="en-US"/>
-            </a:p>
-          </p:txBody>
-        </p:sp>
-        <mc:AlternateContent xmlns:mc="http://schemas.openxmlformats.org/markup-compatibility/2006">
-          <mc:Choice xmlns:a14="http://schemas.microsoft.com/office/drawing/2010/main" Requires="a14">
-            <p:sp>
-              <p:nvSpPr>
-                <p:cNvPr id="46" name="TextBox 45">
-                  <a:extLst>
-                    <a:ext uri="{FF2B5EF4-FFF2-40B4-BE49-F238E27FC236}">
-                      <a16:creationId xmlns:a16="http://schemas.microsoft.com/office/drawing/2014/main" id="{0A0BECBE-D67B-D14D-9387-D62B8FDA5BA7}"/>
-                    </a:ext>
-                  </a:extLst>
-                </p:cNvPr>
-                <p:cNvSpPr txBox="1"/>
-                <p:nvPr/>
-              </p:nvSpPr>
-              <p:spPr>
-                <a:xfrm>
-                  <a:off x="1483147" y="3347096"/>
-                  <a:ext cx="2148121" cy="761940"/>
-                </a:xfrm>
-                <a:prstGeom prst="rect">
-                  <a:avLst/>
-                </a:prstGeom>
-                <a:noFill/>
-              </p:spPr>
-              <p:txBody>
-                <a:bodyPr wrap="square" rtlCol="0">
-                  <a:spAutoFit/>
-                </a:bodyPr>
-                <a:lstStyle/>
-                <a:p>
-                  <a:pPr algn="ctr"/>
-                  <a:r>
-                    <a:rPr lang="en-US" dirty="0"/>
-                    <a:t>♂parents</a:t>
-                  </a:r>
-                </a:p>
-                <a:p>
-                  <a14:m>
-                    <m:oMath xmlns:m="http://schemas.openxmlformats.org/officeDocument/2006/math">
-                      <m:r>
-                        <a:rPr lang="en-US" b="0" i="1" smtClean="0">
-                          <a:latin typeface="Cambria Math" panose="02040503050406030204" pitchFamily="18" charset="0"/>
-                          <a:ea typeface="Cambria Math" panose="02040503050406030204" pitchFamily="18" charset="0"/>
-                        </a:rPr>
-                        <m:t>(</m:t>
-                      </m:r>
-                      <m:r>
-                        <a:rPr lang="en-US" b="0" i="1" dirty="0" smtClean="0">
-                          <a:latin typeface="Cambria Math" panose="02040503050406030204" pitchFamily="18" charset="0"/>
-                          <a:ea typeface="Cambria Math" panose="02040503050406030204" pitchFamily="18" charset="0"/>
-                        </a:rPr>
-                        <m:t>1, </m:t>
-                      </m:r>
-                      <m:f>
-                        <m:fPr>
-                          <m:ctrlPr>
-                            <a:rPr lang="en-US" b="0" i="1" dirty="0" smtClean="0">
-                              <a:latin typeface="Cambria Math" panose="02040503050406030204" pitchFamily="18" charset="0"/>
-                              <a:ea typeface="Cambria Math" panose="02040503050406030204" pitchFamily="18" charset="0"/>
-                            </a:rPr>
-                          </m:ctrlPr>
-                        </m:fPr>
-                        <m:num>
-                          <m:r>
-                            <a:rPr lang="en-US" b="0" i="1" dirty="0" smtClean="0">
-                              <a:latin typeface="Cambria Math" panose="02040503050406030204" pitchFamily="18" charset="0"/>
-                              <a:ea typeface="Cambria Math" panose="02040503050406030204" pitchFamily="18" charset="0"/>
-                            </a:rPr>
-                            <m:t>1</m:t>
-                          </m:r>
-                        </m:num>
-                        <m:den>
-                          <m:r>
-                            <a:rPr lang="en-US" i="1" dirty="0">
-                              <a:latin typeface="Cambria Math" panose="02040503050406030204" pitchFamily="18" charset="0"/>
-                              <a:ea typeface="Cambria Math" panose="02040503050406030204" pitchFamily="18" charset="0"/>
-                            </a:rPr>
-                            <m:t>1+</m:t>
-                          </m:r>
-                          <m:r>
-                            <a:rPr lang="en-US" i="1" dirty="0">
-                              <a:latin typeface="Cambria Math" panose="02040503050406030204" pitchFamily="18" charset="0"/>
-                              <a:ea typeface="Cambria Math" panose="02040503050406030204" pitchFamily="18" charset="0"/>
-                            </a:rPr>
-                            <m:t>h𝑠</m:t>
-                          </m:r>
-                        </m:den>
-                      </m:f>
-                      <m:r>
-                        <a:rPr lang="en-US" b="0" i="1" dirty="0" smtClean="0">
-                          <a:latin typeface="Cambria Math" panose="02040503050406030204" pitchFamily="18" charset="0"/>
-                          <a:ea typeface="Cambria Math" panose="02040503050406030204" pitchFamily="18" charset="0"/>
-                        </a:rPr>
-                        <m:t>,</m:t>
-                      </m:r>
-                      <m:f>
-                        <m:fPr>
-                          <m:ctrlPr>
-                            <a:rPr lang="en-US" i="1" dirty="0">
-                              <a:latin typeface="Cambria Math" panose="02040503050406030204" pitchFamily="18" charset="0"/>
-                              <a:ea typeface="Cambria Math" panose="02040503050406030204" pitchFamily="18" charset="0"/>
-                            </a:rPr>
-                          </m:ctrlPr>
-                        </m:fPr>
-                        <m:num>
-                          <m:r>
-                            <a:rPr lang="en-US" i="1" dirty="0">
-                              <a:latin typeface="Cambria Math" panose="02040503050406030204" pitchFamily="18" charset="0"/>
-                              <a:ea typeface="Cambria Math" panose="02040503050406030204" pitchFamily="18" charset="0"/>
-                            </a:rPr>
-                            <m:t>1</m:t>
-                          </m:r>
-                        </m:num>
-                        <m:den>
-                          <m:r>
-                            <a:rPr lang="en-US" i="1" dirty="0">
-                              <a:latin typeface="Cambria Math" panose="02040503050406030204" pitchFamily="18" charset="0"/>
-                              <a:ea typeface="Cambria Math" panose="02040503050406030204" pitchFamily="18" charset="0"/>
-                            </a:rPr>
-                            <m:t>1+</m:t>
-                          </m:r>
-                          <m:r>
-                            <a:rPr lang="en-US" i="1" dirty="0">
-                              <a:latin typeface="Cambria Math" panose="02040503050406030204" pitchFamily="18" charset="0"/>
-                              <a:ea typeface="Cambria Math" panose="02040503050406030204" pitchFamily="18" charset="0"/>
-                            </a:rPr>
-                            <m:t>h𝑠</m:t>
-                          </m:r>
-                        </m:den>
-                      </m:f>
-                      <m:r>
-                        <a:rPr lang="en-US" b="0" i="1" dirty="0" smtClean="0">
-                          <a:latin typeface="Cambria Math" panose="02040503050406030204" pitchFamily="18" charset="0"/>
-                          <a:ea typeface="Cambria Math" panose="02040503050406030204" pitchFamily="18" charset="0"/>
-                        </a:rPr>
-                        <m:t>,</m:t>
-                      </m:r>
-                      <m:f>
-                        <m:fPr>
-                          <m:ctrlPr>
-                            <a:rPr lang="en-US" i="1" dirty="0">
-                              <a:latin typeface="Cambria Math" panose="02040503050406030204" pitchFamily="18" charset="0"/>
-                              <a:ea typeface="Cambria Math" panose="02040503050406030204" pitchFamily="18" charset="0"/>
-                            </a:rPr>
-                          </m:ctrlPr>
-                        </m:fPr>
-                        <m:num>
-                          <m:r>
-                            <a:rPr lang="en-US" i="1" dirty="0">
-                              <a:latin typeface="Cambria Math" panose="02040503050406030204" pitchFamily="18" charset="0"/>
-                              <a:ea typeface="Cambria Math" panose="02040503050406030204" pitchFamily="18" charset="0"/>
-                            </a:rPr>
-                            <m:t>1</m:t>
-                          </m:r>
-                        </m:num>
-                        <m:den>
-                          <m:r>
-                            <a:rPr lang="en-US" i="1" dirty="0">
-                              <a:latin typeface="Cambria Math" panose="02040503050406030204" pitchFamily="18" charset="0"/>
-                              <a:ea typeface="Cambria Math" panose="02040503050406030204" pitchFamily="18" charset="0"/>
-                            </a:rPr>
-                            <m:t>1+</m:t>
-                          </m:r>
-                          <m:r>
-                            <a:rPr lang="en-US" i="1" dirty="0">
-                              <a:latin typeface="Cambria Math" panose="02040503050406030204" pitchFamily="18" charset="0"/>
-                              <a:ea typeface="Cambria Math" panose="02040503050406030204" pitchFamily="18" charset="0"/>
-                            </a:rPr>
-                            <m:t>𝑠</m:t>
-                          </m:r>
-                        </m:den>
-                      </m:f>
-                    </m:oMath>
-                  </a14:m>
-                  <a:r>
-                    <a:rPr lang="en-US" dirty="0">
-                      <a:latin typeface="Cambria Math" panose="02040503050406030204" pitchFamily="18" charset="0"/>
-                      <a:ea typeface="Cambria Math" panose="02040503050406030204" pitchFamily="18" charset="0"/>
-                    </a:rPr>
-                    <a:t>)</a:t>
-                  </a:r>
-                </a:p>
-              </p:txBody>
-            </p:sp>
-          </mc:Choice>
-          <mc:Fallback>
-            <p:sp>
-              <p:nvSpPr>
-                <p:cNvPr id="46" name="TextBox 45">
-                  <a:extLst>
-                    <a:ext uri="{FF2B5EF4-FFF2-40B4-BE49-F238E27FC236}">
-                      <a16:creationId xmlns:a16="http://schemas.microsoft.com/office/drawing/2014/main" id="{0A0BECBE-D67B-D14D-9387-D62B8FDA5BA7}"/>
-                    </a:ext>
-                  </a:extLst>
-                </p:cNvPr>
-                <p:cNvSpPr txBox="1">
-                  <a:spLocks noRot="1" noChangeAspect="1" noMove="1" noResize="1" noEditPoints="1" noAdjustHandles="1" noChangeArrowheads="1" noChangeShapeType="1" noTextEdit="1"/>
-                </p:cNvSpPr>
-                <p:nvPr/>
-              </p:nvSpPr>
-              <p:spPr>
-                <a:xfrm>
-                  <a:off x="1483147" y="3347096"/>
-                  <a:ext cx="2148121" cy="761940"/>
-                </a:xfrm>
-                <a:prstGeom prst="rect">
-                  <a:avLst/>
-                </a:prstGeom>
-                <a:blipFill>
-                  <a:blip r:embed="rId3"/>
-                  <a:stretch>
-                    <a:fillRect l="-588" t="-5000" b="-3333"/>
-                  </a:stretch>
-                </a:blipFill>
-              </p:spPr>
-              <p:txBody>
-                <a:bodyPr/>
-                <a:lstStyle/>
-                <a:p>
-                  <a:r>
-                    <a:rPr lang="en-US">
-                      <a:noFill/>
-                    </a:rPr>
-                    <a:t> </a:t>
-                  </a:r>
-                </a:p>
-              </p:txBody>
-            </p:sp>
-          </mc:Fallback>
-        </mc:AlternateContent>
-        <p:sp>
-          <p:nvSpPr>
-            <p:cNvPr id="47" name="TextBox 46">
-              <a:extLst>
-                <a:ext uri="{FF2B5EF4-FFF2-40B4-BE49-F238E27FC236}">
-                  <a16:creationId xmlns:a16="http://schemas.microsoft.com/office/drawing/2014/main" id="{C741A63B-96B7-AE4F-A4FC-89FC74AB0C63}"/>
-                </a:ext>
-              </a:extLst>
-            </p:cNvPr>
-            <p:cNvSpPr txBox="1"/>
-            <p:nvPr/>
-          </p:nvSpPr>
-          <p:spPr>
-            <a:xfrm>
-              <a:off x="3019619" y="5118667"/>
-              <a:ext cx="2613092" cy="369332"/>
-            </a:xfrm>
-            <a:prstGeom prst="rect">
-              <a:avLst/>
-            </a:prstGeom>
-            <a:noFill/>
-          </p:spPr>
-          <p:txBody>
-            <a:bodyPr wrap="square" rtlCol="0">
-              <a:spAutoFit/>
-            </a:bodyPr>
-            <a:lstStyle/>
-            <a:p>
-              <a:pPr algn="ctr"/>
-              <a:r>
-                <a:rPr lang="en-US" dirty="0"/>
-                <a:t>♂ gametes</a:t>
-              </a:r>
-            </a:p>
-          </p:txBody>
-        </p:sp>
-        <p:sp>
-          <p:nvSpPr>
-            <p:cNvPr id="48" name="Rounded Rectangle 47">
-              <a:extLst>
-                <a:ext uri="{FF2B5EF4-FFF2-40B4-BE49-F238E27FC236}">
-                  <a16:creationId xmlns:a16="http://schemas.microsoft.com/office/drawing/2014/main" id="{A6B2829C-4BE0-AF47-98B4-80D98FC1C7B9}"/>
-                </a:ext>
-              </a:extLst>
-            </p:cNvPr>
-            <p:cNvSpPr/>
-            <p:nvPr/>
-          </p:nvSpPr>
-          <p:spPr>
-            <a:xfrm>
-              <a:off x="3442317" y="1710807"/>
+            <a:xfrm flipH="1">
+              <a:off x="6452173" y="1719214"/>
               <a:ext cx="1798855" cy="331404"/>
             </a:xfrm>
             <a:prstGeom prst="roundRect">
@@ -4344,12 +4159,33 @@
             </a:p>
           </p:txBody>
         </p:sp>
+      </p:grpSp>
+      <p:grpSp>
+        <p:nvGrpSpPr>
+          <p:cNvPr id="69" name="Group 68">
+            <a:extLst>
+              <a:ext uri="{FF2B5EF4-FFF2-40B4-BE49-F238E27FC236}">
+                <a16:creationId xmlns:a16="http://schemas.microsoft.com/office/drawing/2014/main" id="{8BD4E341-6A87-CA40-8298-CD74A4127BA6}"/>
+              </a:ext>
+            </a:extLst>
+          </p:cNvPr>
+          <p:cNvGrpSpPr/>
+          <p:nvPr/>
+        </p:nvGrpSpPr>
+        <p:grpSpPr>
+          <a:xfrm>
+            <a:off x="3386134" y="1283584"/>
+            <a:ext cx="1798855" cy="775603"/>
+            <a:chOff x="6452173" y="1275015"/>
+            <a:chExt cx="1798855" cy="775603"/>
+          </a:xfrm>
+        </p:grpSpPr>
         <p:sp>
           <p:nvSpPr>
-            <p:cNvPr id="49" name="Rectangle 48">
+            <p:cNvPr id="70" name="Rectangle 69">
               <a:extLst>
                 <a:ext uri="{FF2B5EF4-FFF2-40B4-BE49-F238E27FC236}">
-                  <a16:creationId xmlns:a16="http://schemas.microsoft.com/office/drawing/2014/main" id="{DD4A9C39-D034-374B-AD89-4B100DA15647}"/>
+                  <a16:creationId xmlns:a16="http://schemas.microsoft.com/office/drawing/2014/main" id="{1D109D88-148D-A140-A954-06B5C93B29CA}"/>
                 </a:ext>
               </a:extLst>
             </p:cNvPr>
@@ -4358,8 +4194,237 @@
           </p:nvSpPr>
           <p:spPr>
             <a:xfrm>
-              <a:off x="3589724" y="1768400"/>
-              <a:ext cx="77183" cy="247582"/>
+              <a:off x="7740944" y="1729563"/>
+              <a:ext cx="77183" cy="316999"/>
+            </a:xfrm>
+            <a:prstGeom prst="rect">
+              <a:avLst/>
+            </a:prstGeom>
+            <a:solidFill>
+              <a:srgbClr val="6585A1"/>
+            </a:solidFill>
+            <a:ln>
+              <a:noFill/>
+            </a:ln>
+          </p:spPr>
+          <p:style>
+            <a:lnRef idx="2">
+              <a:schemeClr val="accent1">
+                <a:shade val="50000"/>
+              </a:schemeClr>
+            </a:lnRef>
+            <a:fillRef idx="1">
+              <a:schemeClr val="accent1"/>
+            </a:fillRef>
+            <a:effectRef idx="0">
+              <a:schemeClr val="accent1"/>
+            </a:effectRef>
+            <a:fontRef idx="minor">
+              <a:schemeClr val="lt1"/>
+            </a:fontRef>
+          </p:style>
+          <p:txBody>
+            <a:bodyPr rtlCol="0" anchor="ctr"/>
+            <a:lstStyle/>
+            <a:p>
+              <a:pPr algn="ctr"/>
+              <a:endParaRPr lang="en-US"/>
+            </a:p>
+          </p:txBody>
+        </p:sp>
+        <p:grpSp>
+          <p:nvGrpSpPr>
+            <p:cNvPr id="71" name="Group 70">
+              <a:extLst>
+                <a:ext uri="{FF2B5EF4-FFF2-40B4-BE49-F238E27FC236}">
+                  <a16:creationId xmlns:a16="http://schemas.microsoft.com/office/drawing/2014/main" id="{881D3F34-BE39-4940-88F2-67349D0E9E95}"/>
+                </a:ext>
+              </a:extLst>
+            </p:cNvPr>
+            <p:cNvGrpSpPr/>
+            <p:nvPr/>
+          </p:nvGrpSpPr>
+          <p:grpSpPr>
+            <a:xfrm>
+              <a:off x="6452173" y="1275015"/>
+              <a:ext cx="1798855" cy="331404"/>
+              <a:chOff x="6452173" y="1275015"/>
+              <a:chExt cx="1798855" cy="331404"/>
+            </a:xfrm>
+          </p:grpSpPr>
+          <p:sp>
+            <p:nvSpPr>
+              <p:cNvPr id="74" name="Rectangle 73">
+                <a:extLst>
+                  <a:ext uri="{FF2B5EF4-FFF2-40B4-BE49-F238E27FC236}">
+                    <a16:creationId xmlns:a16="http://schemas.microsoft.com/office/drawing/2014/main" id="{91F5F55D-28D0-264C-9DDB-8AE9809F8B91}"/>
+                  </a:ext>
+                </a:extLst>
+              </p:cNvPr>
+              <p:cNvSpPr/>
+              <p:nvPr/>
+            </p:nvSpPr>
+            <p:spPr>
+              <a:xfrm flipH="1">
+                <a:off x="8026436" y="1275015"/>
+                <a:ext cx="77183" cy="331403"/>
+              </a:xfrm>
+              <a:prstGeom prst="rect">
+                <a:avLst/>
+              </a:prstGeom>
+              <a:solidFill>
+                <a:srgbClr val="FF0000"/>
+              </a:solidFill>
+              <a:ln>
+                <a:noFill/>
+              </a:ln>
+            </p:spPr>
+            <p:style>
+              <a:lnRef idx="2">
+                <a:schemeClr val="accent1">
+                  <a:shade val="50000"/>
+                </a:schemeClr>
+              </a:lnRef>
+              <a:fillRef idx="1">
+                <a:schemeClr val="accent1"/>
+              </a:fillRef>
+              <a:effectRef idx="0">
+                <a:schemeClr val="accent1"/>
+              </a:effectRef>
+              <a:fontRef idx="minor">
+                <a:schemeClr val="lt1"/>
+              </a:fontRef>
+            </p:style>
+            <p:txBody>
+              <a:bodyPr rtlCol="0" anchor="ctr"/>
+              <a:lstStyle/>
+              <a:p>
+                <a:pPr algn="ctr"/>
+                <a:endParaRPr lang="en-US"/>
+              </a:p>
+            </p:txBody>
+          </p:sp>
+          <p:sp>
+            <p:nvSpPr>
+              <p:cNvPr id="75" name="Rectangle 74">
+                <a:extLst>
+                  <a:ext uri="{FF2B5EF4-FFF2-40B4-BE49-F238E27FC236}">
+                    <a16:creationId xmlns:a16="http://schemas.microsoft.com/office/drawing/2014/main" id="{6C3E3064-97BF-444E-A603-DB8AFA297307}"/>
+                  </a:ext>
+                </a:extLst>
+              </p:cNvPr>
+              <p:cNvSpPr/>
+              <p:nvPr/>
+            </p:nvSpPr>
+            <p:spPr>
+              <a:xfrm>
+                <a:off x="7740944" y="1275015"/>
+                <a:ext cx="77183" cy="316999"/>
+              </a:xfrm>
+              <a:prstGeom prst="rect">
+                <a:avLst/>
+              </a:prstGeom>
+              <a:solidFill>
+                <a:srgbClr val="6585A1"/>
+              </a:solidFill>
+              <a:ln>
+                <a:noFill/>
+              </a:ln>
+            </p:spPr>
+            <p:style>
+              <a:lnRef idx="2">
+                <a:schemeClr val="accent1">
+                  <a:shade val="50000"/>
+                </a:schemeClr>
+              </a:lnRef>
+              <a:fillRef idx="1">
+                <a:schemeClr val="accent1"/>
+              </a:fillRef>
+              <a:effectRef idx="0">
+                <a:schemeClr val="accent1"/>
+              </a:effectRef>
+              <a:fontRef idx="minor">
+                <a:schemeClr val="lt1"/>
+              </a:fontRef>
+            </p:style>
+            <p:txBody>
+              <a:bodyPr rtlCol="0" anchor="ctr"/>
+              <a:lstStyle/>
+              <a:p>
+                <a:pPr algn="ctr"/>
+                <a:endParaRPr lang="en-US"/>
+              </a:p>
+            </p:txBody>
+          </p:sp>
+          <p:sp>
+            <p:nvSpPr>
+              <p:cNvPr id="76" name="Rounded Rectangle 75">
+                <a:extLst>
+                  <a:ext uri="{FF2B5EF4-FFF2-40B4-BE49-F238E27FC236}">
+                    <a16:creationId xmlns:a16="http://schemas.microsoft.com/office/drawing/2014/main" id="{E0A3C039-A900-5744-B7F9-2F572188ED97}"/>
+                  </a:ext>
+                </a:extLst>
+              </p:cNvPr>
+              <p:cNvSpPr/>
+              <p:nvPr/>
+            </p:nvSpPr>
+            <p:spPr>
+              <a:xfrm flipH="1">
+                <a:off x="6452173" y="1275015"/>
+                <a:ext cx="1798855" cy="331404"/>
+              </a:xfrm>
+              <a:prstGeom prst="roundRect">
+                <a:avLst/>
+              </a:prstGeom>
+              <a:noFill/>
+              <a:ln w="38100">
+                <a:solidFill>
+                  <a:schemeClr val="tx1"/>
+                </a:solidFill>
+              </a:ln>
+            </p:spPr>
+            <p:style>
+              <a:lnRef idx="2">
+                <a:schemeClr val="accent1">
+                  <a:shade val="50000"/>
+                </a:schemeClr>
+              </a:lnRef>
+              <a:fillRef idx="1">
+                <a:schemeClr val="accent1"/>
+              </a:fillRef>
+              <a:effectRef idx="0">
+                <a:schemeClr val="accent1"/>
+              </a:effectRef>
+              <a:fontRef idx="minor">
+                <a:schemeClr val="lt1"/>
+              </a:fontRef>
+            </p:style>
+            <p:txBody>
+              <a:bodyPr rtlCol="0" anchor="ctr"/>
+              <a:lstStyle/>
+              <a:p>
+                <a:pPr algn="ctr"/>
+                <a:endParaRPr lang="en-US"/>
+              </a:p>
+            </p:txBody>
+          </p:sp>
+        </p:grpSp>
+        <p:sp>
+          <p:nvSpPr>
+            <p:cNvPr id="72" name="Rectangle 71">
+              <a:extLst>
+                <a:ext uri="{FF2B5EF4-FFF2-40B4-BE49-F238E27FC236}">
+                  <a16:creationId xmlns:a16="http://schemas.microsoft.com/office/drawing/2014/main" id="{5832B712-FEFB-D74A-82C6-9B6E451C6199}"/>
+                </a:ext>
+              </a:extLst>
+            </p:cNvPr>
+            <p:cNvSpPr/>
+            <p:nvPr/>
+          </p:nvSpPr>
+          <p:spPr>
+            <a:xfrm flipH="1">
+              <a:off x="8026436" y="1719214"/>
+              <a:ext cx="77183" cy="331403"/>
             </a:xfrm>
             <a:prstGeom prst="rect">
               <a:avLst/>
@@ -4396,122 +4461,67 @@
             </a:p>
           </p:txBody>
         </p:sp>
+        <p:sp>
+          <p:nvSpPr>
+            <p:cNvPr id="73" name="Rounded Rectangle 72">
+              <a:extLst>
+                <a:ext uri="{FF2B5EF4-FFF2-40B4-BE49-F238E27FC236}">
+                  <a16:creationId xmlns:a16="http://schemas.microsoft.com/office/drawing/2014/main" id="{B59C5220-8016-7943-801D-B28FFDB70E71}"/>
+                </a:ext>
+              </a:extLst>
+            </p:cNvPr>
+            <p:cNvSpPr/>
+            <p:nvPr/>
+          </p:nvSpPr>
+          <p:spPr>
+            <a:xfrm flipH="1">
+              <a:off x="6452173" y="1719214"/>
+              <a:ext cx="1798855" cy="331404"/>
+            </a:xfrm>
+            <a:prstGeom prst="roundRect">
+              <a:avLst/>
+            </a:prstGeom>
+            <a:noFill/>
+            <a:ln w="38100">
+              <a:solidFill>
+                <a:schemeClr val="tx1"/>
+              </a:solidFill>
+            </a:ln>
+          </p:spPr>
+          <p:style>
+            <a:lnRef idx="2">
+              <a:schemeClr val="accent1">
+                <a:shade val="50000"/>
+              </a:schemeClr>
+            </a:lnRef>
+            <a:fillRef idx="1">
+              <a:schemeClr val="accent1"/>
+            </a:fillRef>
+            <a:effectRef idx="0">
+              <a:schemeClr val="accent1"/>
+            </a:effectRef>
+            <a:fontRef idx="minor">
+              <a:schemeClr val="lt1"/>
+            </a:fontRef>
+          </p:style>
+          <p:txBody>
+            <a:bodyPr rtlCol="0" anchor="ctr"/>
+            <a:lstStyle/>
+            <a:p>
+              <a:pPr algn="ctr"/>
+              <a:endParaRPr lang="en-US"/>
+            </a:p>
+          </p:txBody>
+        </p:sp>
       </p:grpSp>
-      <p:sp>
-        <p:nvSpPr>
-          <p:cNvPr id="50" name="Rectangle 49">
-            <a:extLst>
-              <a:ext uri="{FF2B5EF4-FFF2-40B4-BE49-F238E27FC236}">
-                <a16:creationId xmlns:a16="http://schemas.microsoft.com/office/drawing/2014/main" id="{5063F649-9E44-B44C-9BD3-A32B5CA55D32}"/>
-              </a:ext>
-            </a:extLst>
-          </p:cNvPr>
-          <p:cNvSpPr/>
-          <p:nvPr/>
-        </p:nvSpPr>
-        <p:spPr>
-          <a:xfrm>
-            <a:off x="7740944" y="1752718"/>
-            <a:ext cx="77183" cy="247582"/>
-          </a:xfrm>
-          <a:prstGeom prst="rect">
-            <a:avLst/>
-          </a:prstGeom>
-          <a:solidFill>
-            <a:srgbClr val="00B0F0"/>
-          </a:solidFill>
-          <a:ln>
-            <a:noFill/>
-          </a:ln>
-        </p:spPr>
-        <p:style>
-          <a:lnRef idx="2">
-            <a:schemeClr val="accent1">
-              <a:shade val="50000"/>
-            </a:schemeClr>
-          </a:lnRef>
-          <a:fillRef idx="1">
-            <a:schemeClr val="accent1"/>
-          </a:fillRef>
-          <a:effectRef idx="0">
-            <a:schemeClr val="accent1"/>
-          </a:effectRef>
-          <a:fontRef idx="minor">
-            <a:schemeClr val="lt1"/>
-          </a:fontRef>
-        </p:style>
-        <p:txBody>
-          <a:bodyPr rtlCol="0" anchor="ctr"/>
-          <a:lstStyle/>
-          <a:p>
-            <a:pPr algn="ctr"/>
-            <a:endParaRPr lang="en-US"/>
-          </a:p>
-        </p:txBody>
-      </p:sp>
-      <p:sp>
-        <p:nvSpPr>
-          <p:cNvPr id="52" name="Arc 51">
-            <a:extLst>
-              <a:ext uri="{FF2B5EF4-FFF2-40B4-BE49-F238E27FC236}">
-                <a16:creationId xmlns:a16="http://schemas.microsoft.com/office/drawing/2014/main" id="{9BB3578B-771A-784B-8939-F488518EA808}"/>
-              </a:ext>
-            </a:extLst>
-          </p:cNvPr>
-          <p:cNvSpPr/>
-          <p:nvPr/>
-        </p:nvSpPr>
-        <p:spPr>
-          <a:xfrm rot="6920541">
-            <a:off x="5163545" y="1123364"/>
-            <a:ext cx="3435034" cy="4771671"/>
-          </a:xfrm>
-          <a:prstGeom prst="arc">
-            <a:avLst>
-              <a:gd name="adj1" fmla="val 15566800"/>
-              <a:gd name="adj2" fmla="val 18199794"/>
-            </a:avLst>
-          </a:prstGeom>
-          <a:noFill/>
-          <a:ln w="101600">
-            <a:solidFill>
-              <a:srgbClr val="000000"/>
-            </a:solidFill>
-            <a:headEnd type="none" w="med" len="med"/>
-            <a:tailEnd type="triangle" w="med" len="med"/>
-          </a:ln>
-        </p:spPr>
-        <p:style>
-          <a:lnRef idx="1">
-            <a:schemeClr val="accent1"/>
-          </a:lnRef>
-          <a:fillRef idx="0">
-            <a:schemeClr val="accent1"/>
-          </a:fillRef>
-          <a:effectRef idx="0">
-            <a:schemeClr val="accent1"/>
-          </a:effectRef>
-          <a:fontRef idx="minor">
-            <a:schemeClr val="tx1"/>
-          </a:fontRef>
-        </p:style>
-        <p:txBody>
-          <a:bodyPr rtlCol="0" anchor="ctr"/>
-          <a:lstStyle/>
-          <a:p>
-            <a:pPr algn="ctr"/>
-            <a:endParaRPr lang="en-US" dirty="0"/>
-          </a:p>
-        </p:txBody>
-      </p:sp>
       <mc:AlternateContent xmlns:mc="http://schemas.openxmlformats.org/markup-compatibility/2006">
         <mc:Choice xmlns:a14="http://schemas.microsoft.com/office/drawing/2010/main" Requires="a14">
           <p:sp>
             <p:nvSpPr>
-              <p:cNvPr id="9" name="TextBox 8">
+              <p:cNvPr id="81" name="TextBox 80">
                 <a:extLst>
                   <a:ext uri="{FF2B5EF4-FFF2-40B4-BE49-F238E27FC236}">
-                    <a16:creationId xmlns:a16="http://schemas.microsoft.com/office/drawing/2014/main" id="{93B3439D-07BF-2A4F-8704-7C085C88047E}"/>
+                    <a16:creationId xmlns:a16="http://schemas.microsoft.com/office/drawing/2014/main" id="{EF21ECF3-3A1E-2749-AFE2-CD2CCF6758EB}"/>
                   </a:ext>
                 </a:extLst>
               </p:cNvPr>
@@ -4520,8 +4530,8 @@
             </p:nvSpPr>
             <p:spPr>
               <a:xfrm>
-                <a:off x="4631032" y="3124179"/>
-                <a:ext cx="2537041" cy="1477328"/>
+                <a:off x="6144725" y="5001004"/>
+                <a:ext cx="2613092" cy="646331"/>
               </a:xfrm>
               <a:prstGeom prst="rect">
                 <a:avLst/>
@@ -4529,7 +4539,7 @@
               <a:noFill/>
             </p:spPr>
             <p:txBody>
-              <a:bodyPr wrap="none" rtlCol="0">
+              <a:bodyPr wrap="square" rtlCol="0">
                 <a:spAutoFit/>
               </a:bodyPr>
               <a:lstStyle/>
@@ -4537,14 +4547,7 @@
                 <a:pPr algn="ctr"/>
                 <a:r>
                   <a:rPr lang="en-US" dirty="0"/>
-                  <a:t>New generation</a:t>
-                </a:r>
-              </a:p>
-              <a:p>
-                <a:pPr algn="ctr"/>
-                <a:r>
-                  <a:rPr lang="en-US" dirty="0"/>
-                  <a:t>♀gametes, ♂ gametes,</a:t>
+                  <a:t>Gametogenesis</a:t>
                 </a:r>
               </a:p>
               <a:p>
@@ -4556,44 +4559,14 @@
                     </m:oMathParaPr>
                     <m:oMath xmlns:m="http://schemas.openxmlformats.org/officeDocument/2006/math">
                       <m:r>
-                        <a:rPr lang="en-US" b="0" i="1" smtClean="0">
+                        <a:rPr lang="en-US" i="1">
                           <a:latin typeface="Cambria Math" panose="02040503050406030204" pitchFamily="18" charset="0"/>
                         </a:rPr>
                         <m:t>𝑟𝑑</m:t>
                       </m:r>
-                      <m:r>
-                        <a:rPr lang="en-US" b="0" i="1" smtClean="0">
-                          <a:latin typeface="Cambria Math" panose="02040503050406030204" pitchFamily="18" charset="0"/>
-                        </a:rPr>
-                        <m:t>, </m:t>
-                      </m:r>
-                      <m:r>
-                        <a:rPr lang="en-US" b="0" i="1" smtClean="0">
-                          <a:latin typeface="Cambria Math" panose="02040503050406030204" pitchFamily="18" charset="0"/>
-                        </a:rPr>
-                        <m:t>h</m:t>
-                      </m:r>
-                      <m:r>
-                        <a:rPr lang="en-US" b="0" i="1" smtClean="0">
-                          <a:latin typeface="Cambria Math" panose="02040503050406030204" pitchFamily="18" charset="0"/>
-                        </a:rPr>
-                        <m:t>, </m:t>
-                      </m:r>
-                      <m:r>
-                        <a:rPr lang="en-US" b="0" i="1" smtClean="0">
-                          <a:latin typeface="Cambria Math" panose="02040503050406030204" pitchFamily="18" charset="0"/>
-                        </a:rPr>
-                        <m:t>𝑠</m:t>
-                      </m:r>
                     </m:oMath>
                   </m:oMathPara>
                 </a14:m>
-                <a:endParaRPr lang="en-US" dirty="0"/>
-              </a:p>
-              <a:p>
-                <a:endParaRPr lang="en-US" dirty="0"/>
-              </a:p>
-              <a:p>
                 <a:endParaRPr lang="en-US" dirty="0"/>
               </a:p>
             </p:txBody>
@@ -4602,10 +4575,10 @@
         <mc:Fallback>
           <p:sp>
             <p:nvSpPr>
-              <p:cNvPr id="9" name="TextBox 8">
+              <p:cNvPr id="81" name="TextBox 80">
                 <a:extLst>
                   <a:ext uri="{FF2B5EF4-FFF2-40B4-BE49-F238E27FC236}">
-                    <a16:creationId xmlns:a16="http://schemas.microsoft.com/office/drawing/2014/main" id="{93B3439D-07BF-2A4F-8704-7C085C88047E}"/>
+                    <a16:creationId xmlns:a16="http://schemas.microsoft.com/office/drawing/2014/main" id="{EF21ECF3-3A1E-2749-AFE2-CD2CCF6758EB}"/>
                   </a:ext>
                 </a:extLst>
               </p:cNvPr>
@@ -4616,16 +4589,16 @@
             </p:nvSpPr>
             <p:spPr>
               <a:xfrm>
-                <a:off x="4631032" y="3124179"/>
-                <a:ext cx="2537041" cy="1477328"/>
+                <a:off x="6144725" y="5001004"/>
+                <a:ext cx="2613092" cy="646331"/>
               </a:xfrm>
               <a:prstGeom prst="rect">
                 <a:avLst/>
               </a:prstGeom>
               <a:blipFill>
-                <a:blip r:embed="rId4"/>
+                <a:blip r:embed="rId5"/>
                 <a:stretch>
-                  <a:fillRect t="-1709"/>
+                  <a:fillRect t="-3846"/>
                 </a:stretch>
               </a:blipFill>
             </p:spPr>
@@ -4644,12 +4617,279 @@
           </p:sp>
         </mc:Fallback>
       </mc:AlternateContent>
-      <p:sp>
-        <p:nvSpPr>
-          <p:cNvPr id="13" name="Rectangle 12">
-            <a:extLst>
-              <a:ext uri="{FF2B5EF4-FFF2-40B4-BE49-F238E27FC236}">
-                <a16:creationId xmlns:a16="http://schemas.microsoft.com/office/drawing/2014/main" id="{BD3736EB-B607-2A45-8D15-DDE35EE60D0B}"/>
+      <p:grpSp>
+        <p:nvGrpSpPr>
+          <p:cNvPr id="7" name="Group 6">
+            <a:extLst>
+              <a:ext uri="{FF2B5EF4-FFF2-40B4-BE49-F238E27FC236}">
+                <a16:creationId xmlns:a16="http://schemas.microsoft.com/office/drawing/2014/main" id="{76EEF9D4-2650-C145-AF92-4780CDF29F8B}"/>
+              </a:ext>
+            </a:extLst>
+          </p:cNvPr>
+          <p:cNvGrpSpPr/>
+          <p:nvPr/>
+        </p:nvGrpSpPr>
+        <p:grpSpPr>
+          <a:xfrm>
+            <a:off x="4597252" y="5580642"/>
+            <a:ext cx="3277928" cy="1000274"/>
+            <a:chOff x="8964098" y="571896"/>
+            <a:chExt cx="3277928" cy="1000274"/>
+          </a:xfrm>
+        </p:grpSpPr>
+        <p:grpSp>
+          <p:nvGrpSpPr>
+            <p:cNvPr id="6" name="Group 5">
+              <a:extLst>
+                <a:ext uri="{FF2B5EF4-FFF2-40B4-BE49-F238E27FC236}">
+                  <a16:creationId xmlns:a16="http://schemas.microsoft.com/office/drawing/2014/main" id="{0CC20B80-70A9-974D-9D22-6DCF705304EA}"/>
+                </a:ext>
+              </a:extLst>
+            </p:cNvPr>
+            <p:cNvGrpSpPr/>
+            <p:nvPr/>
+          </p:nvGrpSpPr>
+          <p:grpSpPr>
+            <a:xfrm>
+              <a:off x="8964098" y="644722"/>
+              <a:ext cx="193675" cy="846731"/>
+              <a:chOff x="10085909" y="1028369"/>
+              <a:chExt cx="193675" cy="846731"/>
+            </a:xfrm>
+          </p:grpSpPr>
+          <p:sp>
+            <p:nvSpPr>
+              <p:cNvPr id="77" name="Rectangle 76">
+                <a:extLst>
+                  <a:ext uri="{FF2B5EF4-FFF2-40B4-BE49-F238E27FC236}">
+                    <a16:creationId xmlns:a16="http://schemas.microsoft.com/office/drawing/2014/main" id="{F976BAFA-A382-8141-9428-1AAB2550D776}"/>
+                  </a:ext>
+                </a:extLst>
+              </p:cNvPr>
+              <p:cNvSpPr/>
+              <p:nvPr/>
+            </p:nvSpPr>
+            <p:spPr>
+              <a:xfrm rot="16200000">
+                <a:off x="10086263" y="1352447"/>
+                <a:ext cx="192968" cy="193675"/>
+              </a:xfrm>
+              <a:prstGeom prst="rect">
+                <a:avLst/>
+              </a:prstGeom>
+              <a:solidFill>
+                <a:srgbClr val="F9EB77"/>
+              </a:solidFill>
+              <a:ln>
+                <a:noFill/>
+              </a:ln>
+            </p:spPr>
+            <p:style>
+              <a:lnRef idx="2">
+                <a:schemeClr val="accent1">
+                  <a:shade val="50000"/>
+                </a:schemeClr>
+              </a:lnRef>
+              <a:fillRef idx="1">
+                <a:schemeClr val="accent1"/>
+              </a:fillRef>
+              <a:effectRef idx="0">
+                <a:schemeClr val="accent1"/>
+              </a:effectRef>
+              <a:fontRef idx="minor">
+                <a:schemeClr val="lt1"/>
+              </a:fontRef>
+            </p:style>
+            <p:txBody>
+              <a:bodyPr rtlCol="0" anchor="ctr"/>
+              <a:lstStyle/>
+              <a:p>
+                <a:pPr algn="ctr"/>
+                <a:endParaRPr lang="en-US"/>
+              </a:p>
+            </p:txBody>
+          </p:sp>
+          <p:sp>
+            <p:nvSpPr>
+              <p:cNvPr id="78" name="Rectangle 77">
+                <a:extLst>
+                  <a:ext uri="{FF2B5EF4-FFF2-40B4-BE49-F238E27FC236}">
+                    <a16:creationId xmlns:a16="http://schemas.microsoft.com/office/drawing/2014/main" id="{BC32EA26-61A7-234A-918F-F95D947A00F2}"/>
+                  </a:ext>
+                </a:extLst>
+              </p:cNvPr>
+              <p:cNvSpPr/>
+              <p:nvPr/>
+            </p:nvSpPr>
+            <p:spPr>
+              <a:xfrm rot="16200000" flipH="1">
+                <a:off x="10085909" y="1683076"/>
+                <a:ext cx="192024" cy="192024"/>
+              </a:xfrm>
+              <a:prstGeom prst="rect">
+                <a:avLst/>
+              </a:prstGeom>
+              <a:solidFill>
+                <a:srgbClr val="FF0000"/>
+              </a:solidFill>
+              <a:ln>
+                <a:noFill/>
+              </a:ln>
+            </p:spPr>
+            <p:style>
+              <a:lnRef idx="2">
+                <a:schemeClr val="accent1">
+                  <a:shade val="50000"/>
+                </a:schemeClr>
+              </a:lnRef>
+              <a:fillRef idx="1">
+                <a:schemeClr val="accent1"/>
+              </a:fillRef>
+              <a:effectRef idx="0">
+                <a:schemeClr val="accent1"/>
+              </a:effectRef>
+              <a:fontRef idx="minor">
+                <a:schemeClr val="lt1"/>
+              </a:fontRef>
+            </p:style>
+            <p:txBody>
+              <a:bodyPr rtlCol="0" anchor="ctr"/>
+              <a:lstStyle/>
+              <a:p>
+                <a:pPr algn="ctr"/>
+                <a:endParaRPr lang="en-US"/>
+              </a:p>
+            </p:txBody>
+          </p:sp>
+          <p:sp>
+            <p:nvSpPr>
+              <p:cNvPr id="79" name="Rectangle 78">
+                <a:extLst>
+                  <a:ext uri="{FF2B5EF4-FFF2-40B4-BE49-F238E27FC236}">
+                    <a16:creationId xmlns:a16="http://schemas.microsoft.com/office/drawing/2014/main" id="{D2EFAF74-6C78-7E4D-BF3C-877BF6158324}"/>
+                  </a:ext>
+                </a:extLst>
+              </p:cNvPr>
+              <p:cNvSpPr/>
+              <p:nvPr/>
+            </p:nvSpPr>
+            <p:spPr>
+              <a:xfrm rot="16200000">
+                <a:off x="10085909" y="1028369"/>
+                <a:ext cx="192024" cy="192024"/>
+              </a:xfrm>
+              <a:prstGeom prst="rect">
+                <a:avLst/>
+              </a:prstGeom>
+              <a:solidFill>
+                <a:srgbClr val="6585A1"/>
+              </a:solidFill>
+              <a:ln>
+                <a:noFill/>
+              </a:ln>
+            </p:spPr>
+            <p:style>
+              <a:lnRef idx="2">
+                <a:schemeClr val="accent1">
+                  <a:shade val="50000"/>
+                </a:schemeClr>
+              </a:lnRef>
+              <a:fillRef idx="1">
+                <a:schemeClr val="accent1"/>
+              </a:fillRef>
+              <a:effectRef idx="0">
+                <a:schemeClr val="accent1"/>
+              </a:effectRef>
+              <a:fontRef idx="minor">
+                <a:schemeClr val="lt1"/>
+              </a:fontRef>
+            </p:style>
+            <p:txBody>
+              <a:bodyPr rtlCol="0" anchor="ctr"/>
+              <a:lstStyle/>
+              <a:p>
+                <a:pPr algn="ctr"/>
+                <a:endParaRPr lang="en-US"/>
+              </a:p>
+            </p:txBody>
+          </p:sp>
+        </p:grpSp>
+        <p:sp>
+          <p:nvSpPr>
+            <p:cNvPr id="82" name="TextBox 81">
+              <a:extLst>
+                <a:ext uri="{FF2B5EF4-FFF2-40B4-BE49-F238E27FC236}">
+                  <a16:creationId xmlns:a16="http://schemas.microsoft.com/office/drawing/2014/main" id="{548FB891-9F23-BB44-8737-58E1080FB0D3}"/>
+                </a:ext>
+              </a:extLst>
+            </p:cNvPr>
+            <p:cNvSpPr txBox="1"/>
+            <p:nvPr/>
+          </p:nvSpPr>
+          <p:spPr>
+            <a:xfrm>
+              <a:off x="9122646" y="571896"/>
+              <a:ext cx="3119380" cy="1000274"/>
+            </a:xfrm>
+            <a:prstGeom prst="rect">
+              <a:avLst/>
+            </a:prstGeom>
+            <a:noFill/>
+          </p:spPr>
+          <p:txBody>
+            <a:bodyPr wrap="none" rtlCol="0">
+              <a:spAutoFit/>
+            </a:bodyPr>
+            <a:lstStyle/>
+            <a:p>
+              <a:r>
+                <a:rPr lang="en-US" sz="1600" dirty="0"/>
+                <a:t>Sex determining locus X allele</a:t>
+              </a:r>
+            </a:p>
+            <a:p>
+              <a:endParaRPr lang="en-US" sz="500" dirty="0"/>
+            </a:p>
+            <a:p>
+              <a:r>
+                <a:rPr lang="en-US" sz="1600" dirty="0"/>
+                <a:t>Sex determining locus Y allele</a:t>
+              </a:r>
+            </a:p>
+            <a:p>
+              <a:endParaRPr lang="en-US" sz="600" dirty="0"/>
+            </a:p>
+            <a:p>
+              <a:r>
+                <a:rPr lang="en-US" sz="1600" dirty="0"/>
+                <a:t>Sexually Antagonistic locus (A</a:t>
+              </a:r>
+              <a:r>
+                <a:rPr lang="en-US" sz="1600" baseline="-25000" dirty="0"/>
+                <a:t>1</a:t>
+              </a:r>
+              <a:r>
+                <a:rPr lang="en-US" sz="1600" dirty="0"/>
+                <a:t>, A</a:t>
+              </a:r>
+              <a:r>
+                <a:rPr lang="en-US" sz="1600" baseline="-25000" dirty="0"/>
+                <a:t>2</a:t>
+              </a:r>
+              <a:r>
+                <a:rPr lang="en-US" sz="1600" dirty="0"/>
+                <a:t>)</a:t>
+              </a:r>
+            </a:p>
+          </p:txBody>
+        </p:sp>
+      </p:grpSp>
+      <p:sp>
+        <p:nvSpPr>
+          <p:cNvPr id="10" name="Rectangle 9">
+            <a:extLst>
+              <a:ext uri="{FF2B5EF4-FFF2-40B4-BE49-F238E27FC236}">
+                <a16:creationId xmlns:a16="http://schemas.microsoft.com/office/drawing/2014/main" id="{B3CCA526-6931-4C43-9E1B-050EFA2561C6}"/>
               </a:ext>
             </a:extLst>
           </p:cNvPr>
@@ -4658,8 +4898,8 @@
         </p:nvSpPr>
         <p:spPr>
           <a:xfrm>
-            <a:off x="4044316" y="1266864"/>
-            <a:ext cx="415498" cy="369332"/>
+            <a:off x="7134755" y="3139853"/>
+            <a:ext cx="877163" cy="923330"/>
           </a:xfrm>
           <a:prstGeom prst="rect">
             <a:avLst/>
@@ -4672,18 +4912,18 @@
           <a:lstStyle/>
           <a:p>
             <a:r>
-              <a:rPr lang="en-US" dirty="0"/>
-              <a:t>♀</a:t>
-            </a:r>
-          </a:p>
-        </p:txBody>
-      </p:sp>
-      <p:sp>
-        <p:nvSpPr>
-          <p:cNvPr id="15" name="Rectangle 14">
-            <a:extLst>
-              <a:ext uri="{FF2B5EF4-FFF2-40B4-BE49-F238E27FC236}">
-                <a16:creationId xmlns:a16="http://schemas.microsoft.com/office/drawing/2014/main" id="{62BA42EA-2CE7-BB4B-ACE1-5724974FC449}"/>
+              <a:rPr lang="en-US" sz="5400" dirty="0"/>
+              <a:t>♂</a:t>
+            </a:r>
+          </a:p>
+        </p:txBody>
+      </p:sp>
+      <p:sp>
+        <p:nvSpPr>
+          <p:cNvPr id="11" name="Rectangle 10">
+            <a:extLst>
+              <a:ext uri="{FF2B5EF4-FFF2-40B4-BE49-F238E27FC236}">
+                <a16:creationId xmlns:a16="http://schemas.microsoft.com/office/drawing/2014/main" id="{9A8B6D4A-C8EB-524B-8E98-8C6881B02048}"/>
               </a:ext>
             </a:extLst>
           </p:cNvPr>
@@ -4692,8 +4932,8 @@
         </p:nvSpPr>
         <p:spPr>
           <a:xfrm>
-            <a:off x="7134879" y="1262266"/>
-            <a:ext cx="415498" cy="369332"/>
+            <a:off x="3715039" y="3167383"/>
+            <a:ext cx="877163" cy="923330"/>
           </a:xfrm>
           <a:prstGeom prst="rect">
             <a:avLst/>
@@ -4706,314 +4946,521 @@
           <a:lstStyle/>
           <a:p>
             <a:r>
-              <a:rPr lang="en-US" dirty="0"/>
-              <a:t>♂</a:t>
-            </a:r>
-          </a:p>
-        </p:txBody>
-      </p:sp>
-      <p:sp>
-        <p:nvSpPr>
-          <p:cNvPr id="16" name="Up Arrow 15">
-            <a:extLst>
-              <a:ext uri="{FF2B5EF4-FFF2-40B4-BE49-F238E27FC236}">
-                <a16:creationId xmlns:a16="http://schemas.microsoft.com/office/drawing/2014/main" id="{0997DE36-4A77-2742-9967-7DA7060D9B6B}"/>
-              </a:ext>
-            </a:extLst>
-          </p:cNvPr>
-          <p:cNvSpPr/>
+              <a:rPr lang="en-US" sz="5400" dirty="0"/>
+              <a:t>♀</a:t>
+            </a:r>
+          </a:p>
+        </p:txBody>
+      </p:sp>
+      <p:grpSp>
+        <p:nvGrpSpPr>
+          <p:cNvPr id="19" name="Group 18">
+            <a:extLst>
+              <a:ext uri="{FF2B5EF4-FFF2-40B4-BE49-F238E27FC236}">
+                <a16:creationId xmlns:a16="http://schemas.microsoft.com/office/drawing/2014/main" id="{182E5B4B-C1AC-444F-9BEE-615245771578}"/>
+              </a:ext>
+            </a:extLst>
+          </p:cNvPr>
+          <p:cNvGrpSpPr/>
           <p:nvPr/>
-        </p:nvSpPr>
+        </p:nvGrpSpPr>
+        <p:grpSpPr>
+          <a:xfrm>
+            <a:off x="5782383" y="1945668"/>
+            <a:ext cx="3529414" cy="3519309"/>
+            <a:chOff x="5782383" y="1945668"/>
+            <a:chExt cx="3529414" cy="3519309"/>
+          </a:xfrm>
+        </p:grpSpPr>
+        <p:sp>
+          <p:nvSpPr>
+            <p:cNvPr id="84" name="Arc 83">
+              <a:extLst>
+                <a:ext uri="{FF2B5EF4-FFF2-40B4-BE49-F238E27FC236}">
+                  <a16:creationId xmlns:a16="http://schemas.microsoft.com/office/drawing/2014/main" id="{11C86C73-BE8B-4147-AE03-011613B4C34A}"/>
+                </a:ext>
+              </a:extLst>
+            </p:cNvPr>
+            <p:cNvSpPr/>
+            <p:nvPr/>
+          </p:nvSpPr>
+          <p:spPr>
+            <a:xfrm>
+              <a:off x="5792488" y="1945668"/>
+              <a:ext cx="3519309" cy="3519309"/>
+            </a:xfrm>
+            <a:prstGeom prst="arc">
+              <a:avLst>
+                <a:gd name="adj1" fmla="val 7357893"/>
+                <a:gd name="adj2" fmla="val 9523697"/>
+              </a:avLst>
+            </a:prstGeom>
+            <a:ln w="101600">
+              <a:solidFill>
+                <a:schemeClr val="tx1"/>
+              </a:solidFill>
+              <a:tailEnd type="triangle"/>
+            </a:ln>
+          </p:spPr>
+          <p:style>
+            <a:lnRef idx="1">
+              <a:schemeClr val="accent1"/>
+            </a:lnRef>
+            <a:fillRef idx="0">
+              <a:schemeClr val="accent1"/>
+            </a:fillRef>
+            <a:effectRef idx="0">
+              <a:schemeClr val="accent1"/>
+            </a:effectRef>
+            <a:fontRef idx="minor">
+              <a:schemeClr val="tx1"/>
+            </a:fontRef>
+          </p:style>
+          <p:txBody>
+            <a:bodyPr rtlCol="0" anchor="ctr"/>
+            <a:lstStyle/>
+            <a:p>
+              <a:pPr algn="ctr"/>
+              <a:endParaRPr lang="en-US"/>
+            </a:p>
+          </p:txBody>
+        </p:sp>
+        <p:sp>
+          <p:nvSpPr>
+            <p:cNvPr id="85" name="Arc 84">
+              <a:extLst>
+                <a:ext uri="{FF2B5EF4-FFF2-40B4-BE49-F238E27FC236}">
+                  <a16:creationId xmlns:a16="http://schemas.microsoft.com/office/drawing/2014/main" id="{08878DF4-ABF0-FA43-98A6-4D956027AEC9}"/>
+                </a:ext>
+              </a:extLst>
+            </p:cNvPr>
+            <p:cNvSpPr/>
+            <p:nvPr/>
+          </p:nvSpPr>
+          <p:spPr>
+            <a:xfrm>
+              <a:off x="5792488" y="1945668"/>
+              <a:ext cx="3519309" cy="3519309"/>
+            </a:xfrm>
+            <a:prstGeom prst="arc">
+              <a:avLst>
+                <a:gd name="adj1" fmla="val 862597"/>
+                <a:gd name="adj2" fmla="val 3705940"/>
+              </a:avLst>
+            </a:prstGeom>
+            <a:ln w="101600">
+              <a:solidFill>
+                <a:schemeClr val="tx1"/>
+              </a:solidFill>
+              <a:tailEnd type="triangle"/>
+            </a:ln>
+          </p:spPr>
+          <p:style>
+            <a:lnRef idx="1">
+              <a:schemeClr val="accent1"/>
+            </a:lnRef>
+            <a:fillRef idx="0">
+              <a:schemeClr val="accent1"/>
+            </a:fillRef>
+            <a:effectRef idx="0">
+              <a:schemeClr val="accent1"/>
+            </a:effectRef>
+            <a:fontRef idx="minor">
+              <a:schemeClr val="tx1"/>
+            </a:fontRef>
+          </p:style>
+          <p:txBody>
+            <a:bodyPr rtlCol="0" anchor="ctr"/>
+            <a:lstStyle/>
+            <a:p>
+              <a:pPr algn="ctr"/>
+              <a:endParaRPr lang="en-US"/>
+            </a:p>
+          </p:txBody>
+        </p:sp>
+        <p:sp>
+          <p:nvSpPr>
+            <p:cNvPr id="83" name="Arc 82">
+              <a:extLst>
+                <a:ext uri="{FF2B5EF4-FFF2-40B4-BE49-F238E27FC236}">
+                  <a16:creationId xmlns:a16="http://schemas.microsoft.com/office/drawing/2014/main" id="{D7908CC9-A858-B248-A505-0F0BCB489E13}"/>
+                </a:ext>
+              </a:extLst>
+            </p:cNvPr>
+            <p:cNvSpPr/>
+            <p:nvPr/>
+          </p:nvSpPr>
+          <p:spPr>
+            <a:xfrm>
+              <a:off x="5782383" y="1945668"/>
+              <a:ext cx="3519309" cy="3519309"/>
+            </a:xfrm>
+            <a:prstGeom prst="arc">
+              <a:avLst>
+                <a:gd name="adj1" fmla="val 17881352"/>
+                <a:gd name="adj2" fmla="val 19897030"/>
+              </a:avLst>
+            </a:prstGeom>
+            <a:ln w="101600">
+              <a:solidFill>
+                <a:schemeClr val="tx1"/>
+              </a:solidFill>
+              <a:tailEnd type="triangle"/>
+            </a:ln>
+          </p:spPr>
+          <p:style>
+            <a:lnRef idx="1">
+              <a:schemeClr val="accent1"/>
+            </a:lnRef>
+            <a:fillRef idx="0">
+              <a:schemeClr val="accent1"/>
+            </a:fillRef>
+            <a:effectRef idx="0">
+              <a:schemeClr val="accent1"/>
+            </a:effectRef>
+            <a:fontRef idx="minor">
+              <a:schemeClr val="tx1"/>
+            </a:fontRef>
+          </p:style>
+          <p:txBody>
+            <a:bodyPr rtlCol="0" anchor="ctr"/>
+            <a:lstStyle/>
+            <a:p>
+              <a:pPr algn="ctr"/>
+              <a:endParaRPr lang="en-US"/>
+            </a:p>
+          </p:txBody>
+        </p:sp>
+        <p:sp>
+          <p:nvSpPr>
+            <p:cNvPr id="18" name="Arc 17">
+              <a:extLst>
+                <a:ext uri="{FF2B5EF4-FFF2-40B4-BE49-F238E27FC236}">
+                  <a16:creationId xmlns:a16="http://schemas.microsoft.com/office/drawing/2014/main" id="{B80FE893-B3D1-B64B-87A7-068C4C438FEF}"/>
+                </a:ext>
+              </a:extLst>
+            </p:cNvPr>
+            <p:cNvSpPr/>
+            <p:nvPr/>
+          </p:nvSpPr>
+          <p:spPr>
+            <a:xfrm>
+              <a:off x="5792488" y="1945668"/>
+              <a:ext cx="3519309" cy="3519309"/>
+            </a:xfrm>
+            <a:prstGeom prst="arc">
+              <a:avLst>
+                <a:gd name="adj1" fmla="val 11734201"/>
+                <a:gd name="adj2" fmla="val 14325570"/>
+              </a:avLst>
+            </a:prstGeom>
+            <a:ln w="101600">
+              <a:solidFill>
+                <a:schemeClr val="tx1"/>
+              </a:solidFill>
+              <a:tailEnd type="triangle"/>
+            </a:ln>
+          </p:spPr>
+          <p:style>
+            <a:lnRef idx="1">
+              <a:schemeClr val="accent1"/>
+            </a:lnRef>
+            <a:fillRef idx="0">
+              <a:schemeClr val="accent1"/>
+            </a:fillRef>
+            <a:effectRef idx="0">
+              <a:schemeClr val="accent1"/>
+            </a:effectRef>
+            <a:fontRef idx="minor">
+              <a:schemeClr val="tx1"/>
+            </a:fontRef>
+          </p:style>
+          <p:txBody>
+            <a:bodyPr rtlCol="0" anchor="ctr"/>
+            <a:lstStyle/>
+            <a:p>
+              <a:pPr algn="ctr"/>
+              <a:endParaRPr lang="en-US"/>
+            </a:p>
+          </p:txBody>
+        </p:sp>
+      </p:grpSp>
+      <p:grpSp>
+        <p:nvGrpSpPr>
+          <p:cNvPr id="86" name="Group 85">
+            <a:extLst>
+              <a:ext uri="{FF2B5EF4-FFF2-40B4-BE49-F238E27FC236}">
+                <a16:creationId xmlns:a16="http://schemas.microsoft.com/office/drawing/2014/main" id="{B3D9E88D-B176-AD49-BE2A-80ACA900C423}"/>
+              </a:ext>
+            </a:extLst>
+          </p:cNvPr>
+          <p:cNvGrpSpPr/>
+          <p:nvPr/>
+        </p:nvGrpSpPr>
+        <p:grpSpPr>
+          <a:xfrm flipH="1">
+            <a:off x="2409808" y="1935529"/>
+            <a:ext cx="3529414" cy="3519309"/>
+            <a:chOff x="5782383" y="1945668"/>
+            <a:chExt cx="3529414" cy="3519309"/>
+          </a:xfrm>
+        </p:grpSpPr>
+        <p:sp>
+          <p:nvSpPr>
+            <p:cNvPr id="87" name="Arc 86">
+              <a:extLst>
+                <a:ext uri="{FF2B5EF4-FFF2-40B4-BE49-F238E27FC236}">
+                  <a16:creationId xmlns:a16="http://schemas.microsoft.com/office/drawing/2014/main" id="{8387241E-26DA-5442-9269-591EFD11B2BA}"/>
+                </a:ext>
+              </a:extLst>
+            </p:cNvPr>
+            <p:cNvSpPr/>
+            <p:nvPr/>
+          </p:nvSpPr>
+          <p:spPr>
+            <a:xfrm>
+              <a:off x="5792488" y="1945668"/>
+              <a:ext cx="3519309" cy="3519309"/>
+            </a:xfrm>
+            <a:prstGeom prst="arc">
+              <a:avLst>
+                <a:gd name="adj1" fmla="val 7357893"/>
+                <a:gd name="adj2" fmla="val 9523697"/>
+              </a:avLst>
+            </a:prstGeom>
+            <a:ln w="101600">
+              <a:solidFill>
+                <a:schemeClr val="tx1"/>
+              </a:solidFill>
+              <a:tailEnd type="triangle"/>
+            </a:ln>
+          </p:spPr>
+          <p:style>
+            <a:lnRef idx="1">
+              <a:schemeClr val="accent1"/>
+            </a:lnRef>
+            <a:fillRef idx="0">
+              <a:schemeClr val="accent1"/>
+            </a:fillRef>
+            <a:effectRef idx="0">
+              <a:schemeClr val="accent1"/>
+            </a:effectRef>
+            <a:fontRef idx="minor">
+              <a:schemeClr val="tx1"/>
+            </a:fontRef>
+          </p:style>
+          <p:txBody>
+            <a:bodyPr rtlCol="0" anchor="ctr"/>
+            <a:lstStyle/>
+            <a:p>
+              <a:pPr algn="ctr"/>
+              <a:endParaRPr lang="en-US"/>
+            </a:p>
+          </p:txBody>
+        </p:sp>
+        <p:sp>
+          <p:nvSpPr>
+            <p:cNvPr id="88" name="Arc 87">
+              <a:extLst>
+                <a:ext uri="{FF2B5EF4-FFF2-40B4-BE49-F238E27FC236}">
+                  <a16:creationId xmlns:a16="http://schemas.microsoft.com/office/drawing/2014/main" id="{6F3A373F-A214-2D40-AA04-444E6674F8EF}"/>
+                </a:ext>
+              </a:extLst>
+            </p:cNvPr>
+            <p:cNvSpPr/>
+            <p:nvPr/>
+          </p:nvSpPr>
+          <p:spPr>
+            <a:xfrm>
+              <a:off x="5792488" y="1945668"/>
+              <a:ext cx="3519309" cy="3519309"/>
+            </a:xfrm>
+            <a:prstGeom prst="arc">
+              <a:avLst>
+                <a:gd name="adj1" fmla="val 531738"/>
+                <a:gd name="adj2" fmla="val 3705940"/>
+              </a:avLst>
+            </a:prstGeom>
+            <a:ln w="101600">
+              <a:solidFill>
+                <a:schemeClr val="tx1"/>
+              </a:solidFill>
+              <a:tailEnd type="triangle"/>
+            </a:ln>
+          </p:spPr>
+          <p:style>
+            <a:lnRef idx="1">
+              <a:schemeClr val="accent1"/>
+            </a:lnRef>
+            <a:fillRef idx="0">
+              <a:schemeClr val="accent1"/>
+            </a:fillRef>
+            <a:effectRef idx="0">
+              <a:schemeClr val="accent1"/>
+            </a:effectRef>
+            <a:fontRef idx="minor">
+              <a:schemeClr val="tx1"/>
+            </a:fontRef>
+          </p:style>
+          <p:txBody>
+            <a:bodyPr rtlCol="0" anchor="ctr"/>
+            <a:lstStyle/>
+            <a:p>
+              <a:pPr algn="ctr"/>
+              <a:endParaRPr lang="en-US"/>
+            </a:p>
+          </p:txBody>
+        </p:sp>
+        <p:sp>
+          <p:nvSpPr>
+            <p:cNvPr id="89" name="Arc 88">
+              <a:extLst>
+                <a:ext uri="{FF2B5EF4-FFF2-40B4-BE49-F238E27FC236}">
+                  <a16:creationId xmlns:a16="http://schemas.microsoft.com/office/drawing/2014/main" id="{8B88FCE9-8215-194E-A8C0-9CD4912D29B4}"/>
+                </a:ext>
+              </a:extLst>
+            </p:cNvPr>
+            <p:cNvSpPr/>
+            <p:nvPr/>
+          </p:nvSpPr>
+          <p:spPr>
+            <a:xfrm>
+              <a:off x="5782383" y="1945668"/>
+              <a:ext cx="3519309" cy="3519309"/>
+            </a:xfrm>
+            <a:prstGeom prst="arc">
+              <a:avLst>
+                <a:gd name="adj1" fmla="val 17881352"/>
+                <a:gd name="adj2" fmla="val 20270169"/>
+              </a:avLst>
+            </a:prstGeom>
+            <a:ln w="101600">
+              <a:solidFill>
+                <a:schemeClr val="tx1"/>
+              </a:solidFill>
+              <a:tailEnd type="triangle"/>
+            </a:ln>
+          </p:spPr>
+          <p:style>
+            <a:lnRef idx="1">
+              <a:schemeClr val="accent1"/>
+            </a:lnRef>
+            <a:fillRef idx="0">
+              <a:schemeClr val="accent1"/>
+            </a:fillRef>
+            <a:effectRef idx="0">
+              <a:schemeClr val="accent1"/>
+            </a:effectRef>
+            <a:fontRef idx="minor">
+              <a:schemeClr val="tx1"/>
+            </a:fontRef>
+          </p:style>
+          <p:txBody>
+            <a:bodyPr rtlCol="0" anchor="ctr"/>
+            <a:lstStyle/>
+            <a:p>
+              <a:pPr algn="ctr"/>
+              <a:endParaRPr lang="en-US"/>
+            </a:p>
+          </p:txBody>
+        </p:sp>
+        <p:sp>
+          <p:nvSpPr>
+            <p:cNvPr id="90" name="Arc 89">
+              <a:extLst>
+                <a:ext uri="{FF2B5EF4-FFF2-40B4-BE49-F238E27FC236}">
+                  <a16:creationId xmlns:a16="http://schemas.microsoft.com/office/drawing/2014/main" id="{04BA3236-0926-5142-8974-1221586FECD5}"/>
+                </a:ext>
+              </a:extLst>
+            </p:cNvPr>
+            <p:cNvSpPr/>
+            <p:nvPr/>
+          </p:nvSpPr>
+          <p:spPr>
+            <a:xfrm>
+              <a:off x="5792488" y="1945668"/>
+              <a:ext cx="3519309" cy="3519309"/>
+            </a:xfrm>
+            <a:prstGeom prst="arc">
+              <a:avLst>
+                <a:gd name="adj1" fmla="val 11717558"/>
+                <a:gd name="adj2" fmla="val 14325570"/>
+              </a:avLst>
+            </a:prstGeom>
+            <a:ln w="101600">
+              <a:solidFill>
+                <a:schemeClr val="tx1"/>
+              </a:solidFill>
+              <a:tailEnd type="triangle"/>
+            </a:ln>
+          </p:spPr>
+          <p:style>
+            <a:lnRef idx="1">
+              <a:schemeClr val="accent1"/>
+            </a:lnRef>
+            <a:fillRef idx="0">
+              <a:schemeClr val="accent1"/>
+            </a:fillRef>
+            <a:effectRef idx="0">
+              <a:schemeClr val="accent1"/>
+            </a:effectRef>
+            <a:fontRef idx="minor">
+              <a:schemeClr val="tx1"/>
+            </a:fontRef>
+          </p:style>
+          <p:txBody>
+            <a:bodyPr rtlCol="0" anchor="ctr"/>
+            <a:lstStyle/>
+            <a:p>
+              <a:pPr algn="ctr"/>
+              <a:endParaRPr lang="en-US"/>
+            </a:p>
+          </p:txBody>
+        </p:sp>
+      </p:grpSp>
+      <p:cxnSp>
+        <p:nvCxnSpPr>
+          <p:cNvPr id="27" name="Straight Connector 26">
+            <a:extLst>
+              <a:ext uri="{FF2B5EF4-FFF2-40B4-BE49-F238E27FC236}">
+                <a16:creationId xmlns:a16="http://schemas.microsoft.com/office/drawing/2014/main" id="{676B7C72-8599-1049-92B4-E2325CFCD224}"/>
+              </a:ext>
+            </a:extLst>
+          </p:cNvPr>
+          <p:cNvCxnSpPr>
+            <a:cxnSpLocks/>
+          </p:cNvCxnSpPr>
+          <p:nvPr/>
+        </p:nvCxnSpPr>
         <p:spPr>
           <a:xfrm>
-            <a:off x="5714872" y="4712969"/>
-            <a:ext cx="266841" cy="795566"/>
+            <a:off x="5861483" y="3111500"/>
+            <a:ext cx="0" cy="134613"/>
           </a:xfrm>
-          <a:prstGeom prst="upArrow">
+          <a:prstGeom prst="line">
             <a:avLst/>
           </a:prstGeom>
-          <a:solidFill>
-            <a:schemeClr val="tx1"/>
-          </a:solidFill>
-          <a:ln>
+          <a:ln w="88900">
             <a:solidFill>
               <a:schemeClr val="tx1"/>
             </a:solidFill>
           </a:ln>
         </p:spPr>
         <p:style>
-          <a:lnRef idx="2">
-            <a:schemeClr val="accent1">
-              <a:shade val="50000"/>
-            </a:schemeClr>
+          <a:lnRef idx="1">
+            <a:schemeClr val="accent1"/>
           </a:lnRef>
-          <a:fillRef idx="1">
+          <a:fillRef idx="0">
             <a:schemeClr val="accent1"/>
           </a:fillRef>
           <a:effectRef idx="0">
             <a:schemeClr val="accent1"/>
           </a:effectRef>
           <a:fontRef idx="minor">
-            <a:schemeClr val="lt1"/>
+            <a:schemeClr val="tx1"/>
           </a:fontRef>
         </p:style>
-        <p:txBody>
-          <a:bodyPr rtlCol="0" anchor="ctr"/>
-          <a:lstStyle/>
-          <a:p>
-            <a:pPr algn="ctr"/>
-            <a:endParaRPr lang="en-US"/>
-          </a:p>
-        </p:txBody>
-      </p:sp>
-      <p:sp>
-        <p:nvSpPr>
-          <p:cNvPr id="23" name="TextBox 22">
-            <a:extLst>
-              <a:ext uri="{FF2B5EF4-FFF2-40B4-BE49-F238E27FC236}">
-                <a16:creationId xmlns:a16="http://schemas.microsoft.com/office/drawing/2014/main" id="{4219AAB7-4650-9443-B3E6-06103887E776}"/>
-              </a:ext>
-            </a:extLst>
-          </p:cNvPr>
-          <p:cNvSpPr txBox="1"/>
-          <p:nvPr/>
-        </p:nvSpPr>
-        <p:spPr>
-          <a:xfrm>
-            <a:off x="5350399" y="5578458"/>
-            <a:ext cx="995785" cy="369332"/>
-          </a:xfrm>
-          <a:prstGeom prst="rect">
-            <a:avLst/>
-          </a:prstGeom>
-          <a:noFill/>
-        </p:spPr>
-        <p:txBody>
-          <a:bodyPr wrap="none" rtlCol="0">
-            <a:spAutoFit/>
-          </a:bodyPr>
-          <a:lstStyle/>
-          <a:p>
-            <a:r>
-              <a:rPr lang="en-US" dirty="0"/>
-              <a:t>OSR bias</a:t>
-            </a:r>
-          </a:p>
-        </p:txBody>
-      </p:sp>
-      <p:sp>
-        <p:nvSpPr>
-          <p:cNvPr id="53" name="TextBox 52">
-            <a:extLst>
-              <a:ext uri="{FF2B5EF4-FFF2-40B4-BE49-F238E27FC236}">
-                <a16:creationId xmlns:a16="http://schemas.microsoft.com/office/drawing/2014/main" id="{D4474C24-6963-6A42-9102-32E867772FF9}"/>
-              </a:ext>
-            </a:extLst>
-          </p:cNvPr>
-          <p:cNvSpPr txBox="1"/>
-          <p:nvPr/>
-        </p:nvSpPr>
-        <p:spPr>
-          <a:xfrm>
-            <a:off x="2279318" y="5967891"/>
-            <a:ext cx="3071082" cy="369332"/>
-          </a:xfrm>
-          <a:prstGeom prst="rect">
-            <a:avLst/>
-          </a:prstGeom>
-          <a:noFill/>
-        </p:spPr>
-        <p:txBody>
-          <a:bodyPr wrap="square" rtlCol="0">
-            <a:spAutoFit/>
-          </a:bodyPr>
-          <a:lstStyle/>
-          <a:p>
-            <a:r>
-              <a:rPr lang="en-US" dirty="0"/>
-              <a:t>Selection                common sex</a:t>
-            </a:r>
-          </a:p>
-        </p:txBody>
-      </p:sp>
-      <p:sp>
-        <p:nvSpPr>
-          <p:cNvPr id="54" name="TextBox 53">
-            <a:extLst>
-              <a:ext uri="{FF2B5EF4-FFF2-40B4-BE49-F238E27FC236}">
-                <a16:creationId xmlns:a16="http://schemas.microsoft.com/office/drawing/2014/main" id="{CE4F4FF0-C4FC-E84E-8ACE-FFAF59E6584C}"/>
-              </a:ext>
-            </a:extLst>
-          </p:cNvPr>
-          <p:cNvSpPr txBox="1"/>
-          <p:nvPr/>
-        </p:nvSpPr>
-        <p:spPr>
-          <a:xfrm>
-            <a:off x="6295595" y="5977177"/>
-            <a:ext cx="2500941" cy="369332"/>
-          </a:xfrm>
-          <a:prstGeom prst="rect">
-            <a:avLst/>
-          </a:prstGeom>
-          <a:noFill/>
-        </p:spPr>
-        <p:txBody>
-          <a:bodyPr wrap="none" rtlCol="0">
-            <a:spAutoFit/>
-          </a:bodyPr>
-          <a:lstStyle/>
-          <a:p>
-            <a:r>
-              <a:rPr lang="en-US" dirty="0"/>
-              <a:t>Rare sex                     Drift</a:t>
-            </a:r>
-          </a:p>
-        </p:txBody>
-      </p:sp>
-      <p:sp>
-        <p:nvSpPr>
-          <p:cNvPr id="55" name="Up Arrow 54">
-            <a:extLst>
-              <a:ext uri="{FF2B5EF4-FFF2-40B4-BE49-F238E27FC236}">
-                <a16:creationId xmlns:a16="http://schemas.microsoft.com/office/drawing/2014/main" id="{27A08602-33F2-5B4A-91A9-FE93D370463F}"/>
-              </a:ext>
-            </a:extLst>
-          </p:cNvPr>
-          <p:cNvSpPr/>
-          <p:nvPr/>
-        </p:nvSpPr>
-        <p:spPr>
-          <a:xfrm rot="5400000">
-            <a:off x="3548903" y="5836712"/>
-            <a:ext cx="158823" cy="623940"/>
-          </a:xfrm>
-          <a:prstGeom prst="upArrow">
-            <a:avLst/>
-          </a:prstGeom>
-          <a:solidFill>
-            <a:schemeClr val="tx1"/>
-          </a:solidFill>
-          <a:ln>
-            <a:solidFill>
-              <a:schemeClr val="tx1"/>
-            </a:solidFill>
-          </a:ln>
-        </p:spPr>
-        <p:style>
-          <a:lnRef idx="2">
-            <a:schemeClr val="accent1">
-              <a:shade val="50000"/>
-            </a:schemeClr>
-          </a:lnRef>
-          <a:fillRef idx="1">
-            <a:schemeClr val="accent1"/>
-          </a:fillRef>
-          <a:effectRef idx="0">
-            <a:schemeClr val="accent1"/>
-          </a:effectRef>
-          <a:fontRef idx="minor">
-            <a:schemeClr val="lt1"/>
-          </a:fontRef>
-        </p:style>
-        <p:txBody>
-          <a:bodyPr rtlCol="0" anchor="ctr"/>
-          <a:lstStyle/>
-          <a:p>
-            <a:pPr algn="ctr"/>
-            <a:endParaRPr lang="en-US"/>
-          </a:p>
-        </p:txBody>
-      </p:sp>
-      <p:sp>
-        <p:nvSpPr>
-          <p:cNvPr id="56" name="Up Arrow 55">
-            <a:extLst>
-              <a:ext uri="{FF2B5EF4-FFF2-40B4-BE49-F238E27FC236}">
-                <a16:creationId xmlns:a16="http://schemas.microsoft.com/office/drawing/2014/main" id="{63531AD0-F3F9-1F43-8270-6FB88468F46F}"/>
-              </a:ext>
-            </a:extLst>
-          </p:cNvPr>
-          <p:cNvSpPr/>
-          <p:nvPr/>
-        </p:nvSpPr>
-        <p:spPr>
-          <a:xfrm rot="16200000" flipH="1">
-            <a:off x="7605334" y="5850076"/>
-            <a:ext cx="158823" cy="623940"/>
-          </a:xfrm>
-          <a:prstGeom prst="upArrow">
-            <a:avLst/>
-          </a:prstGeom>
-          <a:solidFill>
-            <a:schemeClr val="tx1"/>
-          </a:solidFill>
-          <a:ln>
-            <a:solidFill>
-              <a:schemeClr val="tx1"/>
-            </a:solidFill>
-          </a:ln>
-        </p:spPr>
-        <p:style>
-          <a:lnRef idx="2">
-            <a:schemeClr val="accent1">
-              <a:shade val="50000"/>
-            </a:schemeClr>
-          </a:lnRef>
-          <a:fillRef idx="1">
-            <a:schemeClr val="accent1"/>
-          </a:fillRef>
-          <a:effectRef idx="0">
-            <a:schemeClr val="accent1"/>
-          </a:effectRef>
-          <a:fontRef idx="minor">
-            <a:schemeClr val="lt1"/>
-          </a:fontRef>
-        </p:style>
-        <p:txBody>
-          <a:bodyPr rtlCol="0" anchor="ctr"/>
-          <a:lstStyle/>
-          <a:p>
-            <a:pPr algn="ctr"/>
-            <a:endParaRPr lang="en-US"/>
-          </a:p>
-        </p:txBody>
-      </p:sp>
-      <p:sp>
-        <p:nvSpPr>
-          <p:cNvPr id="57" name="TextBox 56">
-            <a:extLst>
-              <a:ext uri="{FF2B5EF4-FFF2-40B4-BE49-F238E27FC236}">
-                <a16:creationId xmlns:a16="http://schemas.microsoft.com/office/drawing/2014/main" id="{B3287274-99B0-9943-BFC2-5A69D07705B1}"/>
-              </a:ext>
-            </a:extLst>
-          </p:cNvPr>
-          <p:cNvSpPr txBox="1"/>
-          <p:nvPr/>
-        </p:nvSpPr>
-        <p:spPr>
-          <a:xfrm>
-            <a:off x="4516249" y="1245768"/>
-            <a:ext cx="2717282" cy="369332"/>
-          </a:xfrm>
-          <a:prstGeom prst="rect">
-            <a:avLst/>
-          </a:prstGeom>
-          <a:noFill/>
-        </p:spPr>
-        <p:txBody>
-          <a:bodyPr wrap="none" rtlCol="0">
-            <a:spAutoFit/>
-          </a:bodyPr>
-          <a:lstStyle/>
-          <a:p>
-            <a:r>
-              <a:rPr lang="en-US" dirty="0"/>
-              <a:t>Change in allele frequency </a:t>
-            </a:r>
-          </a:p>
-        </p:txBody>
-      </p:sp>
+      </p:cxnSp>
     </p:spTree>
     <p:extLst>
       <p:ext uri="{BB962C8B-B14F-4D97-AF65-F5344CB8AC3E}">
